--- a/CASE-STUDY.pptx
+++ b/CASE-STUDY.pptx
@@ -5,10 +5,10 @@
     <p:sldMasterId id="2147483648" r:id="rId4"/>
   </p:sldMasterIdLst>
   <p:notesMasterIdLst>
-    <p:notesMasterId r:id="rId11"/>
+    <p:notesMasterId r:id="rId18"/>
   </p:notesMasterIdLst>
   <p:handoutMasterIdLst>
-    <p:handoutMasterId r:id="rId12"/>
+    <p:handoutMasterId r:id="rId19"/>
   </p:handoutMasterIdLst>
   <p:sldIdLst>
     <p:sldId id="256" r:id="rId5"/>
@@ -17,6 +17,13 @@
     <p:sldId id="260" r:id="rId8"/>
     <p:sldId id="261" r:id="rId9"/>
     <p:sldId id="262" r:id="rId10"/>
+    <p:sldId id="263" r:id="rId11"/>
+    <p:sldId id="264" r:id="rId12"/>
+    <p:sldId id="265" r:id="rId13"/>
+    <p:sldId id="266" r:id="rId14"/>
+    <p:sldId id="267" r:id="rId15"/>
+    <p:sldId id="268" r:id="rId16"/>
+    <p:sldId id="269" r:id="rId17"/>
   </p:sldIdLst>
   <p:sldSz cx="9144000" cy="6858000" type="screen4x3"/>
   <p:notesSz cx="6858000" cy="9144000"/>
@@ -231,7 +238,7 @@
           <a:p>
             <a:fld id="{0BAB0719-0C0B-4FCD-8C42-A758D216E1BD}" type="datetimeFigureOut">
               <a:rPr lang="en-US" smtClean="0"/>
-              <a:t>3/15/2023</a:t>
+              <a:t>3/16/2023</a:t>
             </a:fld>
             <a:endParaRPr lang="en-US" dirty="0"/>
           </a:p>
@@ -409,7 +416,7 @@
             <a:fld id="{925A17EF-115B-4BB9-BF42-426DFD9E898A}" type="datetimeFigureOut">
               <a:rPr lang="en-US" smtClean="0"/>
               <a:pPr/>
-              <a:t>3/15/2023</a:t>
+              <a:t>3/16/2023</a:t>
             </a:fld>
             <a:endParaRPr lang="en-US" dirty="0"/>
           </a:p>
@@ -756,6 +763,354 @@
 </p:notes>
 </file>
 
+<file path=ppt/notesSlides/notesSlide10.xml><?xml version="1.0" encoding="utf-8"?>
+<p:notes xmlns:a="http://schemas.openxmlformats.org/drawingml/2006/main" xmlns:r="http://schemas.openxmlformats.org/officeDocument/2006/relationships" xmlns:p="http://schemas.openxmlformats.org/presentationml/2006/main">
+  <p:cSld>
+    <p:spTree>
+      <p:nvGrpSpPr>
+        <p:cNvPr id="1" name=""/>
+        <p:cNvGrpSpPr/>
+        <p:nvPr/>
+      </p:nvGrpSpPr>
+      <p:grpSpPr>
+        <a:xfrm>
+          <a:off x="0" y="0"/>
+          <a:ext cx="0" cy="0"/>
+          <a:chOff x="0" y="0"/>
+          <a:chExt cx="0" cy="0"/>
+        </a:xfrm>
+      </p:grpSpPr>
+      <p:sp>
+        <p:nvSpPr>
+          <p:cNvPr id="2" name="Slide Image Placeholder 1"/>
+          <p:cNvSpPr>
+            <a:spLocks noGrp="1" noRot="1" noChangeAspect="1"/>
+          </p:cNvSpPr>
+          <p:nvPr>
+            <p:ph type="sldImg"/>
+          </p:nvPr>
+        </p:nvSpPr>
+        <p:spPr/>
+      </p:sp>
+      <p:sp>
+        <p:nvSpPr>
+          <p:cNvPr id="3" name="Notes Placeholder 2"/>
+          <p:cNvSpPr>
+            <a:spLocks noGrp="1"/>
+          </p:cNvSpPr>
+          <p:nvPr>
+            <p:ph type="body" idx="1"/>
+          </p:nvPr>
+        </p:nvSpPr>
+        <p:spPr/>
+        <p:txBody>
+          <a:bodyPr>
+            <a:normAutofit/>
+          </a:bodyPr>
+          <a:lstStyle/>
+          <a:p>
+            <a:endParaRPr lang="en-US" dirty="0"/>
+          </a:p>
+        </p:txBody>
+      </p:sp>
+      <p:sp>
+        <p:nvSpPr>
+          <p:cNvPr id="4" name="Slide Number Placeholder 3"/>
+          <p:cNvSpPr>
+            <a:spLocks noGrp="1"/>
+          </p:cNvSpPr>
+          <p:nvPr>
+            <p:ph type="sldNum" sz="quarter" idx="10"/>
+          </p:nvPr>
+        </p:nvSpPr>
+        <p:spPr/>
+        <p:txBody>
+          <a:bodyPr/>
+          <a:lstStyle/>
+          <a:p>
+            <a:fld id="{7C4E7652-46AF-4259-BAE2-54978EA077CD}" type="slidenum">
+              <a:rPr lang="en-US" smtClean="0"/>
+              <a:pPr/>
+              <a:t>10</a:t>
+            </a:fld>
+            <a:endParaRPr lang="en-US" dirty="0"/>
+          </a:p>
+        </p:txBody>
+      </p:sp>
+    </p:spTree>
+    <p:extLst>
+      <p:ext uri="{BB962C8B-B14F-4D97-AF65-F5344CB8AC3E}">
+        <p14:creationId xmlns:p14="http://schemas.microsoft.com/office/powerpoint/2010/main" val="410631719"/>
+      </p:ext>
+    </p:extLst>
+  </p:cSld>
+  <p:clrMapOvr>
+    <a:masterClrMapping/>
+  </p:clrMapOvr>
+</p:notes>
+</file>
+
+<file path=ppt/notesSlides/notesSlide11.xml><?xml version="1.0" encoding="utf-8"?>
+<p:notes xmlns:a="http://schemas.openxmlformats.org/drawingml/2006/main" xmlns:r="http://schemas.openxmlformats.org/officeDocument/2006/relationships" xmlns:p="http://schemas.openxmlformats.org/presentationml/2006/main">
+  <p:cSld>
+    <p:spTree>
+      <p:nvGrpSpPr>
+        <p:cNvPr id="1" name=""/>
+        <p:cNvGrpSpPr/>
+        <p:nvPr/>
+      </p:nvGrpSpPr>
+      <p:grpSpPr>
+        <a:xfrm>
+          <a:off x="0" y="0"/>
+          <a:ext cx="0" cy="0"/>
+          <a:chOff x="0" y="0"/>
+          <a:chExt cx="0" cy="0"/>
+        </a:xfrm>
+      </p:grpSpPr>
+      <p:sp>
+        <p:nvSpPr>
+          <p:cNvPr id="2" name="Slide Image Placeholder 1"/>
+          <p:cNvSpPr>
+            <a:spLocks noGrp="1" noRot="1" noChangeAspect="1"/>
+          </p:cNvSpPr>
+          <p:nvPr>
+            <p:ph type="sldImg"/>
+          </p:nvPr>
+        </p:nvSpPr>
+        <p:spPr/>
+      </p:sp>
+      <p:sp>
+        <p:nvSpPr>
+          <p:cNvPr id="3" name="Notes Placeholder 2"/>
+          <p:cNvSpPr>
+            <a:spLocks noGrp="1"/>
+          </p:cNvSpPr>
+          <p:nvPr>
+            <p:ph type="body" idx="1"/>
+          </p:nvPr>
+        </p:nvSpPr>
+        <p:spPr/>
+        <p:txBody>
+          <a:bodyPr>
+            <a:normAutofit/>
+          </a:bodyPr>
+          <a:lstStyle/>
+          <a:p>
+            <a:endParaRPr lang="en-US" dirty="0"/>
+          </a:p>
+        </p:txBody>
+      </p:sp>
+      <p:sp>
+        <p:nvSpPr>
+          <p:cNvPr id="4" name="Slide Number Placeholder 3"/>
+          <p:cNvSpPr>
+            <a:spLocks noGrp="1"/>
+          </p:cNvSpPr>
+          <p:nvPr>
+            <p:ph type="sldNum" sz="quarter" idx="10"/>
+          </p:nvPr>
+        </p:nvSpPr>
+        <p:spPr/>
+        <p:txBody>
+          <a:bodyPr/>
+          <a:lstStyle/>
+          <a:p>
+            <a:fld id="{7C4E7652-46AF-4259-BAE2-54978EA077CD}" type="slidenum">
+              <a:rPr lang="en-US" smtClean="0"/>
+              <a:pPr/>
+              <a:t>11</a:t>
+            </a:fld>
+            <a:endParaRPr lang="en-US" dirty="0"/>
+          </a:p>
+        </p:txBody>
+      </p:sp>
+    </p:spTree>
+    <p:extLst>
+      <p:ext uri="{BB962C8B-B14F-4D97-AF65-F5344CB8AC3E}">
+        <p14:creationId xmlns:p14="http://schemas.microsoft.com/office/powerpoint/2010/main" val="2314490549"/>
+      </p:ext>
+    </p:extLst>
+  </p:cSld>
+  <p:clrMapOvr>
+    <a:masterClrMapping/>
+  </p:clrMapOvr>
+</p:notes>
+</file>
+
+<file path=ppt/notesSlides/notesSlide12.xml><?xml version="1.0" encoding="utf-8"?>
+<p:notes xmlns:a="http://schemas.openxmlformats.org/drawingml/2006/main" xmlns:r="http://schemas.openxmlformats.org/officeDocument/2006/relationships" xmlns:p="http://schemas.openxmlformats.org/presentationml/2006/main">
+  <p:cSld>
+    <p:spTree>
+      <p:nvGrpSpPr>
+        <p:cNvPr id="1" name=""/>
+        <p:cNvGrpSpPr/>
+        <p:nvPr/>
+      </p:nvGrpSpPr>
+      <p:grpSpPr>
+        <a:xfrm>
+          <a:off x="0" y="0"/>
+          <a:ext cx="0" cy="0"/>
+          <a:chOff x="0" y="0"/>
+          <a:chExt cx="0" cy="0"/>
+        </a:xfrm>
+      </p:grpSpPr>
+      <p:sp>
+        <p:nvSpPr>
+          <p:cNvPr id="2" name="Slide Image Placeholder 1"/>
+          <p:cNvSpPr>
+            <a:spLocks noGrp="1" noRot="1" noChangeAspect="1"/>
+          </p:cNvSpPr>
+          <p:nvPr>
+            <p:ph type="sldImg"/>
+          </p:nvPr>
+        </p:nvSpPr>
+        <p:spPr/>
+      </p:sp>
+      <p:sp>
+        <p:nvSpPr>
+          <p:cNvPr id="3" name="Notes Placeholder 2"/>
+          <p:cNvSpPr>
+            <a:spLocks noGrp="1"/>
+          </p:cNvSpPr>
+          <p:nvPr>
+            <p:ph type="body" idx="1"/>
+          </p:nvPr>
+        </p:nvSpPr>
+        <p:spPr/>
+        <p:txBody>
+          <a:bodyPr>
+            <a:normAutofit/>
+          </a:bodyPr>
+          <a:lstStyle/>
+          <a:p>
+            <a:endParaRPr lang="en-US" dirty="0"/>
+          </a:p>
+        </p:txBody>
+      </p:sp>
+      <p:sp>
+        <p:nvSpPr>
+          <p:cNvPr id="4" name="Slide Number Placeholder 3"/>
+          <p:cNvSpPr>
+            <a:spLocks noGrp="1"/>
+          </p:cNvSpPr>
+          <p:nvPr>
+            <p:ph type="sldNum" sz="quarter" idx="10"/>
+          </p:nvPr>
+        </p:nvSpPr>
+        <p:spPr/>
+        <p:txBody>
+          <a:bodyPr/>
+          <a:lstStyle/>
+          <a:p>
+            <a:fld id="{7C4E7652-46AF-4259-BAE2-54978EA077CD}" type="slidenum">
+              <a:rPr lang="en-US" smtClean="0"/>
+              <a:pPr/>
+              <a:t>12</a:t>
+            </a:fld>
+            <a:endParaRPr lang="en-US" dirty="0"/>
+          </a:p>
+        </p:txBody>
+      </p:sp>
+    </p:spTree>
+    <p:extLst>
+      <p:ext uri="{BB962C8B-B14F-4D97-AF65-F5344CB8AC3E}">
+        <p14:creationId xmlns:p14="http://schemas.microsoft.com/office/powerpoint/2010/main" val="3226769662"/>
+      </p:ext>
+    </p:extLst>
+  </p:cSld>
+  <p:clrMapOvr>
+    <a:masterClrMapping/>
+  </p:clrMapOvr>
+</p:notes>
+</file>
+
+<file path=ppt/notesSlides/notesSlide13.xml><?xml version="1.0" encoding="utf-8"?>
+<p:notes xmlns:a="http://schemas.openxmlformats.org/drawingml/2006/main" xmlns:r="http://schemas.openxmlformats.org/officeDocument/2006/relationships" xmlns:p="http://schemas.openxmlformats.org/presentationml/2006/main">
+  <p:cSld>
+    <p:spTree>
+      <p:nvGrpSpPr>
+        <p:cNvPr id="1" name=""/>
+        <p:cNvGrpSpPr/>
+        <p:nvPr/>
+      </p:nvGrpSpPr>
+      <p:grpSpPr>
+        <a:xfrm>
+          <a:off x="0" y="0"/>
+          <a:ext cx="0" cy="0"/>
+          <a:chOff x="0" y="0"/>
+          <a:chExt cx="0" cy="0"/>
+        </a:xfrm>
+      </p:grpSpPr>
+      <p:sp>
+        <p:nvSpPr>
+          <p:cNvPr id="2" name="Slide Image Placeholder 1"/>
+          <p:cNvSpPr>
+            <a:spLocks noGrp="1" noRot="1" noChangeAspect="1"/>
+          </p:cNvSpPr>
+          <p:nvPr>
+            <p:ph type="sldImg"/>
+          </p:nvPr>
+        </p:nvSpPr>
+        <p:spPr/>
+      </p:sp>
+      <p:sp>
+        <p:nvSpPr>
+          <p:cNvPr id="3" name="Notes Placeholder 2"/>
+          <p:cNvSpPr>
+            <a:spLocks noGrp="1"/>
+          </p:cNvSpPr>
+          <p:nvPr>
+            <p:ph type="body" idx="1"/>
+          </p:nvPr>
+        </p:nvSpPr>
+        <p:spPr/>
+        <p:txBody>
+          <a:bodyPr>
+            <a:normAutofit/>
+          </a:bodyPr>
+          <a:lstStyle/>
+          <a:p>
+            <a:endParaRPr lang="en-US" dirty="0"/>
+          </a:p>
+        </p:txBody>
+      </p:sp>
+      <p:sp>
+        <p:nvSpPr>
+          <p:cNvPr id="4" name="Slide Number Placeholder 3"/>
+          <p:cNvSpPr>
+            <a:spLocks noGrp="1"/>
+          </p:cNvSpPr>
+          <p:nvPr>
+            <p:ph type="sldNum" sz="quarter" idx="10"/>
+          </p:nvPr>
+        </p:nvSpPr>
+        <p:spPr/>
+        <p:txBody>
+          <a:bodyPr/>
+          <a:lstStyle/>
+          <a:p>
+            <a:fld id="{7C4E7652-46AF-4259-BAE2-54978EA077CD}" type="slidenum">
+              <a:rPr lang="en-US" smtClean="0"/>
+              <a:pPr/>
+              <a:t>13</a:t>
+            </a:fld>
+            <a:endParaRPr lang="en-US" dirty="0"/>
+          </a:p>
+        </p:txBody>
+      </p:sp>
+    </p:spTree>
+    <p:extLst>
+      <p:ext uri="{BB962C8B-B14F-4D97-AF65-F5344CB8AC3E}">
+        <p14:creationId xmlns:p14="http://schemas.microsoft.com/office/powerpoint/2010/main" val="3669483979"/>
+      </p:ext>
+    </p:extLst>
+  </p:cSld>
+  <p:clrMapOvr>
+    <a:masterClrMapping/>
+  </p:clrMapOvr>
+</p:notes>
+</file>
+
 <file path=ppt/notesSlides/notesSlide2.xml><?xml version="1.0" encoding="utf-8"?>
 <p:notes xmlns:a="http://schemas.openxmlformats.org/drawingml/2006/main" xmlns:r="http://schemas.openxmlformats.org/officeDocument/2006/relationships" xmlns:p="http://schemas.openxmlformats.org/presentationml/2006/main">
   <p:cSld>
@@ -1089,7 +1444,7 @@
     </p:spTree>
     <p:extLst>
       <p:ext uri="{BB962C8B-B14F-4D97-AF65-F5344CB8AC3E}">
-        <p14:creationId xmlns:p14="http://schemas.microsoft.com/office/powerpoint/2010/main" val="3233767975"/>
+        <p14:creationId xmlns:p14="http://schemas.microsoft.com/office/powerpoint/2010/main" val="337160220"/>
       </p:ext>
     </p:extLst>
   </p:cSld>
@@ -1176,7 +1531,268 @@
     </p:spTree>
     <p:extLst>
       <p:ext uri="{BB962C8B-B14F-4D97-AF65-F5344CB8AC3E}">
-        <p14:creationId xmlns:p14="http://schemas.microsoft.com/office/powerpoint/2010/main" val="1308179295"/>
+        <p14:creationId xmlns:p14="http://schemas.microsoft.com/office/powerpoint/2010/main" val="1169028281"/>
+      </p:ext>
+    </p:extLst>
+  </p:cSld>
+  <p:clrMapOvr>
+    <a:masterClrMapping/>
+  </p:clrMapOvr>
+</p:notes>
+</file>
+
+<file path=ppt/notesSlides/notesSlide7.xml><?xml version="1.0" encoding="utf-8"?>
+<p:notes xmlns:a="http://schemas.openxmlformats.org/drawingml/2006/main" xmlns:r="http://schemas.openxmlformats.org/officeDocument/2006/relationships" xmlns:p="http://schemas.openxmlformats.org/presentationml/2006/main">
+  <p:cSld>
+    <p:spTree>
+      <p:nvGrpSpPr>
+        <p:cNvPr id="1" name=""/>
+        <p:cNvGrpSpPr/>
+        <p:nvPr/>
+      </p:nvGrpSpPr>
+      <p:grpSpPr>
+        <a:xfrm>
+          <a:off x="0" y="0"/>
+          <a:ext cx="0" cy="0"/>
+          <a:chOff x="0" y="0"/>
+          <a:chExt cx="0" cy="0"/>
+        </a:xfrm>
+      </p:grpSpPr>
+      <p:sp>
+        <p:nvSpPr>
+          <p:cNvPr id="2" name="Slide Image Placeholder 1"/>
+          <p:cNvSpPr>
+            <a:spLocks noGrp="1" noRot="1" noChangeAspect="1"/>
+          </p:cNvSpPr>
+          <p:nvPr>
+            <p:ph type="sldImg"/>
+          </p:nvPr>
+        </p:nvSpPr>
+        <p:spPr/>
+      </p:sp>
+      <p:sp>
+        <p:nvSpPr>
+          <p:cNvPr id="3" name="Notes Placeholder 2"/>
+          <p:cNvSpPr>
+            <a:spLocks noGrp="1"/>
+          </p:cNvSpPr>
+          <p:nvPr>
+            <p:ph type="body" idx="1"/>
+          </p:nvPr>
+        </p:nvSpPr>
+        <p:spPr/>
+        <p:txBody>
+          <a:bodyPr>
+            <a:normAutofit/>
+          </a:bodyPr>
+          <a:lstStyle/>
+          <a:p>
+            <a:endParaRPr lang="en-US" dirty="0"/>
+          </a:p>
+        </p:txBody>
+      </p:sp>
+      <p:sp>
+        <p:nvSpPr>
+          <p:cNvPr id="4" name="Slide Number Placeholder 3"/>
+          <p:cNvSpPr>
+            <a:spLocks noGrp="1"/>
+          </p:cNvSpPr>
+          <p:nvPr>
+            <p:ph type="sldNum" sz="quarter" idx="10"/>
+          </p:nvPr>
+        </p:nvSpPr>
+        <p:spPr/>
+        <p:txBody>
+          <a:bodyPr/>
+          <a:lstStyle/>
+          <a:p>
+            <a:fld id="{7C4E7652-46AF-4259-BAE2-54978EA077CD}" type="slidenum">
+              <a:rPr lang="en-US" smtClean="0"/>
+              <a:pPr/>
+              <a:t>7</a:t>
+            </a:fld>
+            <a:endParaRPr lang="en-US" dirty="0"/>
+          </a:p>
+        </p:txBody>
+      </p:sp>
+    </p:spTree>
+    <p:extLst>
+      <p:ext uri="{BB962C8B-B14F-4D97-AF65-F5344CB8AC3E}">
+        <p14:creationId xmlns:p14="http://schemas.microsoft.com/office/powerpoint/2010/main" val="326775421"/>
+      </p:ext>
+    </p:extLst>
+  </p:cSld>
+  <p:clrMapOvr>
+    <a:masterClrMapping/>
+  </p:clrMapOvr>
+</p:notes>
+</file>
+
+<file path=ppt/notesSlides/notesSlide8.xml><?xml version="1.0" encoding="utf-8"?>
+<p:notes xmlns:a="http://schemas.openxmlformats.org/drawingml/2006/main" xmlns:r="http://schemas.openxmlformats.org/officeDocument/2006/relationships" xmlns:p="http://schemas.openxmlformats.org/presentationml/2006/main">
+  <p:cSld>
+    <p:spTree>
+      <p:nvGrpSpPr>
+        <p:cNvPr id="1" name=""/>
+        <p:cNvGrpSpPr/>
+        <p:nvPr/>
+      </p:nvGrpSpPr>
+      <p:grpSpPr>
+        <a:xfrm>
+          <a:off x="0" y="0"/>
+          <a:ext cx="0" cy="0"/>
+          <a:chOff x="0" y="0"/>
+          <a:chExt cx="0" cy="0"/>
+        </a:xfrm>
+      </p:grpSpPr>
+      <p:sp>
+        <p:nvSpPr>
+          <p:cNvPr id="2" name="Slide Image Placeholder 1"/>
+          <p:cNvSpPr>
+            <a:spLocks noGrp="1" noRot="1" noChangeAspect="1"/>
+          </p:cNvSpPr>
+          <p:nvPr>
+            <p:ph type="sldImg"/>
+          </p:nvPr>
+        </p:nvSpPr>
+        <p:spPr/>
+      </p:sp>
+      <p:sp>
+        <p:nvSpPr>
+          <p:cNvPr id="3" name="Notes Placeholder 2"/>
+          <p:cNvSpPr>
+            <a:spLocks noGrp="1"/>
+          </p:cNvSpPr>
+          <p:nvPr>
+            <p:ph type="body" idx="1"/>
+          </p:nvPr>
+        </p:nvSpPr>
+        <p:spPr/>
+        <p:txBody>
+          <a:bodyPr>
+            <a:normAutofit/>
+          </a:bodyPr>
+          <a:lstStyle/>
+          <a:p>
+            <a:endParaRPr lang="en-US" dirty="0"/>
+          </a:p>
+        </p:txBody>
+      </p:sp>
+      <p:sp>
+        <p:nvSpPr>
+          <p:cNvPr id="4" name="Slide Number Placeholder 3"/>
+          <p:cNvSpPr>
+            <a:spLocks noGrp="1"/>
+          </p:cNvSpPr>
+          <p:nvPr>
+            <p:ph type="sldNum" sz="quarter" idx="10"/>
+          </p:nvPr>
+        </p:nvSpPr>
+        <p:spPr/>
+        <p:txBody>
+          <a:bodyPr/>
+          <a:lstStyle/>
+          <a:p>
+            <a:fld id="{7C4E7652-46AF-4259-BAE2-54978EA077CD}" type="slidenum">
+              <a:rPr lang="en-US" smtClean="0"/>
+              <a:pPr/>
+              <a:t>8</a:t>
+            </a:fld>
+            <a:endParaRPr lang="en-US" dirty="0"/>
+          </a:p>
+        </p:txBody>
+      </p:sp>
+    </p:spTree>
+    <p:extLst>
+      <p:ext uri="{BB962C8B-B14F-4D97-AF65-F5344CB8AC3E}">
+        <p14:creationId xmlns:p14="http://schemas.microsoft.com/office/powerpoint/2010/main" val="4195981675"/>
+      </p:ext>
+    </p:extLst>
+  </p:cSld>
+  <p:clrMapOvr>
+    <a:masterClrMapping/>
+  </p:clrMapOvr>
+</p:notes>
+</file>
+
+<file path=ppt/notesSlides/notesSlide9.xml><?xml version="1.0" encoding="utf-8"?>
+<p:notes xmlns:a="http://schemas.openxmlformats.org/drawingml/2006/main" xmlns:r="http://schemas.openxmlformats.org/officeDocument/2006/relationships" xmlns:p="http://schemas.openxmlformats.org/presentationml/2006/main">
+  <p:cSld>
+    <p:spTree>
+      <p:nvGrpSpPr>
+        <p:cNvPr id="1" name=""/>
+        <p:cNvGrpSpPr/>
+        <p:nvPr/>
+      </p:nvGrpSpPr>
+      <p:grpSpPr>
+        <a:xfrm>
+          <a:off x="0" y="0"/>
+          <a:ext cx="0" cy="0"/>
+          <a:chOff x="0" y="0"/>
+          <a:chExt cx="0" cy="0"/>
+        </a:xfrm>
+      </p:grpSpPr>
+      <p:sp>
+        <p:nvSpPr>
+          <p:cNvPr id="2" name="Slide Image Placeholder 1"/>
+          <p:cNvSpPr>
+            <a:spLocks noGrp="1" noRot="1" noChangeAspect="1"/>
+          </p:cNvSpPr>
+          <p:nvPr>
+            <p:ph type="sldImg"/>
+          </p:nvPr>
+        </p:nvSpPr>
+        <p:spPr/>
+      </p:sp>
+      <p:sp>
+        <p:nvSpPr>
+          <p:cNvPr id="3" name="Notes Placeholder 2"/>
+          <p:cNvSpPr>
+            <a:spLocks noGrp="1"/>
+          </p:cNvSpPr>
+          <p:nvPr>
+            <p:ph type="body" idx="1"/>
+          </p:nvPr>
+        </p:nvSpPr>
+        <p:spPr/>
+        <p:txBody>
+          <a:bodyPr>
+            <a:normAutofit/>
+          </a:bodyPr>
+          <a:lstStyle/>
+          <a:p>
+            <a:endParaRPr lang="en-US" dirty="0"/>
+          </a:p>
+        </p:txBody>
+      </p:sp>
+      <p:sp>
+        <p:nvSpPr>
+          <p:cNvPr id="4" name="Slide Number Placeholder 3"/>
+          <p:cNvSpPr>
+            <a:spLocks noGrp="1"/>
+          </p:cNvSpPr>
+          <p:nvPr>
+            <p:ph type="sldNum" sz="quarter" idx="10"/>
+          </p:nvPr>
+        </p:nvSpPr>
+        <p:spPr/>
+        <p:txBody>
+          <a:bodyPr/>
+          <a:lstStyle/>
+          <a:p>
+            <a:fld id="{7C4E7652-46AF-4259-BAE2-54978EA077CD}" type="slidenum">
+              <a:rPr lang="en-US" smtClean="0"/>
+              <a:pPr/>
+              <a:t>9</a:t>
+            </a:fld>
+            <a:endParaRPr lang="en-US" dirty="0"/>
+          </a:p>
+        </p:txBody>
+      </p:sp>
+    </p:spTree>
+    <p:extLst>
+      <p:ext uri="{BB962C8B-B14F-4D97-AF65-F5344CB8AC3E}">
+        <p14:creationId xmlns:p14="http://schemas.microsoft.com/office/powerpoint/2010/main" val="2501843721"/>
       </p:ext>
     </p:extLst>
   </p:cSld>
@@ -1542,7 +2158,7 @@
             <a:fld id="{A2E209FB-7A34-414B-812A-BCC5C4256F49}" type="datetime1">
               <a:rPr lang="en-US" smtClean="0"/>
               <a:pPr algn="r"/>
-              <a:t>3/15/2023</a:t>
+              <a:t>3/16/2023</a:t>
             </a:fld>
             <a:endParaRPr lang="en-US" sz="1000" dirty="0"/>
           </a:p>
@@ -3385,6 +4001,2132 @@
   <p:clrMapOvr>
     <a:masterClrMapping/>
   </p:clrMapOvr>
+  <p:timing>
+    <p:tnLst>
+      <p:par>
+        <p:cTn id="1" dur="indefinite" restart="never" nodeType="tmRoot"/>
+      </p:par>
+    </p:tnLst>
+  </p:timing>
+</p:sld>
+</file>
+
+<file path=ppt/slides/slide10.xml><?xml version="1.0" encoding="utf-8"?>
+<p:sld xmlns:a="http://schemas.openxmlformats.org/drawingml/2006/main" xmlns:r="http://schemas.openxmlformats.org/officeDocument/2006/relationships" xmlns:p="http://schemas.openxmlformats.org/presentationml/2006/main">
+  <p:cSld>
+    <p:spTree>
+      <p:nvGrpSpPr>
+        <p:cNvPr id="1" name=""/>
+        <p:cNvGrpSpPr/>
+        <p:nvPr/>
+      </p:nvGrpSpPr>
+      <p:grpSpPr>
+        <a:xfrm>
+          <a:off x="0" y="0"/>
+          <a:ext cx="0" cy="0"/>
+          <a:chOff x="0" y="0"/>
+          <a:chExt cx="0" cy="0"/>
+        </a:xfrm>
+      </p:grpSpPr>
+      <p:sp>
+        <p:nvSpPr>
+          <p:cNvPr id="2" name="Rectangle 1"/>
+          <p:cNvSpPr>
+            <a:spLocks noGrp="1"/>
+          </p:cNvSpPr>
+          <p:nvPr>
+            <p:ph type="title"/>
+          </p:nvPr>
+        </p:nvSpPr>
+        <p:spPr>
+          <a:xfrm>
+            <a:off x="257160" y="194102"/>
+            <a:ext cx="4876800" cy="799306"/>
+          </a:xfrm>
+        </p:spPr>
+        <p:txBody>
+          <a:bodyPr/>
+          <a:lstStyle/>
+          <a:p>
+            <a:r>
+              <a:rPr lang="en-US" dirty="0" smtClean="0"/>
+              <a:t>II. THỰC HIỆN</a:t>
+            </a:r>
+            <a:endParaRPr lang="en-US" dirty="0"/>
+          </a:p>
+        </p:txBody>
+      </p:sp>
+      <p:sp>
+        <p:nvSpPr>
+          <p:cNvPr id="7" name="Slide Number Placeholder 5">
+            <a:extLst>
+              <a:ext uri="{FF2B5EF4-FFF2-40B4-BE49-F238E27FC236}">
+                <a16:creationId xmlns:a16="http://schemas.microsoft.com/office/drawing/2014/main" id="{B8FCD5F1-B09D-4B0A-BB07-423B979A624C}"/>
+              </a:ext>
+            </a:extLst>
+          </p:cNvPr>
+          <p:cNvSpPr>
+            <a:spLocks noGrp="1"/>
+          </p:cNvSpPr>
+          <p:nvPr>
+            <p:ph type="sldNum" sz="quarter" idx="12"/>
+          </p:nvPr>
+        </p:nvSpPr>
+        <p:spPr/>
+        <p:txBody>
+          <a:bodyPr/>
+          <a:lstStyle/>
+          <a:p>
+            <a:fld id="{FEA1243F-3000-4347-94A4-FBDEAD3122CB}" type="slidenum">
+              <a:rPr lang="en-US" smtClean="0"/>
+              <a:pPr/>
+              <a:t>10</a:t>
+            </a:fld>
+            <a:endParaRPr lang="en-US" dirty="0"/>
+          </a:p>
+        </p:txBody>
+      </p:sp>
+      <p:sp>
+        <p:nvSpPr>
+          <p:cNvPr id="28" name="Rectangle 27">
+            <a:extLst>
+              <a:ext uri="{FF2B5EF4-FFF2-40B4-BE49-F238E27FC236}">
+                <a16:creationId xmlns:a16="http://schemas.microsoft.com/office/drawing/2014/main" id="{5BFF15B5-B6C3-4E20-967D-9B191EBA50C9}"/>
+              </a:ext>
+              <a:ext uri="{C183D7F6-B498-43B3-948B-1728B52AA6E4}">
+                <adec:decorative xmlns="" xmlns:adec="http://schemas.microsoft.com/office/drawing/2017/decorative" val="1"/>
+              </a:ext>
+            </a:extLst>
+          </p:cNvPr>
+          <p:cNvSpPr/>
+          <p:nvPr/>
+        </p:nvSpPr>
+        <p:spPr>
+          <a:xfrm>
+            <a:off x="3188300" y="4953000"/>
+            <a:ext cx="2592140" cy="309943"/>
+          </a:xfrm>
+          <a:prstGeom prst="rect">
+            <a:avLst/>
+          </a:prstGeom>
+          <a:solidFill>
+            <a:schemeClr val="tx1">
+              <a:lumMod val="95000"/>
+            </a:schemeClr>
+          </a:solidFill>
+          <a:ln>
+            <a:noFill/>
+          </a:ln>
+        </p:spPr>
+        <p:style>
+          <a:lnRef idx="2">
+            <a:schemeClr val="accent1">
+              <a:alpha val="90000"/>
+              <a:tint val="40000"/>
+              <a:hueOff val="0"/>
+              <a:satOff val="0"/>
+              <a:lumOff val="0"/>
+              <a:alphaOff val="0"/>
+            </a:schemeClr>
+          </a:lnRef>
+          <a:fillRef idx="1">
+            <a:schemeClr val="accent1">
+              <a:alpha val="90000"/>
+              <a:tint val="40000"/>
+              <a:hueOff val="0"/>
+              <a:satOff val="0"/>
+              <a:lumOff val="0"/>
+              <a:alphaOff val="0"/>
+            </a:schemeClr>
+          </a:fillRef>
+          <a:effectRef idx="0">
+            <a:schemeClr val="accent1">
+              <a:alpha val="90000"/>
+              <a:tint val="40000"/>
+              <a:hueOff val="0"/>
+              <a:satOff val="0"/>
+              <a:lumOff val="0"/>
+              <a:alphaOff val="0"/>
+            </a:schemeClr>
+          </a:effectRef>
+          <a:fontRef idx="minor">
+            <a:schemeClr val="dk1">
+              <a:hueOff val="0"/>
+              <a:satOff val="0"/>
+              <a:lumOff val="0"/>
+              <a:alphaOff val="0"/>
+            </a:schemeClr>
+          </a:fontRef>
+        </p:style>
+      </p:sp>
+      <p:sp>
+        <p:nvSpPr>
+          <p:cNvPr id="4" name="TextBox 3"/>
+          <p:cNvSpPr txBox="1"/>
+          <p:nvPr/>
+        </p:nvSpPr>
+        <p:spPr>
+          <a:xfrm>
+            <a:off x="264814" y="1101466"/>
+            <a:ext cx="5057646" cy="461665"/>
+          </a:xfrm>
+          <a:prstGeom prst="rect">
+            <a:avLst/>
+          </a:prstGeom>
+          <a:noFill/>
+          <a:ln>
+            <a:noFill/>
+          </a:ln>
+        </p:spPr>
+        <p:style>
+          <a:lnRef idx="0">
+            <a:scrgbClr r="0" g="0" b="0"/>
+          </a:lnRef>
+          <a:fillRef idx="0">
+            <a:scrgbClr r="0" g="0" b="0"/>
+          </a:fillRef>
+          <a:effectRef idx="0">
+            <a:scrgbClr r="0" g="0" b="0"/>
+          </a:effectRef>
+          <a:fontRef idx="minor">
+            <a:schemeClr val="dk1"/>
+          </a:fontRef>
+        </p:style>
+        <p:txBody>
+          <a:bodyPr wrap="square" rtlCol="0">
+            <a:spAutoFit/>
+          </a:bodyPr>
+          <a:lstStyle/>
+          <a:p>
+            <a:r>
+              <a:rPr lang="en-US" sz="2400" dirty="0" smtClean="0">
+                <a:solidFill>
+                  <a:schemeClr val="accent2">
+                    <a:lumMod val="75000"/>
+                  </a:schemeClr>
+                </a:solidFill>
+                <a:latin typeface="Times New Roman" panose="02020603050405020304" pitchFamily="18" charset="0"/>
+                <a:cs typeface="Times New Roman" panose="02020603050405020304" pitchFamily="18" charset="0"/>
+              </a:rPr>
+              <a:t>2.4 </a:t>
+            </a:r>
+            <a:r>
+              <a:rPr lang="en-US" sz="2400" dirty="0" err="1" smtClean="0">
+                <a:solidFill>
+                  <a:schemeClr val="accent2">
+                    <a:lumMod val="75000"/>
+                  </a:schemeClr>
+                </a:solidFill>
+                <a:latin typeface="Times New Roman" panose="02020603050405020304" pitchFamily="18" charset="0"/>
+                <a:cs typeface="Times New Roman" panose="02020603050405020304" pitchFamily="18" charset="0"/>
+              </a:rPr>
+              <a:t>Xử</a:t>
+            </a:r>
+            <a:r>
+              <a:rPr lang="en-US" sz="2400" dirty="0" smtClean="0">
+                <a:solidFill>
+                  <a:schemeClr val="accent2">
+                    <a:lumMod val="75000"/>
+                  </a:schemeClr>
+                </a:solidFill>
+                <a:latin typeface="Times New Roman" panose="02020603050405020304" pitchFamily="18" charset="0"/>
+                <a:cs typeface="Times New Roman" panose="02020603050405020304" pitchFamily="18" charset="0"/>
+              </a:rPr>
+              <a:t> </a:t>
+            </a:r>
+            <a:r>
+              <a:rPr lang="en-US" sz="2400" dirty="0" err="1" smtClean="0">
+                <a:solidFill>
+                  <a:schemeClr val="accent2">
+                    <a:lumMod val="75000"/>
+                  </a:schemeClr>
+                </a:solidFill>
+                <a:latin typeface="Times New Roman" panose="02020603050405020304" pitchFamily="18" charset="0"/>
+                <a:cs typeface="Times New Roman" panose="02020603050405020304" pitchFamily="18" charset="0"/>
+              </a:rPr>
+              <a:t>lí</a:t>
+            </a:r>
+            <a:r>
+              <a:rPr lang="en-US" sz="2400" dirty="0" smtClean="0">
+                <a:solidFill>
+                  <a:schemeClr val="accent2">
+                    <a:lumMod val="75000"/>
+                  </a:schemeClr>
+                </a:solidFill>
+                <a:latin typeface="Times New Roman" panose="02020603050405020304" pitchFamily="18" charset="0"/>
+                <a:cs typeface="Times New Roman" panose="02020603050405020304" pitchFamily="18" charset="0"/>
+              </a:rPr>
+              <a:t> </a:t>
+            </a:r>
+            <a:r>
+              <a:rPr lang="en-US" sz="2400" dirty="0" err="1" smtClean="0">
+                <a:solidFill>
+                  <a:schemeClr val="accent2">
+                    <a:lumMod val="75000"/>
+                  </a:schemeClr>
+                </a:solidFill>
+                <a:latin typeface="Times New Roman" panose="02020603050405020304" pitchFamily="18" charset="0"/>
+                <a:cs typeface="Times New Roman" panose="02020603050405020304" pitchFamily="18" charset="0"/>
+              </a:rPr>
+              <a:t>khi</a:t>
+            </a:r>
+            <a:r>
+              <a:rPr lang="en-US" sz="2400" dirty="0" smtClean="0">
+                <a:solidFill>
+                  <a:schemeClr val="accent2">
+                    <a:lumMod val="75000"/>
+                  </a:schemeClr>
+                </a:solidFill>
+                <a:latin typeface="Times New Roman" panose="02020603050405020304" pitchFamily="18" charset="0"/>
+                <a:cs typeface="Times New Roman" panose="02020603050405020304" pitchFamily="18" charset="0"/>
+              </a:rPr>
+              <a:t> </a:t>
+            </a:r>
+            <a:r>
+              <a:rPr lang="en-US" sz="2400" dirty="0" err="1" smtClean="0">
+                <a:solidFill>
+                  <a:schemeClr val="accent2">
+                    <a:lumMod val="75000"/>
+                  </a:schemeClr>
+                </a:solidFill>
+                <a:latin typeface="Times New Roman" panose="02020603050405020304" pitchFamily="18" charset="0"/>
+                <a:cs typeface="Times New Roman" panose="02020603050405020304" pitchFamily="18" charset="0"/>
+              </a:rPr>
+              <a:t>rắn</a:t>
+            </a:r>
+            <a:r>
+              <a:rPr lang="en-US" sz="2400" dirty="0" smtClean="0">
+                <a:solidFill>
+                  <a:schemeClr val="accent2">
+                    <a:lumMod val="75000"/>
+                  </a:schemeClr>
+                </a:solidFill>
+                <a:latin typeface="Times New Roman" panose="02020603050405020304" pitchFamily="18" charset="0"/>
+                <a:cs typeface="Times New Roman" panose="02020603050405020304" pitchFamily="18" charset="0"/>
+              </a:rPr>
+              <a:t> </a:t>
+            </a:r>
+            <a:r>
+              <a:rPr lang="en-US" sz="2400" dirty="0" err="1" smtClean="0">
+                <a:solidFill>
+                  <a:schemeClr val="accent2">
+                    <a:lumMod val="75000"/>
+                  </a:schemeClr>
+                </a:solidFill>
+                <a:latin typeface="Times New Roman" panose="02020603050405020304" pitchFamily="18" charset="0"/>
+                <a:cs typeface="Times New Roman" panose="02020603050405020304" pitchFamily="18" charset="0"/>
+              </a:rPr>
+              <a:t>ăn</a:t>
+            </a:r>
+            <a:r>
+              <a:rPr lang="en-US" sz="2400" dirty="0" smtClean="0">
+                <a:solidFill>
+                  <a:schemeClr val="accent2">
+                    <a:lumMod val="75000"/>
+                  </a:schemeClr>
+                </a:solidFill>
+                <a:latin typeface="Times New Roman" panose="02020603050405020304" pitchFamily="18" charset="0"/>
+                <a:cs typeface="Times New Roman" panose="02020603050405020304" pitchFamily="18" charset="0"/>
+              </a:rPr>
+              <a:t> </a:t>
+            </a:r>
+            <a:r>
+              <a:rPr lang="en-US" sz="2400" dirty="0" err="1" smtClean="0">
+                <a:solidFill>
+                  <a:schemeClr val="accent2">
+                    <a:lumMod val="75000"/>
+                  </a:schemeClr>
+                </a:solidFill>
+                <a:latin typeface="Times New Roman" panose="02020603050405020304" pitchFamily="18" charset="0"/>
+                <a:cs typeface="Times New Roman" panose="02020603050405020304" pitchFamily="18" charset="0"/>
+              </a:rPr>
+              <a:t>thức</a:t>
+            </a:r>
+            <a:r>
+              <a:rPr lang="en-US" sz="2400" dirty="0" smtClean="0">
+                <a:solidFill>
+                  <a:schemeClr val="accent2">
+                    <a:lumMod val="75000"/>
+                  </a:schemeClr>
+                </a:solidFill>
+                <a:latin typeface="Times New Roman" panose="02020603050405020304" pitchFamily="18" charset="0"/>
+                <a:cs typeface="Times New Roman" panose="02020603050405020304" pitchFamily="18" charset="0"/>
+              </a:rPr>
+              <a:t> </a:t>
+            </a:r>
+            <a:r>
+              <a:rPr lang="en-US" sz="2400" dirty="0" err="1" smtClean="0">
+                <a:solidFill>
+                  <a:schemeClr val="accent2">
+                    <a:lumMod val="75000"/>
+                  </a:schemeClr>
+                </a:solidFill>
+                <a:latin typeface="Times New Roman" panose="02020603050405020304" pitchFamily="18" charset="0"/>
+                <a:cs typeface="Times New Roman" panose="02020603050405020304" pitchFamily="18" charset="0"/>
+              </a:rPr>
+              <a:t>ăn</a:t>
+            </a:r>
+            <a:r>
+              <a:rPr lang="en-US" sz="2400" dirty="0" smtClean="0">
+                <a:solidFill>
+                  <a:schemeClr val="accent2">
+                    <a:lumMod val="75000"/>
+                  </a:schemeClr>
+                </a:solidFill>
+                <a:latin typeface="Times New Roman" panose="02020603050405020304" pitchFamily="18" charset="0"/>
+                <a:cs typeface="Times New Roman" panose="02020603050405020304" pitchFamily="18" charset="0"/>
+              </a:rPr>
+              <a:t>:</a:t>
+            </a:r>
+          </a:p>
+        </p:txBody>
+      </p:sp>
+      <p:sp>
+        <p:nvSpPr>
+          <p:cNvPr id="6" name="Rectangle 1"/>
+          <p:cNvSpPr>
+            <a:spLocks noChangeArrowheads="1"/>
+          </p:cNvSpPr>
+          <p:nvPr/>
+        </p:nvSpPr>
+        <p:spPr bwMode="auto">
+          <a:xfrm rot="10800000" flipV="1">
+            <a:off x="254529" y="1881850"/>
+            <a:ext cx="3594760" cy="2308324"/>
+          </a:xfrm>
+          <a:prstGeom prst="rect">
+            <a:avLst/>
+          </a:prstGeom>
+          <a:solidFill>
+            <a:srgbClr val="F9F2F4"/>
+          </a:solidFill>
+          <a:ln>
+            <a:noFill/>
+          </a:ln>
+          <a:effectLst/>
+          <a:extLst>
+            <a:ext uri="{91240B29-F687-4F45-9708-019B960494DF}">
+              <a14:hiddenLine xmlns:a14="http://schemas.microsoft.com/office/drawing/2010/main" w="9525">
+                <a:solidFill>
+                  <a:schemeClr val="tx1"/>
+                </a:solidFill>
+                <a:miter lim="800000"/>
+                <a:headEnd/>
+                <a:tailEnd/>
+              </a14:hiddenLine>
+            </a:ext>
+            <a:ext uri="{AF507438-7753-43E0-B8FC-AC1667EBCBE1}">
+              <a14:hiddenEffects xmlns:a14="http://schemas.microsoft.com/office/drawing/2010/main">
+                <a:effectLst>
+                  <a:outerShdw dist="35921" dir="2700000" algn="ctr" rotWithShape="0">
+                    <a:schemeClr val="bg2"/>
+                  </a:outerShdw>
+                </a:effectLst>
+              </a14:hiddenEffects>
+            </a:ext>
+          </a:extLst>
+        </p:spPr>
+        <p:txBody>
+          <a:bodyPr vert="horz" wrap="square" lIns="91440" tIns="45720" rIns="91440" bIns="45720" numCol="1" anchor="ctr" anchorCtr="0" compatLnSpc="1">
+            <a:prstTxWarp prst="textNoShape">
+              <a:avLst/>
+            </a:prstTxWarp>
+            <a:spAutoFit/>
+          </a:bodyPr>
+          <a:lstStyle>
+            <a:lvl1pPr eaLnBrk="0" fontAlgn="base" hangingPunct="0">
+              <a:spcBef>
+                <a:spcPct val="0"/>
+              </a:spcBef>
+              <a:spcAft>
+                <a:spcPct val="0"/>
+              </a:spcAft>
+              <a:defRPr>
+                <a:solidFill>
+                  <a:schemeClr val="tx1"/>
+                </a:solidFill>
+                <a:latin typeface="Arial" panose="020B0604020202020204" pitchFamily="34" charset="0"/>
+              </a:defRPr>
+            </a:lvl1pPr>
+            <a:lvl2pPr eaLnBrk="0" fontAlgn="base" hangingPunct="0">
+              <a:spcBef>
+                <a:spcPct val="0"/>
+              </a:spcBef>
+              <a:spcAft>
+                <a:spcPct val="0"/>
+              </a:spcAft>
+              <a:defRPr>
+                <a:solidFill>
+                  <a:schemeClr val="tx1"/>
+                </a:solidFill>
+                <a:latin typeface="Arial" panose="020B0604020202020204" pitchFamily="34" charset="0"/>
+              </a:defRPr>
+            </a:lvl2pPr>
+            <a:lvl3pPr eaLnBrk="0" fontAlgn="base" hangingPunct="0">
+              <a:spcBef>
+                <a:spcPct val="0"/>
+              </a:spcBef>
+              <a:spcAft>
+                <a:spcPct val="0"/>
+              </a:spcAft>
+              <a:defRPr>
+                <a:solidFill>
+                  <a:schemeClr val="tx1"/>
+                </a:solidFill>
+                <a:latin typeface="Arial" panose="020B0604020202020204" pitchFamily="34" charset="0"/>
+              </a:defRPr>
+            </a:lvl3pPr>
+            <a:lvl4pPr eaLnBrk="0" fontAlgn="base" hangingPunct="0">
+              <a:spcBef>
+                <a:spcPct val="0"/>
+              </a:spcBef>
+              <a:spcAft>
+                <a:spcPct val="0"/>
+              </a:spcAft>
+              <a:defRPr>
+                <a:solidFill>
+                  <a:schemeClr val="tx1"/>
+                </a:solidFill>
+                <a:latin typeface="Arial" panose="020B0604020202020204" pitchFamily="34" charset="0"/>
+              </a:defRPr>
+            </a:lvl4pPr>
+            <a:lvl5pPr eaLnBrk="0" fontAlgn="base" hangingPunct="0">
+              <a:spcBef>
+                <a:spcPct val="0"/>
+              </a:spcBef>
+              <a:spcAft>
+                <a:spcPct val="0"/>
+              </a:spcAft>
+              <a:defRPr>
+                <a:solidFill>
+                  <a:schemeClr val="tx1"/>
+                </a:solidFill>
+                <a:latin typeface="Arial" panose="020B0604020202020204" pitchFamily="34" charset="0"/>
+              </a:defRPr>
+            </a:lvl5pPr>
+            <a:lvl6pPr eaLnBrk="0" fontAlgn="base" hangingPunct="0">
+              <a:spcBef>
+                <a:spcPct val="0"/>
+              </a:spcBef>
+              <a:spcAft>
+                <a:spcPct val="0"/>
+              </a:spcAft>
+              <a:defRPr>
+                <a:solidFill>
+                  <a:schemeClr val="tx1"/>
+                </a:solidFill>
+                <a:latin typeface="Arial" panose="020B0604020202020204" pitchFamily="34" charset="0"/>
+              </a:defRPr>
+            </a:lvl6pPr>
+            <a:lvl7pPr eaLnBrk="0" fontAlgn="base" hangingPunct="0">
+              <a:spcBef>
+                <a:spcPct val="0"/>
+              </a:spcBef>
+              <a:spcAft>
+                <a:spcPct val="0"/>
+              </a:spcAft>
+              <a:defRPr>
+                <a:solidFill>
+                  <a:schemeClr val="tx1"/>
+                </a:solidFill>
+                <a:latin typeface="Arial" panose="020B0604020202020204" pitchFamily="34" charset="0"/>
+              </a:defRPr>
+            </a:lvl7pPr>
+            <a:lvl8pPr eaLnBrk="0" fontAlgn="base" hangingPunct="0">
+              <a:spcBef>
+                <a:spcPct val="0"/>
+              </a:spcBef>
+              <a:spcAft>
+                <a:spcPct val="0"/>
+              </a:spcAft>
+              <a:defRPr>
+                <a:solidFill>
+                  <a:schemeClr val="tx1"/>
+                </a:solidFill>
+                <a:latin typeface="Arial" panose="020B0604020202020204" pitchFamily="34" charset="0"/>
+              </a:defRPr>
+            </a:lvl8pPr>
+            <a:lvl9pPr eaLnBrk="0" fontAlgn="base" hangingPunct="0">
+              <a:spcBef>
+                <a:spcPct val="0"/>
+              </a:spcBef>
+              <a:spcAft>
+                <a:spcPct val="0"/>
+              </a:spcAft>
+              <a:defRPr>
+                <a:solidFill>
+                  <a:schemeClr val="tx1"/>
+                </a:solidFill>
+                <a:latin typeface="Arial" panose="020B0604020202020204" pitchFamily="34" charset="0"/>
+              </a:defRPr>
+            </a:lvl9pPr>
+          </a:lstStyle>
+          <a:p>
+            <a:pPr lvl="0" algn="just"/>
+            <a:r>
+              <a:rPr lang="vi-VN" altLang="vi-VN" dirty="0">
+                <a:solidFill>
+                  <a:srgbClr val="333333"/>
+                </a:solidFill>
+                <a:latin typeface="Times New Roman" panose="02020603050405020304" pitchFamily="18" charset="0"/>
+                <a:cs typeface="Times New Roman" panose="02020603050405020304" pitchFamily="18" charset="0"/>
+              </a:rPr>
+              <a:t>Để biết được khi nào rắn đã ăn mồi, ta chỉ cần kiểm tra xem tọa độ của phần head có trùng với tọa độ của food </a:t>
+            </a:r>
+            <a:r>
+              <a:rPr lang="vi-VN" altLang="vi-VN" dirty="0" smtClean="0">
+                <a:solidFill>
+                  <a:srgbClr val="333333"/>
+                </a:solidFill>
+                <a:latin typeface="Times New Roman" panose="02020603050405020304" pitchFamily="18" charset="0"/>
+                <a:cs typeface="Times New Roman" panose="02020603050405020304" pitchFamily="18" charset="0"/>
+              </a:rPr>
+              <a:t>không, </a:t>
+            </a:r>
+            <a:r>
+              <a:rPr lang="vi-VN" altLang="vi-VN" dirty="0">
+                <a:solidFill>
+                  <a:srgbClr val="333333"/>
+                </a:solidFill>
+                <a:latin typeface="Times New Roman" panose="02020603050405020304" pitchFamily="18" charset="0"/>
+                <a:cs typeface="Times New Roman" panose="02020603050405020304" pitchFamily="18" charset="0"/>
+              </a:rPr>
+              <a:t>đồng thời cũng tạo thêm 1 biến </a:t>
+            </a:r>
+            <a:r>
+              <a:rPr lang="vi-VN" altLang="vi-VN" dirty="0">
+                <a:solidFill>
+                  <a:srgbClr val="C7254E"/>
+                </a:solidFill>
+                <a:latin typeface="Times New Roman" panose="02020603050405020304" pitchFamily="18" charset="0"/>
+                <a:cs typeface="Times New Roman" panose="02020603050405020304" pitchFamily="18" charset="0"/>
+              </a:rPr>
+              <a:t>length</a:t>
+            </a:r>
+            <a:r>
+              <a:rPr lang="vi-VN" altLang="vi-VN" dirty="0">
+                <a:solidFill>
+                  <a:srgbClr val="333333"/>
+                </a:solidFill>
+                <a:latin typeface="Times New Roman" panose="02020603050405020304" pitchFamily="18" charset="0"/>
+                <a:cs typeface="Times New Roman" panose="02020603050405020304" pitchFamily="18" charset="0"/>
+              </a:rPr>
+              <a:t> ở bên snake - đây sẽ là chiều dài của con rắn, mỗi khi ăn mồi sẽ tăng thêm 1. Ta viết thêm vào file </a:t>
+            </a:r>
+            <a:r>
+              <a:rPr lang="vi-VN" altLang="vi-VN" dirty="0">
+                <a:solidFill>
+                  <a:srgbClr val="C7254E"/>
+                </a:solidFill>
+                <a:latin typeface="Times New Roman" panose="02020603050405020304" pitchFamily="18" charset="0"/>
+                <a:cs typeface="Times New Roman" panose="02020603050405020304" pitchFamily="18" charset="0"/>
+              </a:rPr>
+              <a:t>game.js</a:t>
+            </a:r>
+            <a:r>
+              <a:rPr lang="vi-VN" altLang="vi-VN" dirty="0">
+                <a:solidFill>
+                  <a:srgbClr val="333333"/>
+                </a:solidFill>
+                <a:latin typeface="Times New Roman" panose="02020603050405020304" pitchFamily="18" charset="0"/>
+                <a:cs typeface="Times New Roman" panose="02020603050405020304" pitchFamily="18" charset="0"/>
+              </a:rPr>
+              <a:t> như sau:</a:t>
+            </a:r>
+            <a:r>
+              <a:rPr lang="vi-VN" altLang="vi-VN" dirty="0">
+                <a:latin typeface="Times New Roman" panose="02020603050405020304" pitchFamily="18" charset="0"/>
+                <a:cs typeface="Times New Roman" panose="02020603050405020304" pitchFamily="18" charset="0"/>
+              </a:rPr>
+              <a:t> </a:t>
+            </a:r>
+          </a:p>
+        </p:txBody>
+      </p:sp>
+      <p:pic>
+        <p:nvPicPr>
+          <p:cNvPr id="8" name="Picture 7"/>
+          <p:cNvPicPr>
+            <a:picLocks noChangeAspect="1"/>
+          </p:cNvPicPr>
+          <p:nvPr/>
+        </p:nvPicPr>
+        <p:blipFill>
+          <a:blip r:embed="rId3"/>
+          <a:stretch>
+            <a:fillRect/>
+          </a:stretch>
+        </p:blipFill>
+        <p:spPr>
+          <a:xfrm>
+            <a:off x="4469622" y="1216506"/>
+            <a:ext cx="4108072" cy="3833348"/>
+          </a:xfrm>
+          <a:prstGeom prst="rect">
+            <a:avLst/>
+          </a:prstGeom>
+        </p:spPr>
+      </p:pic>
+    </p:spTree>
+    <p:extLst>
+      <p:ext uri="{BB962C8B-B14F-4D97-AF65-F5344CB8AC3E}">
+        <p14:creationId xmlns:p14="http://schemas.microsoft.com/office/powerpoint/2010/main" val="2037751463"/>
+      </p:ext>
+    </p:extLst>
+  </p:cSld>
+  <p:clrMapOvr>
+    <a:masterClrMapping/>
+  </p:clrMapOvr>
+  <mc:AlternateContent xmlns:mc="http://schemas.openxmlformats.org/markup-compatibility/2006">
+    <mc:Choice xmlns:p14="http://schemas.microsoft.com/office/powerpoint/2010/main" Requires="p14">
+      <p:transition spd="med" p14:dur="700">
+        <p:fade/>
+      </p:transition>
+    </mc:Choice>
+    <mc:Fallback>
+      <p:transition spd="med">
+        <p:fade/>
+      </p:transition>
+    </mc:Fallback>
+  </mc:AlternateContent>
+  <p:timing>
+    <p:tnLst>
+      <p:par>
+        <p:cTn id="1" dur="indefinite" restart="never" nodeType="tmRoot"/>
+      </p:par>
+    </p:tnLst>
+  </p:timing>
+</p:sld>
+</file>
+
+<file path=ppt/slides/slide11.xml><?xml version="1.0" encoding="utf-8"?>
+<p:sld xmlns:a="http://schemas.openxmlformats.org/drawingml/2006/main" xmlns:r="http://schemas.openxmlformats.org/officeDocument/2006/relationships" xmlns:p="http://schemas.openxmlformats.org/presentationml/2006/main">
+  <p:cSld>
+    <p:spTree>
+      <p:nvGrpSpPr>
+        <p:cNvPr id="1" name=""/>
+        <p:cNvGrpSpPr/>
+        <p:nvPr/>
+      </p:nvGrpSpPr>
+      <p:grpSpPr>
+        <a:xfrm>
+          <a:off x="0" y="0"/>
+          <a:ext cx="0" cy="0"/>
+          <a:chOff x="0" y="0"/>
+          <a:chExt cx="0" cy="0"/>
+        </a:xfrm>
+      </p:grpSpPr>
+      <p:sp>
+        <p:nvSpPr>
+          <p:cNvPr id="2" name="Rectangle 1"/>
+          <p:cNvSpPr>
+            <a:spLocks noGrp="1"/>
+          </p:cNvSpPr>
+          <p:nvPr>
+            <p:ph type="title"/>
+          </p:nvPr>
+        </p:nvSpPr>
+        <p:spPr>
+          <a:xfrm>
+            <a:off x="257160" y="194102"/>
+            <a:ext cx="4876800" cy="799306"/>
+          </a:xfrm>
+        </p:spPr>
+        <p:txBody>
+          <a:bodyPr/>
+          <a:lstStyle/>
+          <a:p>
+            <a:r>
+              <a:rPr lang="en-US" dirty="0" smtClean="0"/>
+              <a:t>II. THỰC HIỆN</a:t>
+            </a:r>
+            <a:endParaRPr lang="en-US" dirty="0"/>
+          </a:p>
+        </p:txBody>
+      </p:sp>
+      <p:sp>
+        <p:nvSpPr>
+          <p:cNvPr id="7" name="Slide Number Placeholder 5">
+            <a:extLst>
+              <a:ext uri="{FF2B5EF4-FFF2-40B4-BE49-F238E27FC236}">
+                <a16:creationId xmlns:a16="http://schemas.microsoft.com/office/drawing/2014/main" id="{B8FCD5F1-B09D-4B0A-BB07-423B979A624C}"/>
+              </a:ext>
+            </a:extLst>
+          </p:cNvPr>
+          <p:cNvSpPr>
+            <a:spLocks noGrp="1"/>
+          </p:cNvSpPr>
+          <p:nvPr>
+            <p:ph type="sldNum" sz="quarter" idx="12"/>
+          </p:nvPr>
+        </p:nvSpPr>
+        <p:spPr/>
+        <p:txBody>
+          <a:bodyPr/>
+          <a:lstStyle/>
+          <a:p>
+            <a:fld id="{FEA1243F-3000-4347-94A4-FBDEAD3122CB}" type="slidenum">
+              <a:rPr lang="en-US" smtClean="0"/>
+              <a:pPr/>
+              <a:t>11</a:t>
+            </a:fld>
+            <a:endParaRPr lang="en-US" dirty="0"/>
+          </a:p>
+        </p:txBody>
+      </p:sp>
+      <p:sp>
+        <p:nvSpPr>
+          <p:cNvPr id="28" name="Rectangle 27">
+            <a:extLst>
+              <a:ext uri="{FF2B5EF4-FFF2-40B4-BE49-F238E27FC236}">
+                <a16:creationId xmlns:a16="http://schemas.microsoft.com/office/drawing/2014/main" id="{5BFF15B5-B6C3-4E20-967D-9B191EBA50C9}"/>
+              </a:ext>
+              <a:ext uri="{C183D7F6-B498-43B3-948B-1728B52AA6E4}">
+                <adec:decorative xmlns="" xmlns:adec="http://schemas.microsoft.com/office/drawing/2017/decorative" val="1"/>
+              </a:ext>
+            </a:extLst>
+          </p:cNvPr>
+          <p:cNvSpPr/>
+          <p:nvPr/>
+        </p:nvSpPr>
+        <p:spPr>
+          <a:xfrm>
+            <a:off x="3188300" y="4953000"/>
+            <a:ext cx="2592140" cy="309943"/>
+          </a:xfrm>
+          <a:prstGeom prst="rect">
+            <a:avLst/>
+          </a:prstGeom>
+          <a:solidFill>
+            <a:schemeClr val="tx1">
+              <a:lumMod val="95000"/>
+            </a:schemeClr>
+          </a:solidFill>
+          <a:ln>
+            <a:noFill/>
+          </a:ln>
+        </p:spPr>
+        <p:style>
+          <a:lnRef idx="2">
+            <a:schemeClr val="accent1">
+              <a:alpha val="90000"/>
+              <a:tint val="40000"/>
+              <a:hueOff val="0"/>
+              <a:satOff val="0"/>
+              <a:lumOff val="0"/>
+              <a:alphaOff val="0"/>
+            </a:schemeClr>
+          </a:lnRef>
+          <a:fillRef idx="1">
+            <a:schemeClr val="accent1">
+              <a:alpha val="90000"/>
+              <a:tint val="40000"/>
+              <a:hueOff val="0"/>
+              <a:satOff val="0"/>
+              <a:lumOff val="0"/>
+              <a:alphaOff val="0"/>
+            </a:schemeClr>
+          </a:fillRef>
+          <a:effectRef idx="0">
+            <a:schemeClr val="accent1">
+              <a:alpha val="90000"/>
+              <a:tint val="40000"/>
+              <a:hueOff val="0"/>
+              <a:satOff val="0"/>
+              <a:lumOff val="0"/>
+              <a:alphaOff val="0"/>
+            </a:schemeClr>
+          </a:effectRef>
+          <a:fontRef idx="minor">
+            <a:schemeClr val="dk1">
+              <a:hueOff val="0"/>
+              <a:satOff val="0"/>
+              <a:lumOff val="0"/>
+              <a:alphaOff val="0"/>
+            </a:schemeClr>
+          </a:fontRef>
+        </p:style>
+      </p:sp>
+      <p:sp>
+        <p:nvSpPr>
+          <p:cNvPr id="4" name="TextBox 3"/>
+          <p:cNvSpPr txBox="1"/>
+          <p:nvPr/>
+        </p:nvSpPr>
+        <p:spPr>
+          <a:xfrm>
+            <a:off x="264814" y="1101466"/>
+            <a:ext cx="5057646" cy="461665"/>
+          </a:xfrm>
+          <a:prstGeom prst="rect">
+            <a:avLst/>
+          </a:prstGeom>
+          <a:noFill/>
+          <a:ln>
+            <a:noFill/>
+          </a:ln>
+        </p:spPr>
+        <p:style>
+          <a:lnRef idx="0">
+            <a:scrgbClr r="0" g="0" b="0"/>
+          </a:lnRef>
+          <a:fillRef idx="0">
+            <a:scrgbClr r="0" g="0" b="0"/>
+          </a:fillRef>
+          <a:effectRef idx="0">
+            <a:scrgbClr r="0" g="0" b="0"/>
+          </a:effectRef>
+          <a:fontRef idx="minor">
+            <a:schemeClr val="dk1"/>
+          </a:fontRef>
+        </p:style>
+        <p:txBody>
+          <a:bodyPr wrap="square" rtlCol="0">
+            <a:spAutoFit/>
+          </a:bodyPr>
+          <a:lstStyle/>
+          <a:p>
+            <a:r>
+              <a:rPr lang="en-US" sz="2400" dirty="0" smtClean="0">
+                <a:solidFill>
+                  <a:schemeClr val="accent2">
+                    <a:lumMod val="75000"/>
+                  </a:schemeClr>
+                </a:solidFill>
+                <a:latin typeface="Times New Roman" panose="02020603050405020304" pitchFamily="18" charset="0"/>
+                <a:cs typeface="Times New Roman" panose="02020603050405020304" pitchFamily="18" charset="0"/>
+              </a:rPr>
+              <a:t>2.4 </a:t>
+            </a:r>
+            <a:r>
+              <a:rPr lang="en-US" sz="2400" dirty="0" err="1" smtClean="0">
+                <a:solidFill>
+                  <a:schemeClr val="accent2">
+                    <a:lumMod val="75000"/>
+                  </a:schemeClr>
+                </a:solidFill>
+                <a:latin typeface="Times New Roman" panose="02020603050405020304" pitchFamily="18" charset="0"/>
+                <a:cs typeface="Times New Roman" panose="02020603050405020304" pitchFamily="18" charset="0"/>
+              </a:rPr>
+              <a:t>Xử</a:t>
+            </a:r>
+            <a:r>
+              <a:rPr lang="en-US" sz="2400" dirty="0" smtClean="0">
+                <a:solidFill>
+                  <a:schemeClr val="accent2">
+                    <a:lumMod val="75000"/>
+                  </a:schemeClr>
+                </a:solidFill>
+                <a:latin typeface="Times New Roman" panose="02020603050405020304" pitchFamily="18" charset="0"/>
+                <a:cs typeface="Times New Roman" panose="02020603050405020304" pitchFamily="18" charset="0"/>
+              </a:rPr>
+              <a:t> </a:t>
+            </a:r>
+            <a:r>
+              <a:rPr lang="en-US" sz="2400" dirty="0" err="1" smtClean="0">
+                <a:solidFill>
+                  <a:schemeClr val="accent2">
+                    <a:lumMod val="75000"/>
+                  </a:schemeClr>
+                </a:solidFill>
+                <a:latin typeface="Times New Roman" panose="02020603050405020304" pitchFamily="18" charset="0"/>
+                <a:cs typeface="Times New Roman" panose="02020603050405020304" pitchFamily="18" charset="0"/>
+              </a:rPr>
+              <a:t>lí</a:t>
+            </a:r>
+            <a:r>
+              <a:rPr lang="en-US" sz="2400" dirty="0" smtClean="0">
+                <a:solidFill>
+                  <a:schemeClr val="accent2">
+                    <a:lumMod val="75000"/>
+                  </a:schemeClr>
+                </a:solidFill>
+                <a:latin typeface="Times New Roman" panose="02020603050405020304" pitchFamily="18" charset="0"/>
+                <a:cs typeface="Times New Roman" panose="02020603050405020304" pitchFamily="18" charset="0"/>
+              </a:rPr>
+              <a:t> </a:t>
+            </a:r>
+            <a:r>
+              <a:rPr lang="en-US" sz="2400" dirty="0" err="1" smtClean="0">
+                <a:solidFill>
+                  <a:schemeClr val="accent2">
+                    <a:lumMod val="75000"/>
+                  </a:schemeClr>
+                </a:solidFill>
+                <a:latin typeface="Times New Roman" panose="02020603050405020304" pitchFamily="18" charset="0"/>
+                <a:cs typeface="Times New Roman" panose="02020603050405020304" pitchFamily="18" charset="0"/>
+              </a:rPr>
+              <a:t>khi</a:t>
+            </a:r>
+            <a:r>
+              <a:rPr lang="en-US" sz="2400" dirty="0" smtClean="0">
+                <a:solidFill>
+                  <a:schemeClr val="accent2">
+                    <a:lumMod val="75000"/>
+                  </a:schemeClr>
+                </a:solidFill>
+                <a:latin typeface="Times New Roman" panose="02020603050405020304" pitchFamily="18" charset="0"/>
+                <a:cs typeface="Times New Roman" panose="02020603050405020304" pitchFamily="18" charset="0"/>
+              </a:rPr>
+              <a:t> </a:t>
+            </a:r>
+            <a:r>
+              <a:rPr lang="en-US" sz="2400" dirty="0" err="1" smtClean="0">
+                <a:solidFill>
+                  <a:schemeClr val="accent2">
+                    <a:lumMod val="75000"/>
+                  </a:schemeClr>
+                </a:solidFill>
+                <a:latin typeface="Times New Roman" panose="02020603050405020304" pitchFamily="18" charset="0"/>
+                <a:cs typeface="Times New Roman" panose="02020603050405020304" pitchFamily="18" charset="0"/>
+              </a:rPr>
+              <a:t>rắn</a:t>
+            </a:r>
+            <a:r>
+              <a:rPr lang="en-US" sz="2400" dirty="0" smtClean="0">
+                <a:solidFill>
+                  <a:schemeClr val="accent2">
+                    <a:lumMod val="75000"/>
+                  </a:schemeClr>
+                </a:solidFill>
+                <a:latin typeface="Times New Roman" panose="02020603050405020304" pitchFamily="18" charset="0"/>
+                <a:cs typeface="Times New Roman" panose="02020603050405020304" pitchFamily="18" charset="0"/>
+              </a:rPr>
+              <a:t> </a:t>
+            </a:r>
+            <a:r>
+              <a:rPr lang="en-US" sz="2400" dirty="0" err="1" smtClean="0">
+                <a:solidFill>
+                  <a:schemeClr val="accent2">
+                    <a:lumMod val="75000"/>
+                  </a:schemeClr>
+                </a:solidFill>
+                <a:latin typeface="Times New Roman" panose="02020603050405020304" pitchFamily="18" charset="0"/>
+                <a:cs typeface="Times New Roman" panose="02020603050405020304" pitchFamily="18" charset="0"/>
+              </a:rPr>
+              <a:t>ăn</a:t>
+            </a:r>
+            <a:r>
+              <a:rPr lang="en-US" sz="2400" dirty="0" smtClean="0">
+                <a:solidFill>
+                  <a:schemeClr val="accent2">
+                    <a:lumMod val="75000"/>
+                  </a:schemeClr>
+                </a:solidFill>
+                <a:latin typeface="Times New Roman" panose="02020603050405020304" pitchFamily="18" charset="0"/>
+                <a:cs typeface="Times New Roman" panose="02020603050405020304" pitchFamily="18" charset="0"/>
+              </a:rPr>
+              <a:t> </a:t>
+            </a:r>
+            <a:r>
+              <a:rPr lang="en-US" sz="2400" dirty="0" err="1" smtClean="0">
+                <a:solidFill>
+                  <a:schemeClr val="accent2">
+                    <a:lumMod val="75000"/>
+                  </a:schemeClr>
+                </a:solidFill>
+                <a:latin typeface="Times New Roman" panose="02020603050405020304" pitchFamily="18" charset="0"/>
+                <a:cs typeface="Times New Roman" panose="02020603050405020304" pitchFamily="18" charset="0"/>
+              </a:rPr>
+              <a:t>thức</a:t>
+            </a:r>
+            <a:r>
+              <a:rPr lang="en-US" sz="2400" dirty="0" smtClean="0">
+                <a:solidFill>
+                  <a:schemeClr val="accent2">
+                    <a:lumMod val="75000"/>
+                  </a:schemeClr>
+                </a:solidFill>
+                <a:latin typeface="Times New Roman" panose="02020603050405020304" pitchFamily="18" charset="0"/>
+                <a:cs typeface="Times New Roman" panose="02020603050405020304" pitchFamily="18" charset="0"/>
+              </a:rPr>
+              <a:t> </a:t>
+            </a:r>
+            <a:r>
+              <a:rPr lang="en-US" sz="2400" dirty="0" err="1" smtClean="0">
+                <a:solidFill>
+                  <a:schemeClr val="accent2">
+                    <a:lumMod val="75000"/>
+                  </a:schemeClr>
+                </a:solidFill>
+                <a:latin typeface="Times New Roman" panose="02020603050405020304" pitchFamily="18" charset="0"/>
+                <a:cs typeface="Times New Roman" panose="02020603050405020304" pitchFamily="18" charset="0"/>
+              </a:rPr>
+              <a:t>ăn</a:t>
+            </a:r>
+            <a:r>
+              <a:rPr lang="en-US" sz="2400" dirty="0" smtClean="0">
+                <a:solidFill>
+                  <a:schemeClr val="accent2">
+                    <a:lumMod val="75000"/>
+                  </a:schemeClr>
+                </a:solidFill>
+                <a:latin typeface="Times New Roman" panose="02020603050405020304" pitchFamily="18" charset="0"/>
+                <a:cs typeface="Times New Roman" panose="02020603050405020304" pitchFamily="18" charset="0"/>
+              </a:rPr>
+              <a:t>:</a:t>
+            </a:r>
+          </a:p>
+        </p:txBody>
+      </p:sp>
+      <p:sp>
+        <p:nvSpPr>
+          <p:cNvPr id="6" name="Rectangle 1"/>
+          <p:cNvSpPr>
+            <a:spLocks noChangeArrowheads="1"/>
+          </p:cNvSpPr>
+          <p:nvPr/>
+        </p:nvSpPr>
+        <p:spPr bwMode="auto">
+          <a:xfrm rot="10800000" flipV="1">
+            <a:off x="254529" y="1881852"/>
+            <a:ext cx="3594760" cy="2308324"/>
+          </a:xfrm>
+          <a:prstGeom prst="rect">
+            <a:avLst/>
+          </a:prstGeom>
+          <a:solidFill>
+            <a:srgbClr val="F9F2F4"/>
+          </a:solidFill>
+          <a:ln>
+            <a:noFill/>
+          </a:ln>
+          <a:effectLst/>
+          <a:extLst>
+            <a:ext uri="{91240B29-F687-4F45-9708-019B960494DF}">
+              <a14:hiddenLine xmlns:a14="http://schemas.microsoft.com/office/drawing/2010/main" w="9525">
+                <a:solidFill>
+                  <a:schemeClr val="tx1"/>
+                </a:solidFill>
+                <a:miter lim="800000"/>
+                <a:headEnd/>
+                <a:tailEnd/>
+              </a14:hiddenLine>
+            </a:ext>
+            <a:ext uri="{AF507438-7753-43E0-B8FC-AC1667EBCBE1}">
+              <a14:hiddenEffects xmlns:a14="http://schemas.microsoft.com/office/drawing/2010/main">
+                <a:effectLst>
+                  <a:outerShdw dist="35921" dir="2700000" algn="ctr" rotWithShape="0">
+                    <a:schemeClr val="bg2"/>
+                  </a:outerShdw>
+                </a:effectLst>
+              </a14:hiddenEffects>
+            </a:ext>
+          </a:extLst>
+        </p:spPr>
+        <p:txBody>
+          <a:bodyPr vert="horz" wrap="square" lIns="91440" tIns="45720" rIns="91440" bIns="45720" numCol="1" anchor="ctr" anchorCtr="0" compatLnSpc="1">
+            <a:prstTxWarp prst="textNoShape">
+              <a:avLst/>
+            </a:prstTxWarp>
+            <a:spAutoFit/>
+          </a:bodyPr>
+          <a:lstStyle>
+            <a:lvl1pPr eaLnBrk="0" fontAlgn="base" hangingPunct="0">
+              <a:spcBef>
+                <a:spcPct val="0"/>
+              </a:spcBef>
+              <a:spcAft>
+                <a:spcPct val="0"/>
+              </a:spcAft>
+              <a:defRPr>
+                <a:solidFill>
+                  <a:schemeClr val="tx1"/>
+                </a:solidFill>
+                <a:latin typeface="Arial" panose="020B0604020202020204" pitchFamily="34" charset="0"/>
+              </a:defRPr>
+            </a:lvl1pPr>
+            <a:lvl2pPr eaLnBrk="0" fontAlgn="base" hangingPunct="0">
+              <a:spcBef>
+                <a:spcPct val="0"/>
+              </a:spcBef>
+              <a:spcAft>
+                <a:spcPct val="0"/>
+              </a:spcAft>
+              <a:defRPr>
+                <a:solidFill>
+                  <a:schemeClr val="tx1"/>
+                </a:solidFill>
+                <a:latin typeface="Arial" panose="020B0604020202020204" pitchFamily="34" charset="0"/>
+              </a:defRPr>
+            </a:lvl2pPr>
+            <a:lvl3pPr eaLnBrk="0" fontAlgn="base" hangingPunct="0">
+              <a:spcBef>
+                <a:spcPct val="0"/>
+              </a:spcBef>
+              <a:spcAft>
+                <a:spcPct val="0"/>
+              </a:spcAft>
+              <a:defRPr>
+                <a:solidFill>
+                  <a:schemeClr val="tx1"/>
+                </a:solidFill>
+                <a:latin typeface="Arial" panose="020B0604020202020204" pitchFamily="34" charset="0"/>
+              </a:defRPr>
+            </a:lvl3pPr>
+            <a:lvl4pPr eaLnBrk="0" fontAlgn="base" hangingPunct="0">
+              <a:spcBef>
+                <a:spcPct val="0"/>
+              </a:spcBef>
+              <a:spcAft>
+                <a:spcPct val="0"/>
+              </a:spcAft>
+              <a:defRPr>
+                <a:solidFill>
+                  <a:schemeClr val="tx1"/>
+                </a:solidFill>
+                <a:latin typeface="Arial" panose="020B0604020202020204" pitchFamily="34" charset="0"/>
+              </a:defRPr>
+            </a:lvl4pPr>
+            <a:lvl5pPr eaLnBrk="0" fontAlgn="base" hangingPunct="0">
+              <a:spcBef>
+                <a:spcPct val="0"/>
+              </a:spcBef>
+              <a:spcAft>
+                <a:spcPct val="0"/>
+              </a:spcAft>
+              <a:defRPr>
+                <a:solidFill>
+                  <a:schemeClr val="tx1"/>
+                </a:solidFill>
+                <a:latin typeface="Arial" panose="020B0604020202020204" pitchFamily="34" charset="0"/>
+              </a:defRPr>
+            </a:lvl5pPr>
+            <a:lvl6pPr eaLnBrk="0" fontAlgn="base" hangingPunct="0">
+              <a:spcBef>
+                <a:spcPct val="0"/>
+              </a:spcBef>
+              <a:spcAft>
+                <a:spcPct val="0"/>
+              </a:spcAft>
+              <a:defRPr>
+                <a:solidFill>
+                  <a:schemeClr val="tx1"/>
+                </a:solidFill>
+                <a:latin typeface="Arial" panose="020B0604020202020204" pitchFamily="34" charset="0"/>
+              </a:defRPr>
+            </a:lvl6pPr>
+            <a:lvl7pPr eaLnBrk="0" fontAlgn="base" hangingPunct="0">
+              <a:spcBef>
+                <a:spcPct val="0"/>
+              </a:spcBef>
+              <a:spcAft>
+                <a:spcPct val="0"/>
+              </a:spcAft>
+              <a:defRPr>
+                <a:solidFill>
+                  <a:schemeClr val="tx1"/>
+                </a:solidFill>
+                <a:latin typeface="Arial" panose="020B0604020202020204" pitchFamily="34" charset="0"/>
+              </a:defRPr>
+            </a:lvl7pPr>
+            <a:lvl8pPr eaLnBrk="0" fontAlgn="base" hangingPunct="0">
+              <a:spcBef>
+                <a:spcPct val="0"/>
+              </a:spcBef>
+              <a:spcAft>
+                <a:spcPct val="0"/>
+              </a:spcAft>
+              <a:defRPr>
+                <a:solidFill>
+                  <a:schemeClr val="tx1"/>
+                </a:solidFill>
+                <a:latin typeface="Arial" panose="020B0604020202020204" pitchFamily="34" charset="0"/>
+              </a:defRPr>
+            </a:lvl8pPr>
+            <a:lvl9pPr eaLnBrk="0" fontAlgn="base" hangingPunct="0">
+              <a:spcBef>
+                <a:spcPct val="0"/>
+              </a:spcBef>
+              <a:spcAft>
+                <a:spcPct val="0"/>
+              </a:spcAft>
+              <a:defRPr>
+                <a:solidFill>
+                  <a:schemeClr val="tx1"/>
+                </a:solidFill>
+                <a:latin typeface="Arial" panose="020B0604020202020204" pitchFamily="34" charset="0"/>
+              </a:defRPr>
+            </a:lvl9pPr>
+          </a:lstStyle>
+          <a:p>
+            <a:pPr lvl="0" algn="just"/>
+            <a:r>
+              <a:rPr lang="vi-VN" altLang="vi-VN" dirty="0">
+                <a:solidFill>
+                  <a:srgbClr val="333333"/>
+                </a:solidFill>
+                <a:latin typeface="Times New Roman" panose="02020603050405020304" pitchFamily="18" charset="0"/>
+                <a:cs typeface="Times New Roman" panose="02020603050405020304" pitchFamily="18" charset="0"/>
+              </a:rPr>
+              <a:t>Như vậy là ta đã hoàn thành phần ăn thức ăn. Tiếp theo sẽ đến việc xử lý phần thân của con rắn, làm sao để mỗi khi ăn thức ăn thì nó sẽ dài ra.</a:t>
+            </a:r>
+            <a:endParaRPr lang="vi-VN" altLang="vi-VN" dirty="0">
+              <a:latin typeface="Times New Roman" panose="02020603050405020304" pitchFamily="18" charset="0"/>
+              <a:cs typeface="Times New Roman" panose="02020603050405020304" pitchFamily="18" charset="0"/>
+            </a:endParaRPr>
+          </a:p>
+          <a:p>
+            <a:pPr lvl="0" algn="just"/>
+            <a:r>
+              <a:rPr lang="vi-VN" altLang="vi-VN" dirty="0">
+                <a:solidFill>
+                  <a:srgbClr val="333333"/>
+                </a:solidFill>
+                <a:latin typeface="Times New Roman" panose="02020603050405020304" pitchFamily="18" charset="0"/>
+                <a:cs typeface="Times New Roman" panose="02020603050405020304" pitchFamily="18" charset="0"/>
+              </a:rPr>
+              <a:t>Chúng ta sẽ thêm đoạn code sau vào hàm </a:t>
+            </a:r>
+            <a:r>
+              <a:rPr lang="vi-VN" altLang="vi-VN" dirty="0">
+                <a:solidFill>
+                  <a:srgbClr val="C7254E"/>
+                </a:solidFill>
+                <a:latin typeface="Times New Roman" panose="02020603050405020304" pitchFamily="18" charset="0"/>
+                <a:cs typeface="Times New Roman" panose="02020603050405020304" pitchFamily="18" charset="0"/>
+              </a:rPr>
+              <a:t>update()</a:t>
+            </a:r>
+            <a:r>
+              <a:rPr lang="vi-VN" altLang="vi-VN" dirty="0">
+                <a:solidFill>
+                  <a:srgbClr val="333333"/>
+                </a:solidFill>
+                <a:latin typeface="Times New Roman" panose="02020603050405020304" pitchFamily="18" charset="0"/>
+                <a:cs typeface="Times New Roman" panose="02020603050405020304" pitchFamily="18" charset="0"/>
+              </a:rPr>
+              <a:t> và </a:t>
+            </a:r>
+            <a:r>
+              <a:rPr lang="vi-VN" altLang="vi-VN" dirty="0">
+                <a:solidFill>
+                  <a:srgbClr val="C7254E"/>
+                </a:solidFill>
+                <a:latin typeface="Times New Roman" panose="02020603050405020304" pitchFamily="18" charset="0"/>
+                <a:cs typeface="Times New Roman" panose="02020603050405020304" pitchFamily="18" charset="0"/>
+              </a:rPr>
+              <a:t>show()</a:t>
+            </a:r>
+            <a:r>
+              <a:rPr lang="vi-VN" altLang="vi-VN" dirty="0">
+                <a:solidFill>
+                  <a:srgbClr val="333333"/>
+                </a:solidFill>
+                <a:latin typeface="Times New Roman" panose="02020603050405020304" pitchFamily="18" charset="0"/>
+                <a:cs typeface="Times New Roman" panose="02020603050405020304" pitchFamily="18" charset="0"/>
+              </a:rPr>
+              <a:t> của con rắn, đoạn code này sẽ update lại vị trí của phần thân rắn, dựa theo biến length.</a:t>
+            </a:r>
+            <a:endParaRPr lang="vi-VN" altLang="vi-VN" dirty="0">
+              <a:latin typeface="Times New Roman" panose="02020603050405020304" pitchFamily="18" charset="0"/>
+              <a:cs typeface="Times New Roman" panose="02020603050405020304" pitchFamily="18" charset="0"/>
+            </a:endParaRPr>
+          </a:p>
+        </p:txBody>
+      </p:sp>
+      <p:pic>
+        <p:nvPicPr>
+          <p:cNvPr id="5" name="Picture 4"/>
+          <p:cNvPicPr>
+            <a:picLocks noChangeAspect="1"/>
+          </p:cNvPicPr>
+          <p:nvPr/>
+        </p:nvPicPr>
+        <p:blipFill>
+          <a:blip r:embed="rId3"/>
+          <a:stretch>
+            <a:fillRect/>
+          </a:stretch>
+        </p:blipFill>
+        <p:spPr>
+          <a:xfrm>
+            <a:off x="4505636" y="1196752"/>
+            <a:ext cx="4387026" cy="5397371"/>
+          </a:xfrm>
+          <a:prstGeom prst="rect">
+            <a:avLst/>
+          </a:prstGeom>
+        </p:spPr>
+      </p:pic>
+    </p:spTree>
+    <p:extLst>
+      <p:ext uri="{BB962C8B-B14F-4D97-AF65-F5344CB8AC3E}">
+        <p14:creationId xmlns:p14="http://schemas.microsoft.com/office/powerpoint/2010/main" val="143181365"/>
+      </p:ext>
+    </p:extLst>
+  </p:cSld>
+  <p:clrMapOvr>
+    <a:masterClrMapping/>
+  </p:clrMapOvr>
+  <p:transition spd="slow">
+    <p:randomBar dir="vert"/>
+  </p:transition>
+  <p:timing>
+    <p:tnLst>
+      <p:par>
+        <p:cTn id="1" dur="indefinite" restart="never" nodeType="tmRoot"/>
+      </p:par>
+    </p:tnLst>
+  </p:timing>
+</p:sld>
+</file>
+
+<file path=ppt/slides/slide12.xml><?xml version="1.0" encoding="utf-8"?>
+<p:sld xmlns:a="http://schemas.openxmlformats.org/drawingml/2006/main" xmlns:r="http://schemas.openxmlformats.org/officeDocument/2006/relationships" xmlns:p="http://schemas.openxmlformats.org/presentationml/2006/main">
+  <p:cSld>
+    <p:spTree>
+      <p:nvGrpSpPr>
+        <p:cNvPr id="1" name=""/>
+        <p:cNvGrpSpPr/>
+        <p:nvPr/>
+      </p:nvGrpSpPr>
+      <p:grpSpPr>
+        <a:xfrm>
+          <a:off x="0" y="0"/>
+          <a:ext cx="0" cy="0"/>
+          <a:chOff x="0" y="0"/>
+          <a:chExt cx="0" cy="0"/>
+        </a:xfrm>
+      </p:grpSpPr>
+      <p:sp>
+        <p:nvSpPr>
+          <p:cNvPr id="2" name="Rectangle 1"/>
+          <p:cNvSpPr>
+            <a:spLocks noGrp="1"/>
+          </p:cNvSpPr>
+          <p:nvPr>
+            <p:ph type="title"/>
+          </p:nvPr>
+        </p:nvSpPr>
+        <p:spPr>
+          <a:xfrm>
+            <a:off x="257160" y="194102"/>
+            <a:ext cx="4876800" cy="799306"/>
+          </a:xfrm>
+        </p:spPr>
+        <p:txBody>
+          <a:bodyPr/>
+          <a:lstStyle/>
+          <a:p>
+            <a:r>
+              <a:rPr lang="en-US" dirty="0" smtClean="0"/>
+              <a:t>II. THỰC HIỆN</a:t>
+            </a:r>
+            <a:endParaRPr lang="en-US" dirty="0"/>
+          </a:p>
+        </p:txBody>
+      </p:sp>
+      <p:sp>
+        <p:nvSpPr>
+          <p:cNvPr id="7" name="Slide Number Placeholder 5">
+            <a:extLst>
+              <a:ext uri="{FF2B5EF4-FFF2-40B4-BE49-F238E27FC236}">
+                <a16:creationId xmlns:a16="http://schemas.microsoft.com/office/drawing/2014/main" id="{B8FCD5F1-B09D-4B0A-BB07-423B979A624C}"/>
+              </a:ext>
+            </a:extLst>
+          </p:cNvPr>
+          <p:cNvSpPr>
+            <a:spLocks noGrp="1"/>
+          </p:cNvSpPr>
+          <p:nvPr>
+            <p:ph type="sldNum" sz="quarter" idx="12"/>
+          </p:nvPr>
+        </p:nvSpPr>
+        <p:spPr/>
+        <p:txBody>
+          <a:bodyPr/>
+          <a:lstStyle/>
+          <a:p>
+            <a:fld id="{FEA1243F-3000-4347-94A4-FBDEAD3122CB}" type="slidenum">
+              <a:rPr lang="en-US" smtClean="0"/>
+              <a:pPr/>
+              <a:t>12</a:t>
+            </a:fld>
+            <a:endParaRPr lang="en-US" dirty="0"/>
+          </a:p>
+        </p:txBody>
+      </p:sp>
+      <p:sp>
+        <p:nvSpPr>
+          <p:cNvPr id="28" name="Rectangle 27">
+            <a:extLst>
+              <a:ext uri="{FF2B5EF4-FFF2-40B4-BE49-F238E27FC236}">
+                <a16:creationId xmlns:a16="http://schemas.microsoft.com/office/drawing/2014/main" id="{5BFF15B5-B6C3-4E20-967D-9B191EBA50C9}"/>
+              </a:ext>
+              <a:ext uri="{C183D7F6-B498-43B3-948B-1728B52AA6E4}">
+                <adec:decorative xmlns="" xmlns:adec="http://schemas.microsoft.com/office/drawing/2017/decorative" val="1"/>
+              </a:ext>
+            </a:extLst>
+          </p:cNvPr>
+          <p:cNvSpPr/>
+          <p:nvPr/>
+        </p:nvSpPr>
+        <p:spPr>
+          <a:xfrm>
+            <a:off x="3188300" y="4953000"/>
+            <a:ext cx="2592140" cy="309943"/>
+          </a:xfrm>
+          <a:prstGeom prst="rect">
+            <a:avLst/>
+          </a:prstGeom>
+          <a:solidFill>
+            <a:schemeClr val="tx1">
+              <a:lumMod val="95000"/>
+            </a:schemeClr>
+          </a:solidFill>
+          <a:ln>
+            <a:noFill/>
+          </a:ln>
+        </p:spPr>
+        <p:style>
+          <a:lnRef idx="2">
+            <a:schemeClr val="accent1">
+              <a:alpha val="90000"/>
+              <a:tint val="40000"/>
+              <a:hueOff val="0"/>
+              <a:satOff val="0"/>
+              <a:lumOff val="0"/>
+              <a:alphaOff val="0"/>
+            </a:schemeClr>
+          </a:lnRef>
+          <a:fillRef idx="1">
+            <a:schemeClr val="accent1">
+              <a:alpha val="90000"/>
+              <a:tint val="40000"/>
+              <a:hueOff val="0"/>
+              <a:satOff val="0"/>
+              <a:lumOff val="0"/>
+              <a:alphaOff val="0"/>
+            </a:schemeClr>
+          </a:fillRef>
+          <a:effectRef idx="0">
+            <a:schemeClr val="accent1">
+              <a:alpha val="90000"/>
+              <a:tint val="40000"/>
+              <a:hueOff val="0"/>
+              <a:satOff val="0"/>
+              <a:lumOff val="0"/>
+              <a:alphaOff val="0"/>
+            </a:schemeClr>
+          </a:effectRef>
+          <a:fontRef idx="minor">
+            <a:schemeClr val="dk1">
+              <a:hueOff val="0"/>
+              <a:satOff val="0"/>
+              <a:lumOff val="0"/>
+              <a:alphaOff val="0"/>
+            </a:schemeClr>
+          </a:fontRef>
+        </p:style>
+      </p:sp>
+      <p:sp>
+        <p:nvSpPr>
+          <p:cNvPr id="4" name="TextBox 3"/>
+          <p:cNvSpPr txBox="1"/>
+          <p:nvPr/>
+        </p:nvSpPr>
+        <p:spPr>
+          <a:xfrm>
+            <a:off x="264814" y="1101466"/>
+            <a:ext cx="5057646" cy="461665"/>
+          </a:xfrm>
+          <a:prstGeom prst="rect">
+            <a:avLst/>
+          </a:prstGeom>
+          <a:noFill/>
+          <a:ln>
+            <a:noFill/>
+          </a:ln>
+        </p:spPr>
+        <p:style>
+          <a:lnRef idx="0">
+            <a:scrgbClr r="0" g="0" b="0"/>
+          </a:lnRef>
+          <a:fillRef idx="0">
+            <a:scrgbClr r="0" g="0" b="0"/>
+          </a:fillRef>
+          <a:effectRef idx="0">
+            <a:scrgbClr r="0" g="0" b="0"/>
+          </a:effectRef>
+          <a:fontRef idx="minor">
+            <a:schemeClr val="dk1"/>
+          </a:fontRef>
+        </p:style>
+        <p:txBody>
+          <a:bodyPr wrap="square" rtlCol="0">
+            <a:spAutoFit/>
+          </a:bodyPr>
+          <a:lstStyle/>
+          <a:p>
+            <a:r>
+              <a:rPr lang="en-US" sz="2400" dirty="0" smtClean="0">
+                <a:solidFill>
+                  <a:schemeClr val="accent2">
+                    <a:lumMod val="75000"/>
+                  </a:schemeClr>
+                </a:solidFill>
+                <a:latin typeface="Times New Roman" panose="02020603050405020304" pitchFamily="18" charset="0"/>
+                <a:cs typeface="Times New Roman" panose="02020603050405020304" pitchFamily="18" charset="0"/>
+              </a:rPr>
+              <a:t>2.4 </a:t>
+            </a:r>
+            <a:r>
+              <a:rPr lang="en-US" sz="2400" dirty="0" err="1" smtClean="0">
+                <a:solidFill>
+                  <a:schemeClr val="accent2">
+                    <a:lumMod val="75000"/>
+                  </a:schemeClr>
+                </a:solidFill>
+                <a:latin typeface="Times New Roman" panose="02020603050405020304" pitchFamily="18" charset="0"/>
+                <a:cs typeface="Times New Roman" panose="02020603050405020304" pitchFamily="18" charset="0"/>
+              </a:rPr>
+              <a:t>Xử</a:t>
+            </a:r>
+            <a:r>
+              <a:rPr lang="en-US" sz="2400" dirty="0" smtClean="0">
+                <a:solidFill>
+                  <a:schemeClr val="accent2">
+                    <a:lumMod val="75000"/>
+                  </a:schemeClr>
+                </a:solidFill>
+                <a:latin typeface="Times New Roman" panose="02020603050405020304" pitchFamily="18" charset="0"/>
+                <a:cs typeface="Times New Roman" panose="02020603050405020304" pitchFamily="18" charset="0"/>
+              </a:rPr>
+              <a:t> </a:t>
+            </a:r>
+            <a:r>
+              <a:rPr lang="en-US" sz="2400" dirty="0" err="1" smtClean="0">
+                <a:solidFill>
+                  <a:schemeClr val="accent2">
+                    <a:lumMod val="75000"/>
+                  </a:schemeClr>
+                </a:solidFill>
+                <a:latin typeface="Times New Roman" panose="02020603050405020304" pitchFamily="18" charset="0"/>
+                <a:cs typeface="Times New Roman" panose="02020603050405020304" pitchFamily="18" charset="0"/>
+              </a:rPr>
+              <a:t>lí</a:t>
+            </a:r>
+            <a:r>
+              <a:rPr lang="en-US" sz="2400" dirty="0" smtClean="0">
+                <a:solidFill>
+                  <a:schemeClr val="accent2">
+                    <a:lumMod val="75000"/>
+                  </a:schemeClr>
+                </a:solidFill>
+                <a:latin typeface="Times New Roman" panose="02020603050405020304" pitchFamily="18" charset="0"/>
+                <a:cs typeface="Times New Roman" panose="02020603050405020304" pitchFamily="18" charset="0"/>
+              </a:rPr>
+              <a:t> </a:t>
+            </a:r>
+            <a:r>
+              <a:rPr lang="en-US" sz="2400" dirty="0" err="1" smtClean="0">
+                <a:solidFill>
+                  <a:schemeClr val="accent2">
+                    <a:lumMod val="75000"/>
+                  </a:schemeClr>
+                </a:solidFill>
+                <a:latin typeface="Times New Roman" panose="02020603050405020304" pitchFamily="18" charset="0"/>
+                <a:cs typeface="Times New Roman" panose="02020603050405020304" pitchFamily="18" charset="0"/>
+              </a:rPr>
+              <a:t>khi</a:t>
+            </a:r>
+            <a:r>
+              <a:rPr lang="en-US" sz="2400" dirty="0" smtClean="0">
+                <a:solidFill>
+                  <a:schemeClr val="accent2">
+                    <a:lumMod val="75000"/>
+                  </a:schemeClr>
+                </a:solidFill>
+                <a:latin typeface="Times New Roman" panose="02020603050405020304" pitchFamily="18" charset="0"/>
+                <a:cs typeface="Times New Roman" panose="02020603050405020304" pitchFamily="18" charset="0"/>
+              </a:rPr>
+              <a:t> game </a:t>
+            </a:r>
+            <a:r>
+              <a:rPr lang="en-US" sz="2400" dirty="0" err="1" smtClean="0">
+                <a:solidFill>
+                  <a:schemeClr val="accent2">
+                    <a:lumMod val="75000"/>
+                  </a:schemeClr>
+                </a:solidFill>
+                <a:latin typeface="Times New Roman" panose="02020603050405020304" pitchFamily="18" charset="0"/>
+                <a:cs typeface="Times New Roman" panose="02020603050405020304" pitchFamily="18" charset="0"/>
+              </a:rPr>
+              <a:t>kết</a:t>
+            </a:r>
+            <a:r>
+              <a:rPr lang="en-US" sz="2400" dirty="0" smtClean="0">
+                <a:solidFill>
+                  <a:schemeClr val="accent2">
+                    <a:lumMod val="75000"/>
+                  </a:schemeClr>
+                </a:solidFill>
+                <a:latin typeface="Times New Roman" panose="02020603050405020304" pitchFamily="18" charset="0"/>
+                <a:cs typeface="Times New Roman" panose="02020603050405020304" pitchFamily="18" charset="0"/>
+              </a:rPr>
+              <a:t> </a:t>
+            </a:r>
+            <a:r>
+              <a:rPr lang="en-US" sz="2400" dirty="0" err="1" smtClean="0">
+                <a:solidFill>
+                  <a:schemeClr val="accent2">
+                    <a:lumMod val="75000"/>
+                  </a:schemeClr>
+                </a:solidFill>
+                <a:latin typeface="Times New Roman" panose="02020603050405020304" pitchFamily="18" charset="0"/>
+                <a:cs typeface="Times New Roman" panose="02020603050405020304" pitchFamily="18" charset="0"/>
+              </a:rPr>
+              <a:t>thúc</a:t>
+            </a:r>
+            <a:r>
+              <a:rPr lang="en-US" sz="2400" dirty="0" smtClean="0">
+                <a:solidFill>
+                  <a:schemeClr val="accent2">
+                    <a:lumMod val="75000"/>
+                  </a:schemeClr>
+                </a:solidFill>
+                <a:latin typeface="Times New Roman" panose="02020603050405020304" pitchFamily="18" charset="0"/>
+                <a:cs typeface="Times New Roman" panose="02020603050405020304" pitchFamily="18" charset="0"/>
+              </a:rPr>
+              <a:t>:</a:t>
+            </a:r>
+          </a:p>
+        </p:txBody>
+      </p:sp>
+      <p:sp>
+        <p:nvSpPr>
+          <p:cNvPr id="8" name="Rectangle 7"/>
+          <p:cNvSpPr/>
+          <p:nvPr/>
+        </p:nvSpPr>
+        <p:spPr>
+          <a:xfrm>
+            <a:off x="257160" y="1671189"/>
+            <a:ext cx="4674880" cy="2246769"/>
+          </a:xfrm>
+          <a:prstGeom prst="rect">
+            <a:avLst/>
+          </a:prstGeom>
+        </p:spPr>
+        <p:txBody>
+          <a:bodyPr wrap="square">
+            <a:spAutoFit/>
+          </a:bodyPr>
+          <a:lstStyle/>
+          <a:p>
+            <a:pPr lvl="0" algn="just" eaLnBrk="0" fontAlgn="base" hangingPunct="0">
+              <a:spcBef>
+                <a:spcPct val="0"/>
+              </a:spcBef>
+              <a:spcAft>
+                <a:spcPct val="0"/>
+              </a:spcAft>
+            </a:pPr>
+            <a:r>
+              <a:rPr lang="vi-VN" altLang="vi-VN" sz="2000" dirty="0">
+                <a:solidFill>
+                  <a:srgbClr val="333333"/>
+                </a:solidFill>
+                <a:latin typeface="Times New Roman" panose="02020603050405020304" pitchFamily="18" charset="0"/>
+                <a:cs typeface="Times New Roman" panose="02020603050405020304" pitchFamily="18" charset="0"/>
+              </a:rPr>
+              <a:t>Trò chơi kết thúc khi con rắn cắn vào thân của nó, tương tự như phần ăn thức ăn, ta chỉ cần kiểm tra xem có phần thần nào trùng tọa độ với head hay không là được. Ta tạo thêm 1 biến </a:t>
+            </a:r>
+            <a:r>
+              <a:rPr lang="vi-VN" altLang="vi-VN" sz="2000" dirty="0">
+                <a:solidFill>
+                  <a:srgbClr val="C7254E"/>
+                </a:solidFill>
+                <a:latin typeface="Times New Roman" panose="02020603050405020304" pitchFamily="18" charset="0"/>
+                <a:cs typeface="Times New Roman" panose="02020603050405020304" pitchFamily="18" charset="0"/>
+              </a:rPr>
+              <a:t>isDead</a:t>
+            </a:r>
+            <a:r>
+              <a:rPr lang="vi-VN" altLang="vi-VN" sz="2000" dirty="0">
+                <a:solidFill>
+                  <a:srgbClr val="333333"/>
+                </a:solidFill>
+                <a:latin typeface="Times New Roman" panose="02020603050405020304" pitchFamily="18" charset="0"/>
+                <a:cs typeface="Times New Roman" panose="02020603050405020304" pitchFamily="18" charset="0"/>
+              </a:rPr>
+              <a:t> tượng trưng cho trạng thái của con rắn và thêm đoạn code sau vào hàm </a:t>
+            </a:r>
+            <a:r>
+              <a:rPr lang="vi-VN" altLang="vi-VN" sz="2000" dirty="0">
+                <a:solidFill>
+                  <a:srgbClr val="C7254E"/>
+                </a:solidFill>
+                <a:latin typeface="Times New Roman" panose="02020603050405020304" pitchFamily="18" charset="0"/>
+                <a:cs typeface="Times New Roman" panose="02020603050405020304" pitchFamily="18" charset="0"/>
+              </a:rPr>
+              <a:t>update</a:t>
+            </a:r>
+            <a:r>
+              <a:rPr lang="vi-VN" altLang="vi-VN" sz="2000" dirty="0" smtClean="0">
+                <a:solidFill>
+                  <a:srgbClr val="C7254E"/>
+                </a:solidFill>
+                <a:latin typeface="Times New Roman" panose="02020603050405020304" pitchFamily="18" charset="0"/>
+                <a:cs typeface="Times New Roman" panose="02020603050405020304" pitchFamily="18" charset="0"/>
+              </a:rPr>
+              <a:t>()</a:t>
+            </a:r>
+            <a:r>
+              <a:rPr lang="vi-VN" altLang="vi-VN" sz="2000" dirty="0">
+                <a:solidFill>
+                  <a:schemeClr val="bg1"/>
+                </a:solidFill>
+                <a:latin typeface="Times New Roman" panose="02020603050405020304" pitchFamily="18" charset="0"/>
+                <a:cs typeface="Times New Roman" panose="02020603050405020304" pitchFamily="18" charset="0"/>
+              </a:rPr>
+              <a:t>.</a:t>
+            </a:r>
+          </a:p>
+        </p:txBody>
+      </p:sp>
+      <p:pic>
+        <p:nvPicPr>
+          <p:cNvPr id="9" name="Picture 8"/>
+          <p:cNvPicPr>
+            <a:picLocks noChangeAspect="1"/>
+          </p:cNvPicPr>
+          <p:nvPr/>
+        </p:nvPicPr>
+        <p:blipFill>
+          <a:blip r:embed="rId3"/>
+          <a:stretch>
+            <a:fillRect/>
+          </a:stretch>
+        </p:blipFill>
+        <p:spPr>
+          <a:xfrm>
+            <a:off x="5114396" y="1412776"/>
+            <a:ext cx="3706076" cy="2348515"/>
+          </a:xfrm>
+          <a:prstGeom prst="rect">
+            <a:avLst/>
+          </a:prstGeom>
+        </p:spPr>
+      </p:pic>
+      <p:sp>
+        <p:nvSpPr>
+          <p:cNvPr id="11" name="Rectangle 10"/>
+          <p:cNvSpPr/>
+          <p:nvPr/>
+        </p:nvSpPr>
+        <p:spPr>
+          <a:xfrm>
+            <a:off x="358911" y="4058772"/>
+            <a:ext cx="4471378" cy="1015663"/>
+          </a:xfrm>
+          <a:prstGeom prst="rect">
+            <a:avLst/>
+          </a:prstGeom>
+        </p:spPr>
+        <p:txBody>
+          <a:bodyPr wrap="square">
+            <a:spAutoFit/>
+          </a:bodyPr>
+          <a:lstStyle/>
+          <a:p>
+            <a:pPr lvl="0" algn="just" eaLnBrk="0" fontAlgn="base" hangingPunct="0">
+              <a:spcBef>
+                <a:spcPct val="0"/>
+              </a:spcBef>
+              <a:spcAft>
+                <a:spcPct val="0"/>
+              </a:spcAft>
+            </a:pPr>
+            <a:r>
+              <a:rPr lang="vi-VN" altLang="vi-VN" sz="2000" dirty="0">
+                <a:solidFill>
+                  <a:srgbClr val="333333"/>
+                </a:solidFill>
+                <a:latin typeface="Times New Roman" panose="02020603050405020304" pitchFamily="18" charset="0"/>
+                <a:cs typeface="Times New Roman" panose="02020603050405020304" pitchFamily="18" charset="0"/>
+              </a:rPr>
+              <a:t>Và hàm </a:t>
+            </a:r>
+            <a:r>
+              <a:rPr lang="vi-VN" altLang="vi-VN" sz="2000" dirty="0">
+                <a:solidFill>
+                  <a:srgbClr val="C7254E"/>
+                </a:solidFill>
+                <a:latin typeface="Times New Roman" panose="02020603050405020304" pitchFamily="18" charset="0"/>
+                <a:cs typeface="Times New Roman" panose="02020603050405020304" pitchFamily="18" charset="0"/>
+              </a:rPr>
+              <a:t>draw()</a:t>
+            </a:r>
+            <a:r>
+              <a:rPr lang="vi-VN" altLang="vi-VN" sz="2000" dirty="0">
+                <a:solidFill>
+                  <a:srgbClr val="333333"/>
+                </a:solidFill>
+                <a:latin typeface="Times New Roman" panose="02020603050405020304" pitchFamily="18" charset="0"/>
+                <a:cs typeface="Times New Roman" panose="02020603050405020304" pitchFamily="18" charset="0"/>
+              </a:rPr>
+              <a:t> cũng sẽ được chỉnh lại, để mỗi khi</a:t>
+            </a:r>
+            <a:r>
+              <a:rPr lang="vi-VN" altLang="vi-VN" sz="2000" dirty="0">
+                <a:solidFill>
+                  <a:srgbClr val="C7254E"/>
+                </a:solidFill>
+                <a:latin typeface="Times New Roman" panose="02020603050405020304" pitchFamily="18" charset="0"/>
+                <a:cs typeface="Times New Roman" panose="02020603050405020304" pitchFamily="18" charset="0"/>
+              </a:rPr>
+              <a:t> isDead == true</a:t>
+            </a:r>
+            <a:r>
+              <a:rPr lang="vi-VN" altLang="vi-VN" sz="2000" dirty="0">
+                <a:solidFill>
+                  <a:srgbClr val="333333"/>
+                </a:solidFill>
+                <a:latin typeface="Times New Roman" panose="02020603050405020304" pitchFamily="18" charset="0"/>
+                <a:cs typeface="Times New Roman" panose="02020603050405020304" pitchFamily="18" charset="0"/>
+              </a:rPr>
+              <a:t> thì sẽ tạo lại 1 game mới.</a:t>
+            </a:r>
+            <a:r>
+              <a:rPr lang="vi-VN" altLang="vi-VN" sz="2000" dirty="0">
+                <a:latin typeface="Times New Roman" panose="02020603050405020304" pitchFamily="18" charset="0"/>
+                <a:cs typeface="Times New Roman" panose="02020603050405020304" pitchFamily="18" charset="0"/>
+              </a:rPr>
+              <a:t> </a:t>
+            </a:r>
+          </a:p>
+        </p:txBody>
+      </p:sp>
+      <p:pic>
+        <p:nvPicPr>
+          <p:cNvPr id="12" name="Picture 11"/>
+          <p:cNvPicPr>
+            <a:picLocks noChangeAspect="1"/>
+          </p:cNvPicPr>
+          <p:nvPr/>
+        </p:nvPicPr>
+        <p:blipFill>
+          <a:blip r:embed="rId4"/>
+          <a:stretch>
+            <a:fillRect/>
+          </a:stretch>
+        </p:blipFill>
+        <p:spPr>
+          <a:xfrm>
+            <a:off x="5117929" y="4566603"/>
+            <a:ext cx="2423370" cy="2126164"/>
+          </a:xfrm>
+          <a:prstGeom prst="rect">
+            <a:avLst/>
+          </a:prstGeom>
+        </p:spPr>
+      </p:pic>
+    </p:spTree>
+    <p:extLst>
+      <p:ext uri="{BB962C8B-B14F-4D97-AF65-F5344CB8AC3E}">
+        <p14:creationId xmlns:p14="http://schemas.microsoft.com/office/powerpoint/2010/main" val="2355588762"/>
+      </p:ext>
+    </p:extLst>
+  </p:cSld>
+  <p:clrMapOvr>
+    <a:masterClrMapping/>
+  </p:clrMapOvr>
+  <mc:AlternateContent xmlns:mc="http://schemas.openxmlformats.org/markup-compatibility/2006">
+    <mc:Choice xmlns:p14="http://schemas.microsoft.com/office/powerpoint/2010/main" Requires="p14">
+      <p:transition spd="slow" p14:dur="800">
+        <p:circle/>
+      </p:transition>
+    </mc:Choice>
+    <mc:Fallback>
+      <p:transition spd="slow">
+        <p:circle/>
+      </p:transition>
+    </mc:Fallback>
+  </mc:AlternateContent>
+  <p:timing>
+    <p:tnLst>
+      <p:par>
+        <p:cTn id="1" dur="indefinite" restart="never" nodeType="tmRoot"/>
+      </p:par>
+    </p:tnLst>
+  </p:timing>
+</p:sld>
+</file>
+
+<file path=ppt/slides/slide13.xml><?xml version="1.0" encoding="utf-8"?>
+<p:sld xmlns:a="http://schemas.openxmlformats.org/drawingml/2006/main" xmlns:r="http://schemas.openxmlformats.org/officeDocument/2006/relationships" xmlns:p="http://schemas.openxmlformats.org/presentationml/2006/main">
+  <p:cSld>
+    <p:spTree>
+      <p:nvGrpSpPr>
+        <p:cNvPr id="1" name=""/>
+        <p:cNvGrpSpPr/>
+        <p:nvPr/>
+      </p:nvGrpSpPr>
+      <p:grpSpPr>
+        <a:xfrm>
+          <a:off x="0" y="0"/>
+          <a:ext cx="0" cy="0"/>
+          <a:chOff x="0" y="0"/>
+          <a:chExt cx="0" cy="0"/>
+        </a:xfrm>
+      </p:grpSpPr>
+      <p:sp>
+        <p:nvSpPr>
+          <p:cNvPr id="7" name="Slide Number Placeholder 5">
+            <a:extLst>
+              <a:ext uri="{FF2B5EF4-FFF2-40B4-BE49-F238E27FC236}">
+                <a16:creationId xmlns:a16="http://schemas.microsoft.com/office/drawing/2014/main" id="{B8FCD5F1-B09D-4B0A-BB07-423B979A624C}"/>
+              </a:ext>
+            </a:extLst>
+          </p:cNvPr>
+          <p:cNvSpPr>
+            <a:spLocks noGrp="1"/>
+          </p:cNvSpPr>
+          <p:nvPr>
+            <p:ph type="sldNum" sz="quarter" idx="12"/>
+          </p:nvPr>
+        </p:nvSpPr>
+        <p:spPr/>
+        <p:txBody>
+          <a:bodyPr/>
+          <a:lstStyle/>
+          <a:p>
+            <a:fld id="{FEA1243F-3000-4347-94A4-FBDEAD3122CB}" type="slidenum">
+              <a:rPr lang="en-US" smtClean="0"/>
+              <a:pPr/>
+              <a:t>13</a:t>
+            </a:fld>
+            <a:endParaRPr lang="en-US" dirty="0"/>
+          </a:p>
+        </p:txBody>
+      </p:sp>
+      <p:sp>
+        <p:nvSpPr>
+          <p:cNvPr id="28" name="Rectangle 27">
+            <a:extLst>
+              <a:ext uri="{FF2B5EF4-FFF2-40B4-BE49-F238E27FC236}">
+                <a16:creationId xmlns:a16="http://schemas.microsoft.com/office/drawing/2014/main" id="{5BFF15B5-B6C3-4E20-967D-9B191EBA50C9}"/>
+              </a:ext>
+              <a:ext uri="{C183D7F6-B498-43B3-948B-1728B52AA6E4}">
+                <adec:decorative xmlns="" xmlns:adec="http://schemas.microsoft.com/office/drawing/2017/decorative" val="1"/>
+              </a:ext>
+            </a:extLst>
+          </p:cNvPr>
+          <p:cNvSpPr/>
+          <p:nvPr/>
+        </p:nvSpPr>
+        <p:spPr>
+          <a:xfrm>
+            <a:off x="3188300" y="4953000"/>
+            <a:ext cx="2592140" cy="309943"/>
+          </a:xfrm>
+          <a:prstGeom prst="rect">
+            <a:avLst/>
+          </a:prstGeom>
+          <a:solidFill>
+            <a:schemeClr val="tx1">
+              <a:lumMod val="95000"/>
+            </a:schemeClr>
+          </a:solidFill>
+          <a:ln>
+            <a:noFill/>
+          </a:ln>
+        </p:spPr>
+        <p:style>
+          <a:lnRef idx="2">
+            <a:schemeClr val="accent1">
+              <a:alpha val="90000"/>
+              <a:tint val="40000"/>
+              <a:hueOff val="0"/>
+              <a:satOff val="0"/>
+              <a:lumOff val="0"/>
+              <a:alphaOff val="0"/>
+            </a:schemeClr>
+          </a:lnRef>
+          <a:fillRef idx="1">
+            <a:schemeClr val="accent1">
+              <a:alpha val="90000"/>
+              <a:tint val="40000"/>
+              <a:hueOff val="0"/>
+              <a:satOff val="0"/>
+              <a:lumOff val="0"/>
+              <a:alphaOff val="0"/>
+            </a:schemeClr>
+          </a:fillRef>
+          <a:effectRef idx="0">
+            <a:schemeClr val="accent1">
+              <a:alpha val="90000"/>
+              <a:tint val="40000"/>
+              <a:hueOff val="0"/>
+              <a:satOff val="0"/>
+              <a:lumOff val="0"/>
+              <a:alphaOff val="0"/>
+            </a:schemeClr>
+          </a:effectRef>
+          <a:fontRef idx="minor">
+            <a:schemeClr val="dk1">
+              <a:hueOff val="0"/>
+              <a:satOff val="0"/>
+              <a:lumOff val="0"/>
+              <a:alphaOff val="0"/>
+            </a:schemeClr>
+          </a:fontRef>
+        </p:style>
+      </p:sp>
+      <p:pic>
+        <p:nvPicPr>
+          <p:cNvPr id="6" name="Picture 5"/>
+          <p:cNvPicPr>
+            <a:picLocks noChangeAspect="1"/>
+          </p:cNvPicPr>
+          <p:nvPr/>
+        </p:nvPicPr>
+        <p:blipFill>
+          <a:blip r:embed="rId3">
+            <a:extLst>
+              <a:ext uri="{28A0092B-C50C-407E-A947-70E740481C1C}">
+                <a14:useLocalDpi xmlns:a14="http://schemas.microsoft.com/office/drawing/2010/main" val="0"/>
+              </a:ext>
+            </a:extLst>
+          </a:blip>
+          <a:stretch>
+            <a:fillRect/>
+          </a:stretch>
+        </p:blipFill>
+        <p:spPr>
+          <a:xfrm>
+            <a:off x="0" y="0"/>
+            <a:ext cx="9144000" cy="7389440"/>
+          </a:xfrm>
+          <a:prstGeom prst="rect">
+            <a:avLst/>
+          </a:prstGeom>
+        </p:spPr>
+      </p:pic>
+    </p:spTree>
+    <p:extLst>
+      <p:ext uri="{BB962C8B-B14F-4D97-AF65-F5344CB8AC3E}">
+        <p14:creationId xmlns:p14="http://schemas.microsoft.com/office/powerpoint/2010/main" val="3312081173"/>
+      </p:ext>
+    </p:extLst>
+  </p:cSld>
+  <p:clrMapOvr>
+    <a:masterClrMapping/>
+  </p:clrMapOvr>
+  <mc:AlternateContent xmlns:mc="http://schemas.openxmlformats.org/markup-compatibility/2006">
+    <mc:Choice xmlns:p14="http://schemas.microsoft.com/office/powerpoint/2010/main" Requires="p14">
+      <p:transition spd="slow" p14:dur="800">
+        <p:circle/>
+      </p:transition>
+    </mc:Choice>
+    <mc:Fallback>
+      <p:transition spd="slow">
+        <p:circle/>
+      </p:transition>
+    </mc:Fallback>
+  </mc:AlternateContent>
   <p:timing>
     <p:tnLst>
       <p:par>
@@ -4472,6 +7214,18 @@
   <p:clrMapOvr>
     <a:masterClrMapping/>
   </p:clrMapOvr>
+  <mc:AlternateContent xmlns:mc="http://schemas.openxmlformats.org/markup-compatibility/2006" xmlns:p14="http://schemas.microsoft.com/office/powerpoint/2010/main">
+    <mc:Choice Requires="p14">
+      <p:transition spd="med" p14:dur="700">
+        <p:fade/>
+      </p:transition>
+    </mc:Choice>
+    <mc:Fallback xmlns="">
+      <p:transition spd="med">
+        <p:fade/>
+      </p:transition>
+    </mc:Fallback>
+  </mc:AlternateContent>
   <p:timing>
     <p:tnLst>
       <p:par>
@@ -5080,10 +7834,6 @@
               </a:rPr>
               <a:t> game.</a:t>
             </a:r>
-            <a:endParaRPr lang="en-US" sz="2400" dirty="0" smtClean="0">
-              <a:latin typeface="Times New Roman" panose="02020603050405020304" pitchFamily="18" charset="0"/>
-              <a:cs typeface="Times New Roman" panose="02020603050405020304" pitchFamily="18" charset="0"/>
-            </a:endParaRPr>
           </a:p>
           <a:p>
             <a:pPr marL="800100" lvl="1" indent="-342900">
@@ -5521,10 +8271,6 @@
               </a:rPr>
               <a:t> </a:t>
             </a:r>
-            <a:endParaRPr lang="en-US" sz="2400" dirty="0" smtClean="0">
-              <a:latin typeface="Times New Roman" panose="02020603050405020304" pitchFamily="18" charset="0"/>
-              <a:cs typeface="Times New Roman" panose="02020603050405020304" pitchFamily="18" charset="0"/>
-            </a:endParaRPr>
           </a:p>
           <a:p>
             <a:endParaRPr lang="vi-VN" sz="2400" dirty="0">
@@ -5544,6 +8290,9 @@
   <p:clrMapOvr>
     <a:masterClrMapping/>
   </p:clrMapOvr>
+  <p:transition spd="slow">
+    <p:wipe/>
+  </p:transition>
   <p:timing>
     <p:tnLst>
       <p:par>
@@ -5718,8 +8467,8 @@
         </p:blipFill>
         <p:spPr>
           <a:xfrm>
-            <a:off x="4484370" y="1874797"/>
-            <a:ext cx="4320274" cy="3600400"/>
+            <a:off x="5314707" y="2852936"/>
+            <a:ext cx="3542625" cy="3312368"/>
           </a:xfrm>
           <a:prstGeom prst="rect">
             <a:avLst/>
@@ -5735,7 +8484,7 @@
         <p:spPr>
           <a:xfrm>
             <a:off x="264814" y="1101466"/>
-            <a:ext cx="4104456" cy="461665"/>
+            <a:ext cx="5057646" cy="461665"/>
           </a:xfrm>
           <a:prstGeom prst="rect">
             <a:avLst/>
@@ -5775,29 +8524,18 @@
                 <a:latin typeface="Times New Roman" panose="02020603050405020304" pitchFamily="18" charset="0"/>
                 <a:cs typeface="Times New Roman" panose="02020603050405020304" pitchFamily="18" charset="0"/>
               </a:rPr>
-              <a:t>1. </a:t>
-            </a:r>
-            <a:r>
-              <a:rPr lang="en-US" sz="2400" b="1" dirty="0" smtClean="0">
-                <a:solidFill>
-                  <a:schemeClr val="accent2">
+              <a:t>2.1 </a:t>
+            </a:r>
+            <a:r>
+              <a:rPr lang="vi-VN" b="1" dirty="0">
+                <a:solidFill>
+                  <a:schemeClr val="accent4">
                     <a:lumMod val="75000"/>
                   </a:schemeClr>
                 </a:solidFill>
-                <a:latin typeface="Times New Roman" panose="02020603050405020304" pitchFamily="18" charset="0"/>
-                <a:cs typeface="Times New Roman" panose="02020603050405020304" pitchFamily="18" charset="0"/>
-              </a:rPr>
-              <a:t>INDEX:</a:t>
-            </a:r>
-            <a:endParaRPr lang="vi-VN" sz="2400" b="1" dirty="0">
-              <a:solidFill>
-                <a:schemeClr val="accent2">
-                  <a:lumMod val="75000"/>
-                </a:schemeClr>
-              </a:solidFill>
-              <a:latin typeface="Times New Roman" panose="02020603050405020304" pitchFamily="18" charset="0"/>
-              <a:cs typeface="Times New Roman" panose="02020603050405020304" pitchFamily="18" charset="0"/>
-            </a:endParaRPr>
+              </a:rPr>
+              <a:t>Thiết kế giao diện và Hiển thị rắn</a:t>
+            </a:r>
           </a:p>
         </p:txBody>
       </p:sp>
@@ -5809,7 +8547,7 @@
         </p:nvSpPr>
         <p:spPr>
           <a:xfrm>
-            <a:off x="251520" y="2132856"/>
+            <a:off x="755576" y="3370117"/>
             <a:ext cx="4032448" cy="3785652"/>
           </a:xfrm>
           <a:prstGeom prst="rect">
@@ -6014,7 +8752,27 @@
                 <a:latin typeface="Times New Roman" panose="02020603050405020304" pitchFamily="18" charset="0"/>
                 <a:cs typeface="Times New Roman" panose="02020603050405020304" pitchFamily="18" charset="0"/>
               </a:rPr>
-              <a:t> Function này sẽ chạy ngay sau thằng </a:t>
+              <a:t> Function này sẽ chạy ngay </a:t>
+            </a:r>
+            <a:r>
+              <a:rPr lang="vi-VN" altLang="vi-VN" sz="2000" dirty="0" smtClean="0">
+                <a:solidFill>
+                  <a:srgbClr val="333333"/>
+                </a:solidFill>
+                <a:latin typeface="Times New Roman" panose="02020603050405020304" pitchFamily="18" charset="0"/>
+                <a:cs typeface="Times New Roman" panose="02020603050405020304" pitchFamily="18" charset="0"/>
+              </a:rPr>
+              <a:t>sau</a:t>
+            </a:r>
+            <a:r>
+              <a:rPr lang="vi-VN" altLang="vi-VN" sz="2000" dirty="0">
+                <a:solidFill>
+                  <a:srgbClr val="333333"/>
+                </a:solidFill>
+                <a:latin typeface="Times New Roman" panose="02020603050405020304" pitchFamily="18" charset="0"/>
+                <a:cs typeface="Times New Roman" panose="02020603050405020304" pitchFamily="18" charset="0"/>
+              </a:rPr>
+              <a:t> </a:t>
             </a:r>
             <a:r>
               <a:rPr lang="vi-VN" altLang="vi-VN" sz="2000" dirty="0">
@@ -6062,6 +8820,87 @@
           </a:p>
         </p:txBody>
       </p:sp>
+      <p:sp>
+        <p:nvSpPr>
+          <p:cNvPr id="6" name="Rectangle 5"/>
+          <p:cNvSpPr/>
+          <p:nvPr/>
+        </p:nvSpPr>
+        <p:spPr>
+          <a:xfrm>
+            <a:off x="539552" y="1616655"/>
+            <a:ext cx="7200800" cy="1015663"/>
+          </a:xfrm>
+          <a:prstGeom prst="rect">
+            <a:avLst/>
+          </a:prstGeom>
+        </p:spPr>
+        <p:txBody>
+          <a:bodyPr wrap="square">
+            <a:spAutoFit/>
+          </a:bodyPr>
+          <a:lstStyle/>
+          <a:p>
+            <a:r>
+              <a:rPr lang="vi-VN" sz="2000" dirty="0">
+                <a:solidFill>
+                  <a:srgbClr val="333333"/>
+                </a:solidFill>
+                <a:latin typeface="Times New Roman" panose="02020603050405020304" pitchFamily="18" charset="0"/>
+                <a:cs typeface="Times New Roman" panose="02020603050405020304" pitchFamily="18" charset="0"/>
+              </a:rPr>
+              <a:t>Phần giao diện khá đơn giản, sẽ gồm một lưới các ô vuông. Mỗi ô vuông sẽ hiển thị một phần thân con rắn, hoặc là mồi. Chúng ta tạo ra 4 file:</a:t>
+            </a:r>
+            <a:endParaRPr lang="vi-VN" sz="2000" dirty="0">
+              <a:latin typeface="Times New Roman" panose="02020603050405020304" pitchFamily="18" charset="0"/>
+              <a:cs typeface="Times New Roman" panose="02020603050405020304" pitchFamily="18" charset="0"/>
+            </a:endParaRPr>
+          </a:p>
+        </p:txBody>
+      </p:sp>
+      <p:sp>
+        <p:nvSpPr>
+          <p:cNvPr id="8" name="TextBox 7"/>
+          <p:cNvSpPr txBox="1"/>
+          <p:nvPr/>
+        </p:nvSpPr>
+        <p:spPr>
+          <a:xfrm>
+            <a:off x="827584" y="2852936"/>
+            <a:ext cx="3960440" cy="369332"/>
+          </a:xfrm>
+          <a:prstGeom prst="rect">
+            <a:avLst/>
+          </a:prstGeom>
+        </p:spPr>
+        <p:style>
+          <a:lnRef idx="2">
+            <a:schemeClr val="dk1"/>
+          </a:lnRef>
+          <a:fillRef idx="1">
+            <a:schemeClr val="lt1"/>
+          </a:fillRef>
+          <a:effectRef idx="0">
+            <a:schemeClr val="dk1"/>
+          </a:effectRef>
+          <a:fontRef idx="minor">
+            <a:schemeClr val="dk1"/>
+          </a:fontRef>
+        </p:style>
+        <p:txBody>
+          <a:bodyPr wrap="square" rtlCol="0">
+            <a:spAutoFit/>
+          </a:bodyPr>
+          <a:lstStyle/>
+          <a:p>
+            <a:r>
+              <a:rPr lang="vi-VN" dirty="0" smtClean="0"/>
+              <a:t>1. Index.html</a:t>
+            </a:r>
+            <a:endParaRPr lang="vi-VN" dirty="0"/>
+          </a:p>
+        </p:txBody>
+      </p:sp>
     </p:spTree>
     <p:extLst>
       <p:ext uri="{BB962C8B-B14F-4D97-AF65-F5344CB8AC3E}">
@@ -6072,6 +8911,18 @@
   <p:clrMapOvr>
     <a:masterClrMapping/>
   </p:clrMapOvr>
+  <mc:AlternateContent xmlns:mc="http://schemas.openxmlformats.org/markup-compatibility/2006">
+    <mc:Choice xmlns:p14="http://schemas.microsoft.com/office/powerpoint/2010/main" Requires="p14">
+      <p:transition spd="slow" p14:dur="1500">
+        <p:split orient="vert"/>
+      </p:transition>
+    </mc:Choice>
+    <mc:Fallback>
+      <p:transition spd="slow">
+        <p:split orient="vert"/>
+      </p:transition>
+    </mc:Fallback>
+  </mc:AlternateContent>
   <p:timing>
     <p:tnLst>
       <p:par>
@@ -6239,7 +9090,7 @@
         <p:spPr>
           <a:xfrm>
             <a:off x="264814" y="1101466"/>
-            <a:ext cx="4104456" cy="461665"/>
+            <a:ext cx="5057646" cy="461665"/>
           </a:xfrm>
           <a:prstGeom prst="rect">
             <a:avLst/>
@@ -6279,29 +9130,18 @@
                 <a:latin typeface="Times New Roman" panose="02020603050405020304" pitchFamily="18" charset="0"/>
                 <a:cs typeface="Times New Roman" panose="02020603050405020304" pitchFamily="18" charset="0"/>
               </a:rPr>
-              <a:t>2. </a:t>
-            </a:r>
-            <a:r>
-              <a:rPr lang="en-US" sz="2400" b="1" dirty="0" smtClean="0">
-                <a:solidFill>
-                  <a:schemeClr val="accent2">
+              <a:t>2.1 </a:t>
+            </a:r>
+            <a:r>
+              <a:rPr lang="vi-VN" b="1" dirty="0">
+                <a:solidFill>
+                  <a:schemeClr val="accent4">
                     <a:lumMod val="75000"/>
                   </a:schemeClr>
                 </a:solidFill>
-                <a:latin typeface="Times New Roman" panose="02020603050405020304" pitchFamily="18" charset="0"/>
-                <a:cs typeface="Times New Roman" panose="02020603050405020304" pitchFamily="18" charset="0"/>
-              </a:rPr>
-              <a:t>CONFIG:</a:t>
-            </a:r>
-            <a:endParaRPr lang="vi-VN" sz="2400" b="1" dirty="0">
-              <a:solidFill>
-                <a:schemeClr val="accent2">
-                  <a:lumMod val="75000"/>
-                </a:schemeClr>
-              </a:solidFill>
-              <a:latin typeface="Times New Roman" panose="02020603050405020304" pitchFamily="18" charset="0"/>
-              <a:cs typeface="Times New Roman" panose="02020603050405020304" pitchFamily="18" charset="0"/>
-            </a:endParaRPr>
+              </a:rPr>
+              <a:t>Thiết kế giao diện và Hiển thị rắn</a:t>
+            </a:r>
           </a:p>
         </p:txBody>
       </p:sp>
@@ -6313,8 +9153,8 @@
         </p:nvSpPr>
         <p:spPr>
           <a:xfrm>
-            <a:off x="251520" y="2132856"/>
-            <a:ext cx="4032448" cy="1323439"/>
+            <a:off x="755576" y="2242402"/>
+            <a:ext cx="4032448" cy="1015663"/>
           </a:xfrm>
           <a:prstGeom prst="rect">
             <a:avLst/>
@@ -6356,17 +9196,7 @@
                 <a:latin typeface="Times New Roman" panose="02020603050405020304" pitchFamily="18" charset="0"/>
                 <a:cs typeface="Times New Roman" panose="02020603050405020304" pitchFamily="18" charset="0"/>
               </a:rPr>
-              <a:t>Gọi các hằng số sử dụng </a:t>
-            </a:r>
-            <a:r>
-              <a:rPr lang="vi-VN" altLang="vi-VN" sz="2000" smtClean="0">
-                <a:solidFill>
-                  <a:srgbClr val="333333"/>
-                </a:solidFill>
-                <a:latin typeface="Times New Roman" panose="02020603050405020304" pitchFamily="18" charset="0"/>
-                <a:cs typeface="Times New Roman" panose="02020603050405020304" pitchFamily="18" charset="0"/>
-              </a:rPr>
-              <a:t>gồm đơn bị, chiều cao, chiều rộng, tốc độ game</a:t>
+              <a:t>Ta gọi các hằng số đơn vị, độ cao, độ rộng, tốc độ game</a:t>
             </a:r>
             <a:endParaRPr lang="vi-VN" altLang="vi-VN" sz="2000" dirty="0">
               <a:solidFill>
@@ -6388,9 +9218,52 @@
           </a:p>
         </p:txBody>
       </p:sp>
+      <p:sp>
+        <p:nvSpPr>
+          <p:cNvPr id="8" name="TextBox 7"/>
+          <p:cNvSpPr txBox="1"/>
+          <p:nvPr/>
+        </p:nvSpPr>
+        <p:spPr>
+          <a:xfrm>
+            <a:off x="827584" y="1712235"/>
+            <a:ext cx="3960440" cy="369332"/>
+          </a:xfrm>
+          <a:prstGeom prst="rect">
+            <a:avLst/>
+          </a:prstGeom>
+        </p:spPr>
+        <p:style>
+          <a:lnRef idx="2">
+            <a:schemeClr val="dk1"/>
+          </a:lnRef>
+          <a:fillRef idx="1">
+            <a:schemeClr val="lt1"/>
+          </a:fillRef>
+          <a:effectRef idx="0">
+            <a:schemeClr val="dk1"/>
+          </a:effectRef>
+          <a:fontRef idx="minor">
+            <a:schemeClr val="dk1"/>
+          </a:fontRef>
+        </p:style>
+        <p:txBody>
+          <a:bodyPr wrap="square" rtlCol="0">
+            <a:spAutoFit/>
+          </a:bodyPr>
+          <a:lstStyle/>
+          <a:p>
+            <a:r>
+              <a:rPr lang="vi-VN" dirty="0" smtClean="0"/>
+              <a:t>2. Config.js</a:t>
+            </a:r>
+            <a:endParaRPr lang="vi-VN" dirty="0"/>
+          </a:p>
+        </p:txBody>
+      </p:sp>
       <p:pic>
         <p:nvPicPr>
-          <p:cNvPr id="8" name="Picture 7"/>
+          <p:cNvPr id="10" name="Picture 9"/>
           <p:cNvPicPr>
             <a:picLocks noChangeAspect="1"/>
           </p:cNvPicPr>
@@ -6404,24 +9277,399 @@
         </p:blipFill>
         <p:spPr>
           <a:xfrm>
-            <a:off x="4932040" y="1563131"/>
-            <a:ext cx="2415749" cy="1447925"/>
+            <a:off x="5868144" y="1712235"/>
+            <a:ext cx="2667231" cy="1447925"/>
           </a:xfrm>
           <a:prstGeom prst="rect">
             <a:avLst/>
           </a:prstGeom>
         </p:spPr>
       </p:pic>
+      <p:sp>
+        <p:nvSpPr>
+          <p:cNvPr id="13" name="TextBox 12"/>
+          <p:cNvSpPr txBox="1"/>
+          <p:nvPr/>
+        </p:nvSpPr>
+        <p:spPr>
+          <a:xfrm>
+            <a:off x="833623" y="3139285"/>
+            <a:ext cx="3960440" cy="369332"/>
+          </a:xfrm>
+          <a:prstGeom prst="rect">
+            <a:avLst/>
+          </a:prstGeom>
+        </p:spPr>
+        <p:style>
+          <a:lnRef idx="2">
+            <a:schemeClr val="dk1"/>
+          </a:lnRef>
+          <a:fillRef idx="1">
+            <a:schemeClr val="lt1"/>
+          </a:fillRef>
+          <a:effectRef idx="0">
+            <a:schemeClr val="dk1"/>
+          </a:effectRef>
+          <a:fontRef idx="minor">
+            <a:schemeClr val="dk1"/>
+          </a:fontRef>
+        </p:style>
+        <p:txBody>
+          <a:bodyPr wrap="square" rtlCol="0">
+            <a:spAutoFit/>
+          </a:bodyPr>
+          <a:lstStyle/>
+          <a:p>
+            <a:r>
+              <a:rPr lang="vi-VN" dirty="0" smtClean="0"/>
+              <a:t>3. Snake.js</a:t>
+            </a:r>
+            <a:endParaRPr lang="vi-VN" dirty="0"/>
+          </a:p>
+        </p:txBody>
+      </p:sp>
+      <p:pic>
+        <p:nvPicPr>
+          <p:cNvPr id="12" name="Picture 11"/>
+          <p:cNvPicPr>
+            <a:picLocks noChangeAspect="1"/>
+          </p:cNvPicPr>
+          <p:nvPr/>
+        </p:nvPicPr>
+        <p:blipFill>
+          <a:blip r:embed="rId4"/>
+          <a:stretch>
+            <a:fillRect/>
+          </a:stretch>
+        </p:blipFill>
+        <p:spPr>
+          <a:xfrm>
+            <a:off x="5322460" y="3789040"/>
+            <a:ext cx="3675343" cy="2880320"/>
+          </a:xfrm>
+          <a:prstGeom prst="rect">
+            <a:avLst/>
+          </a:prstGeom>
+        </p:spPr>
+      </p:pic>
+      <p:sp>
+        <p:nvSpPr>
+          <p:cNvPr id="14" name="Rectangle 1"/>
+          <p:cNvSpPr>
+            <a:spLocks noChangeArrowheads="1"/>
+          </p:cNvSpPr>
+          <p:nvPr/>
+        </p:nvSpPr>
+        <p:spPr bwMode="auto">
+          <a:xfrm>
+            <a:off x="755576" y="3864841"/>
+            <a:ext cx="4383500" cy="1323439"/>
+          </a:xfrm>
+          <a:prstGeom prst="rect">
+            <a:avLst/>
+          </a:prstGeom>
+          <a:solidFill>
+            <a:srgbClr val="F9F2F4"/>
+          </a:solidFill>
+          <a:ln>
+            <a:noFill/>
+          </a:ln>
+          <a:effectLst/>
+          <a:extLst>
+            <a:ext uri="{91240B29-F687-4F45-9708-019B960494DF}">
+              <a14:hiddenLine xmlns:a14="http://schemas.microsoft.com/office/drawing/2010/main" w="9525">
+                <a:solidFill>
+                  <a:schemeClr val="tx1"/>
+                </a:solidFill>
+                <a:miter lim="800000"/>
+                <a:headEnd/>
+                <a:tailEnd/>
+              </a14:hiddenLine>
+            </a:ext>
+            <a:ext uri="{AF507438-7753-43E0-B8FC-AC1667EBCBE1}">
+              <a14:hiddenEffects xmlns:a14="http://schemas.microsoft.com/office/drawing/2010/main">
+                <a:effectLst>
+                  <a:outerShdw dist="35921" dir="2700000" algn="ctr" rotWithShape="0">
+                    <a:schemeClr val="bg2"/>
+                  </a:outerShdw>
+                </a:effectLst>
+              </a14:hiddenEffects>
+            </a:ext>
+          </a:extLst>
+        </p:spPr>
+        <p:txBody>
+          <a:bodyPr vert="horz" wrap="square" lIns="91440" tIns="45720" rIns="91440" bIns="45720" numCol="1" anchor="ctr" anchorCtr="0" compatLnSpc="1">
+            <a:prstTxWarp prst="textNoShape">
+              <a:avLst/>
+            </a:prstTxWarp>
+            <a:spAutoFit/>
+          </a:bodyPr>
+          <a:lstStyle>
+            <a:lvl1pPr eaLnBrk="0" fontAlgn="base" hangingPunct="0">
+              <a:spcBef>
+                <a:spcPct val="0"/>
+              </a:spcBef>
+              <a:spcAft>
+                <a:spcPct val="0"/>
+              </a:spcAft>
+              <a:defRPr>
+                <a:solidFill>
+                  <a:schemeClr val="tx1"/>
+                </a:solidFill>
+                <a:latin typeface="Arial" panose="020B0604020202020204" pitchFamily="34" charset="0"/>
+              </a:defRPr>
+            </a:lvl1pPr>
+            <a:lvl2pPr eaLnBrk="0" fontAlgn="base" hangingPunct="0">
+              <a:spcBef>
+                <a:spcPct val="0"/>
+              </a:spcBef>
+              <a:spcAft>
+                <a:spcPct val="0"/>
+              </a:spcAft>
+              <a:defRPr>
+                <a:solidFill>
+                  <a:schemeClr val="tx1"/>
+                </a:solidFill>
+                <a:latin typeface="Arial" panose="020B0604020202020204" pitchFamily="34" charset="0"/>
+              </a:defRPr>
+            </a:lvl2pPr>
+            <a:lvl3pPr eaLnBrk="0" fontAlgn="base" hangingPunct="0">
+              <a:spcBef>
+                <a:spcPct val="0"/>
+              </a:spcBef>
+              <a:spcAft>
+                <a:spcPct val="0"/>
+              </a:spcAft>
+              <a:defRPr>
+                <a:solidFill>
+                  <a:schemeClr val="tx1"/>
+                </a:solidFill>
+                <a:latin typeface="Arial" panose="020B0604020202020204" pitchFamily="34" charset="0"/>
+              </a:defRPr>
+            </a:lvl3pPr>
+            <a:lvl4pPr eaLnBrk="0" fontAlgn="base" hangingPunct="0">
+              <a:spcBef>
+                <a:spcPct val="0"/>
+              </a:spcBef>
+              <a:spcAft>
+                <a:spcPct val="0"/>
+              </a:spcAft>
+              <a:defRPr>
+                <a:solidFill>
+                  <a:schemeClr val="tx1"/>
+                </a:solidFill>
+                <a:latin typeface="Arial" panose="020B0604020202020204" pitchFamily="34" charset="0"/>
+              </a:defRPr>
+            </a:lvl4pPr>
+            <a:lvl5pPr eaLnBrk="0" fontAlgn="base" hangingPunct="0">
+              <a:spcBef>
+                <a:spcPct val="0"/>
+              </a:spcBef>
+              <a:spcAft>
+                <a:spcPct val="0"/>
+              </a:spcAft>
+              <a:defRPr>
+                <a:solidFill>
+                  <a:schemeClr val="tx1"/>
+                </a:solidFill>
+                <a:latin typeface="Arial" panose="020B0604020202020204" pitchFamily="34" charset="0"/>
+              </a:defRPr>
+            </a:lvl5pPr>
+            <a:lvl6pPr eaLnBrk="0" fontAlgn="base" hangingPunct="0">
+              <a:spcBef>
+                <a:spcPct val="0"/>
+              </a:spcBef>
+              <a:spcAft>
+                <a:spcPct val="0"/>
+              </a:spcAft>
+              <a:defRPr>
+                <a:solidFill>
+                  <a:schemeClr val="tx1"/>
+                </a:solidFill>
+                <a:latin typeface="Arial" panose="020B0604020202020204" pitchFamily="34" charset="0"/>
+              </a:defRPr>
+            </a:lvl6pPr>
+            <a:lvl7pPr eaLnBrk="0" fontAlgn="base" hangingPunct="0">
+              <a:spcBef>
+                <a:spcPct val="0"/>
+              </a:spcBef>
+              <a:spcAft>
+                <a:spcPct val="0"/>
+              </a:spcAft>
+              <a:defRPr>
+                <a:solidFill>
+                  <a:schemeClr val="tx1"/>
+                </a:solidFill>
+                <a:latin typeface="Arial" panose="020B0604020202020204" pitchFamily="34" charset="0"/>
+              </a:defRPr>
+            </a:lvl7pPr>
+            <a:lvl8pPr eaLnBrk="0" fontAlgn="base" hangingPunct="0">
+              <a:spcBef>
+                <a:spcPct val="0"/>
+              </a:spcBef>
+              <a:spcAft>
+                <a:spcPct val="0"/>
+              </a:spcAft>
+              <a:defRPr>
+                <a:solidFill>
+                  <a:schemeClr val="tx1"/>
+                </a:solidFill>
+                <a:latin typeface="Arial" panose="020B0604020202020204" pitchFamily="34" charset="0"/>
+              </a:defRPr>
+            </a:lvl8pPr>
+            <a:lvl9pPr eaLnBrk="0" fontAlgn="base" hangingPunct="0">
+              <a:spcBef>
+                <a:spcPct val="0"/>
+              </a:spcBef>
+              <a:spcAft>
+                <a:spcPct val="0"/>
+              </a:spcAft>
+              <a:defRPr>
+                <a:solidFill>
+                  <a:schemeClr val="tx1"/>
+                </a:solidFill>
+                <a:latin typeface="Arial" panose="020B0604020202020204" pitchFamily="34" charset="0"/>
+              </a:defRPr>
+            </a:lvl9pPr>
+          </a:lstStyle>
+          <a:p>
+            <a:pPr marL="0" marR="0" lvl="0" indent="0" algn="l" defTabSz="914400" rtl="0" eaLnBrk="0" fontAlgn="base" latinLnBrk="0" hangingPunct="0">
+              <a:lnSpc>
+                <a:spcPct val="100000"/>
+              </a:lnSpc>
+              <a:spcBef>
+                <a:spcPct val="0"/>
+              </a:spcBef>
+              <a:spcAft>
+                <a:spcPct val="0"/>
+              </a:spcAft>
+              <a:buClrTx/>
+              <a:buSzTx/>
+              <a:buFontTx/>
+              <a:buNone/>
+              <a:tabLst/>
+            </a:pPr>
+            <a:r>
+              <a:rPr kumimoji="0" lang="vi-VN" altLang="vi-VN" sz="2000" b="0" i="0" u="none" strike="noStrike" cap="none" normalizeH="0" baseline="0" dirty="0" smtClean="0">
+                <a:ln>
+                  <a:noFill/>
+                </a:ln>
+                <a:solidFill>
+                  <a:srgbClr val="333333"/>
+                </a:solidFill>
+                <a:effectLst/>
+                <a:latin typeface="Times New Roman" panose="02020603050405020304" pitchFamily="18" charset="0"/>
+                <a:cs typeface="Times New Roman" panose="02020603050405020304" pitchFamily="18" charset="0"/>
+              </a:rPr>
+              <a:t>Đầu tiên, ta tạo ra một con rắn với phần đầu ở tọa độ (0,0) trên màn hình.</a:t>
+            </a:r>
+            <a:endParaRPr kumimoji="0" lang="vi-VN" altLang="vi-VN" sz="2000" b="0" i="0" u="none" strike="noStrike" cap="none" normalizeH="0" baseline="0" dirty="0" smtClean="0">
+              <a:ln>
+                <a:noFill/>
+              </a:ln>
+              <a:solidFill>
+                <a:schemeClr val="tx1"/>
+              </a:solidFill>
+              <a:effectLst/>
+              <a:latin typeface="Times New Roman" panose="02020603050405020304" pitchFamily="18" charset="0"/>
+              <a:cs typeface="Times New Roman" panose="02020603050405020304" pitchFamily="18" charset="0"/>
+            </a:endParaRPr>
+          </a:p>
+          <a:p>
+            <a:pPr marL="0" marR="0" lvl="0" indent="0" algn="l" defTabSz="914400" rtl="0" eaLnBrk="0" fontAlgn="base" latinLnBrk="0" hangingPunct="0">
+              <a:lnSpc>
+                <a:spcPct val="100000"/>
+              </a:lnSpc>
+              <a:spcBef>
+                <a:spcPct val="0"/>
+              </a:spcBef>
+              <a:spcAft>
+                <a:spcPct val="0"/>
+              </a:spcAft>
+              <a:buClrTx/>
+              <a:buSzTx/>
+              <a:buFontTx/>
+              <a:buNone/>
+              <a:tabLst/>
+            </a:pPr>
+            <a:r>
+              <a:rPr kumimoji="0" lang="vi-VN" altLang="vi-VN" sz="2000" b="0" i="0" u="none" strike="noStrike" cap="none" normalizeH="0" baseline="0" dirty="0" smtClean="0">
+                <a:ln>
+                  <a:noFill/>
+                </a:ln>
+                <a:solidFill>
+                  <a:srgbClr val="333333"/>
+                </a:solidFill>
+                <a:effectLst/>
+                <a:latin typeface="Times New Roman" panose="02020603050405020304" pitchFamily="18" charset="0"/>
+                <a:cs typeface="Times New Roman" panose="02020603050405020304" pitchFamily="18" charset="0"/>
+              </a:rPr>
+              <a:t>Class này sẽ có một hàm </a:t>
+            </a:r>
+            <a:r>
+              <a:rPr kumimoji="0" lang="vi-VN" altLang="vi-VN" sz="2000" b="0" i="0" u="none" strike="noStrike" cap="none" normalizeH="0" baseline="0" dirty="0" smtClean="0">
+                <a:ln>
+                  <a:noFill/>
+                </a:ln>
+                <a:solidFill>
+                  <a:srgbClr val="C7254E"/>
+                </a:solidFill>
+                <a:effectLst/>
+                <a:latin typeface="Times New Roman" panose="02020603050405020304" pitchFamily="18" charset="0"/>
+                <a:cs typeface="Times New Roman" panose="02020603050405020304" pitchFamily="18" charset="0"/>
+              </a:rPr>
+              <a:t>show()</a:t>
+            </a:r>
+            <a:r>
+              <a:rPr kumimoji="0" lang="vi-VN" altLang="vi-VN" sz="2000" b="0" i="0" u="none" strike="noStrike" cap="none" normalizeH="0" baseline="0" dirty="0" smtClean="0">
+                <a:ln>
+                  <a:noFill/>
+                </a:ln>
+                <a:solidFill>
+                  <a:srgbClr val="333333"/>
+                </a:solidFill>
+                <a:effectLst/>
+                <a:latin typeface="Times New Roman" panose="02020603050405020304" pitchFamily="18" charset="0"/>
+                <a:cs typeface="Times New Roman" panose="02020603050405020304" pitchFamily="18" charset="0"/>
+              </a:rPr>
+              <a:t>, giúp hiển thị con rắn lên màn hình.</a:t>
+            </a:r>
+            <a:endParaRPr kumimoji="0" lang="vi-VN" altLang="vi-VN" sz="2000" b="0" i="0" u="none" strike="noStrike" cap="none" normalizeH="0" baseline="0" dirty="0" smtClean="0">
+              <a:ln>
+                <a:noFill/>
+              </a:ln>
+              <a:solidFill>
+                <a:schemeClr val="tx1"/>
+              </a:solidFill>
+              <a:effectLst/>
+              <a:latin typeface="Times New Roman" panose="02020603050405020304" pitchFamily="18" charset="0"/>
+              <a:cs typeface="Times New Roman" panose="02020603050405020304" pitchFamily="18" charset="0"/>
+            </a:endParaRPr>
+          </a:p>
+        </p:txBody>
+      </p:sp>
     </p:spTree>
     <p:extLst>
       <p:ext uri="{BB962C8B-B14F-4D97-AF65-F5344CB8AC3E}">
-        <p14:creationId xmlns:p14="http://schemas.microsoft.com/office/powerpoint/2010/main" val="1511951427"/>
+        <p14:creationId xmlns:p14="http://schemas.microsoft.com/office/powerpoint/2010/main" val="134969178"/>
       </p:ext>
     </p:extLst>
   </p:cSld>
   <p:clrMapOvr>
     <a:masterClrMapping/>
   </p:clrMapOvr>
+  <mc:AlternateContent xmlns:mc="http://schemas.openxmlformats.org/markup-compatibility/2006">
+    <mc:Choice xmlns:p14="http://schemas.microsoft.com/office/powerpoint/2010/main" Requires="p14">
+      <p:transition spd="slow" p14:dur="800">
+        <p:circle/>
+      </p:transition>
+    </mc:Choice>
+    <mc:Fallback>
+      <p:transition spd="slow">
+        <p:circle/>
+      </p:transition>
+    </mc:Fallback>
+  </mc:AlternateContent>
   <p:timing>
     <p:tnLst>
       <p:par>
@@ -6580,30 +9828,6 @@
           </a:fontRef>
         </p:style>
       </p:sp>
-      <p:pic>
-        <p:nvPicPr>
-          <p:cNvPr id="3" name="Picture 2"/>
-          <p:cNvPicPr>
-            <a:picLocks noChangeAspect="1"/>
-          </p:cNvPicPr>
-          <p:nvPr/>
-        </p:nvPicPr>
-        <p:blipFill>
-          <a:blip r:embed="rId3"/>
-          <a:stretch>
-            <a:fillRect/>
-          </a:stretch>
-        </p:blipFill>
-        <p:spPr>
-          <a:xfrm>
-            <a:off x="4484370" y="1874797"/>
-            <a:ext cx="4320274" cy="3600400"/>
-          </a:xfrm>
-          <a:prstGeom prst="rect">
-            <a:avLst/>
-          </a:prstGeom>
-        </p:spPr>
-      </p:pic>
       <p:sp>
         <p:nvSpPr>
           <p:cNvPr id="4" name="TextBox 3"/>
@@ -6613,7 +9837,7 @@
         <p:spPr>
           <a:xfrm>
             <a:off x="264814" y="1101466"/>
-            <a:ext cx="4104456" cy="461665"/>
+            <a:ext cx="5057646" cy="461665"/>
           </a:xfrm>
           <a:prstGeom prst="rect">
             <a:avLst/>
@@ -6653,42 +9877,339 @@
                 <a:latin typeface="Times New Roman" panose="02020603050405020304" pitchFamily="18" charset="0"/>
                 <a:cs typeface="Times New Roman" panose="02020603050405020304" pitchFamily="18" charset="0"/>
               </a:rPr>
-              <a:t>1. </a:t>
-            </a:r>
-            <a:r>
-              <a:rPr lang="en-US" sz="2400" b="1" dirty="0" smtClean="0">
-                <a:solidFill>
-                  <a:schemeClr val="accent2">
+              <a:t>2.1 </a:t>
+            </a:r>
+            <a:r>
+              <a:rPr lang="vi-VN" b="1" dirty="0">
+                <a:solidFill>
+                  <a:schemeClr val="accent4">
                     <a:lumMod val="75000"/>
                   </a:schemeClr>
                 </a:solidFill>
-                <a:latin typeface="Times New Roman" panose="02020603050405020304" pitchFamily="18" charset="0"/>
-                <a:cs typeface="Times New Roman" panose="02020603050405020304" pitchFamily="18" charset="0"/>
-              </a:rPr>
-              <a:t>INDEX:</a:t>
-            </a:r>
-            <a:endParaRPr lang="vi-VN" sz="2400" b="1" dirty="0">
-              <a:solidFill>
-                <a:schemeClr val="accent2">
-                  <a:lumMod val="75000"/>
-                </a:schemeClr>
-              </a:solidFill>
-              <a:latin typeface="Times New Roman" panose="02020603050405020304" pitchFamily="18" charset="0"/>
-              <a:cs typeface="Times New Roman" panose="02020603050405020304" pitchFamily="18" charset="0"/>
-            </a:endParaRPr>
+              </a:rPr>
+              <a:t>Thiết kế giao diện và Hiển thị rắn</a:t>
+            </a:r>
           </a:p>
         </p:txBody>
       </p:sp>
       <p:sp>
         <p:nvSpPr>
-          <p:cNvPr id="5" name="TextBox 4"/>
+          <p:cNvPr id="8" name="TextBox 7"/>
           <p:cNvSpPr txBox="1"/>
           <p:nvPr/>
         </p:nvSpPr>
         <p:spPr>
           <a:xfrm>
-            <a:off x="251520" y="2132856"/>
-            <a:ext cx="4032448" cy="3785652"/>
+            <a:off x="827584" y="1712235"/>
+            <a:ext cx="3960440" cy="369332"/>
+          </a:xfrm>
+          <a:prstGeom prst="rect">
+            <a:avLst/>
+          </a:prstGeom>
+        </p:spPr>
+        <p:style>
+          <a:lnRef idx="2">
+            <a:schemeClr val="dk1"/>
+          </a:lnRef>
+          <a:fillRef idx="1">
+            <a:schemeClr val="lt1"/>
+          </a:fillRef>
+          <a:effectRef idx="0">
+            <a:schemeClr val="dk1"/>
+          </a:effectRef>
+          <a:fontRef idx="minor">
+            <a:schemeClr val="dk1"/>
+          </a:fontRef>
+        </p:style>
+        <p:txBody>
+          <a:bodyPr wrap="square" rtlCol="0">
+            <a:spAutoFit/>
+          </a:bodyPr>
+          <a:lstStyle/>
+          <a:p>
+            <a:r>
+              <a:rPr lang="vi-VN" dirty="0"/>
+              <a:t>4</a:t>
+            </a:r>
+            <a:r>
+              <a:rPr lang="vi-VN" dirty="0" smtClean="0"/>
+              <a:t>. Gameplay.js</a:t>
+            </a:r>
+          </a:p>
+        </p:txBody>
+      </p:sp>
+      <p:pic>
+        <p:nvPicPr>
+          <p:cNvPr id="3" name="Picture 2"/>
+          <p:cNvPicPr>
+            <a:picLocks noChangeAspect="1"/>
+          </p:cNvPicPr>
+          <p:nvPr/>
+        </p:nvPicPr>
+        <p:blipFill>
+          <a:blip r:embed="rId3"/>
+          <a:stretch>
+            <a:fillRect/>
+          </a:stretch>
+        </p:blipFill>
+        <p:spPr>
+          <a:xfrm>
+            <a:off x="5652120" y="1862542"/>
+            <a:ext cx="3312368" cy="4446778"/>
+          </a:xfrm>
+          <a:prstGeom prst="rect">
+            <a:avLst/>
+          </a:prstGeom>
+        </p:spPr>
+      </p:pic>
+      <p:sp>
+        <p:nvSpPr>
+          <p:cNvPr id="6" name="Rectangle 5"/>
+          <p:cNvSpPr/>
+          <p:nvPr/>
+        </p:nvSpPr>
+        <p:spPr>
+          <a:xfrm>
+            <a:off x="750460" y="2205499"/>
+            <a:ext cx="4572000" cy="1200329"/>
+          </a:xfrm>
+          <a:prstGeom prst="rect">
+            <a:avLst/>
+          </a:prstGeom>
+        </p:spPr>
+        <p:txBody>
+          <a:bodyPr>
+            <a:spAutoFit/>
+          </a:bodyPr>
+          <a:lstStyle/>
+          <a:p>
+            <a:r>
+              <a:rPr lang="vi-VN" dirty="0">
+                <a:solidFill>
+                  <a:srgbClr val="333333"/>
+                </a:solidFill>
+                <a:latin typeface="Muli"/>
+              </a:rPr>
+              <a:t>Sau khi chạy code, bạn sẽ được một màn hình kết quả: Bạn sẽ thấy một ô vuông màu trắng được vẽ ở tọa độ (0,0), đó chính là đầu của con </a:t>
+            </a:r>
+            <a:r>
+              <a:rPr lang="vi-VN" dirty="0" smtClean="0">
+                <a:solidFill>
+                  <a:srgbClr val="333333"/>
+                </a:solidFill>
+                <a:latin typeface="Muli"/>
+              </a:rPr>
+              <a:t>rắn.</a:t>
+            </a:r>
+            <a:endParaRPr lang="vi-VN" dirty="0"/>
+          </a:p>
+        </p:txBody>
+      </p:sp>
+      <p:pic>
+        <p:nvPicPr>
+          <p:cNvPr id="11" name="Picture 10"/>
+          <p:cNvPicPr>
+            <a:picLocks noChangeAspect="1"/>
+          </p:cNvPicPr>
+          <p:nvPr/>
+        </p:nvPicPr>
+        <p:blipFill>
+          <a:blip r:embed="rId4"/>
+          <a:stretch>
+            <a:fillRect/>
+          </a:stretch>
+        </p:blipFill>
+        <p:spPr>
+          <a:xfrm>
+            <a:off x="1801258" y="3546869"/>
+            <a:ext cx="2774083" cy="2762451"/>
+          </a:xfrm>
+          <a:prstGeom prst="rect">
+            <a:avLst/>
+          </a:prstGeom>
+        </p:spPr>
+      </p:pic>
+    </p:spTree>
+    <p:extLst>
+      <p:ext uri="{BB962C8B-B14F-4D97-AF65-F5344CB8AC3E}">
+        <p14:creationId xmlns:p14="http://schemas.microsoft.com/office/powerpoint/2010/main" val="2198106613"/>
+      </p:ext>
+    </p:extLst>
+  </p:cSld>
+  <p:clrMapOvr>
+    <a:masterClrMapping/>
+  </p:clrMapOvr>
+  <p:transition spd="med">
+    <p:pull/>
+  </p:transition>
+  <p:timing>
+    <p:tnLst>
+      <p:par>
+        <p:cTn id="1" dur="indefinite" restart="never" nodeType="tmRoot"/>
+      </p:par>
+    </p:tnLst>
+  </p:timing>
+</p:sld>
+</file>
+
+<file path=ppt/slides/slide7.xml><?xml version="1.0" encoding="utf-8"?>
+<p:sld xmlns:a="http://schemas.openxmlformats.org/drawingml/2006/main" xmlns:r="http://schemas.openxmlformats.org/officeDocument/2006/relationships" xmlns:p="http://schemas.openxmlformats.org/presentationml/2006/main">
+  <p:cSld>
+    <p:spTree>
+      <p:nvGrpSpPr>
+        <p:cNvPr id="1" name=""/>
+        <p:cNvGrpSpPr/>
+        <p:nvPr/>
+      </p:nvGrpSpPr>
+      <p:grpSpPr>
+        <a:xfrm>
+          <a:off x="0" y="0"/>
+          <a:ext cx="0" cy="0"/>
+          <a:chOff x="0" y="0"/>
+          <a:chExt cx="0" cy="0"/>
+        </a:xfrm>
+      </p:grpSpPr>
+      <p:sp>
+        <p:nvSpPr>
+          <p:cNvPr id="2" name="Rectangle 1"/>
+          <p:cNvSpPr>
+            <a:spLocks noGrp="1"/>
+          </p:cNvSpPr>
+          <p:nvPr>
+            <p:ph type="title"/>
+          </p:nvPr>
+        </p:nvSpPr>
+        <p:spPr>
+          <a:xfrm>
+            <a:off x="257160" y="194102"/>
+            <a:ext cx="4876800" cy="799306"/>
+          </a:xfrm>
+        </p:spPr>
+        <p:txBody>
+          <a:bodyPr/>
+          <a:lstStyle/>
+          <a:p>
+            <a:r>
+              <a:rPr lang="en-US" dirty="0" smtClean="0"/>
+              <a:t>II. THỰC HIỆN</a:t>
+            </a:r>
+            <a:endParaRPr lang="en-US" dirty="0"/>
+          </a:p>
+        </p:txBody>
+      </p:sp>
+      <p:sp>
+        <p:nvSpPr>
+          <p:cNvPr id="7" name="Slide Number Placeholder 5">
+            <a:extLst>
+              <a:ext uri="{FF2B5EF4-FFF2-40B4-BE49-F238E27FC236}">
+                <a16:creationId xmlns:a16="http://schemas.microsoft.com/office/drawing/2014/main" id="{B8FCD5F1-B09D-4B0A-BB07-423B979A624C}"/>
+              </a:ext>
+            </a:extLst>
+          </p:cNvPr>
+          <p:cNvSpPr>
+            <a:spLocks noGrp="1"/>
+          </p:cNvSpPr>
+          <p:nvPr>
+            <p:ph type="sldNum" sz="quarter" idx="12"/>
+          </p:nvPr>
+        </p:nvSpPr>
+        <p:spPr/>
+        <p:txBody>
+          <a:bodyPr/>
+          <a:lstStyle/>
+          <a:p>
+            <a:fld id="{FEA1243F-3000-4347-94A4-FBDEAD3122CB}" type="slidenum">
+              <a:rPr lang="en-US" smtClean="0"/>
+              <a:pPr/>
+              <a:t>7</a:t>
+            </a:fld>
+            <a:endParaRPr lang="en-US" dirty="0"/>
+          </a:p>
+        </p:txBody>
+      </p:sp>
+      <p:sp>
+        <p:nvSpPr>
+          <p:cNvPr id="28" name="Rectangle 27">
+            <a:extLst>
+              <a:ext uri="{FF2B5EF4-FFF2-40B4-BE49-F238E27FC236}">
+                <a16:creationId xmlns:a16="http://schemas.microsoft.com/office/drawing/2014/main" id="{5BFF15B5-B6C3-4E20-967D-9B191EBA50C9}"/>
+              </a:ext>
+              <a:ext uri="{C183D7F6-B498-43B3-948B-1728B52AA6E4}">
+                <adec:decorative xmlns="" xmlns:adec="http://schemas.microsoft.com/office/drawing/2017/decorative" val="1"/>
+              </a:ext>
+            </a:extLst>
+          </p:cNvPr>
+          <p:cNvSpPr/>
+          <p:nvPr/>
+        </p:nvSpPr>
+        <p:spPr>
+          <a:xfrm>
+            <a:off x="3188300" y="4953000"/>
+            <a:ext cx="2592140" cy="309943"/>
+          </a:xfrm>
+          <a:prstGeom prst="rect">
+            <a:avLst/>
+          </a:prstGeom>
+          <a:solidFill>
+            <a:schemeClr val="tx1">
+              <a:lumMod val="95000"/>
+            </a:schemeClr>
+          </a:solidFill>
+          <a:ln>
+            <a:noFill/>
+          </a:ln>
+        </p:spPr>
+        <p:style>
+          <a:lnRef idx="2">
+            <a:schemeClr val="accent1">
+              <a:alpha val="90000"/>
+              <a:tint val="40000"/>
+              <a:hueOff val="0"/>
+              <a:satOff val="0"/>
+              <a:lumOff val="0"/>
+              <a:alphaOff val="0"/>
+            </a:schemeClr>
+          </a:lnRef>
+          <a:fillRef idx="1">
+            <a:schemeClr val="accent1">
+              <a:alpha val="90000"/>
+              <a:tint val="40000"/>
+              <a:hueOff val="0"/>
+              <a:satOff val="0"/>
+              <a:lumOff val="0"/>
+              <a:alphaOff val="0"/>
+            </a:schemeClr>
+          </a:fillRef>
+          <a:effectRef idx="0">
+            <a:schemeClr val="accent1">
+              <a:alpha val="90000"/>
+              <a:tint val="40000"/>
+              <a:hueOff val="0"/>
+              <a:satOff val="0"/>
+              <a:lumOff val="0"/>
+              <a:alphaOff val="0"/>
+            </a:schemeClr>
+          </a:effectRef>
+          <a:fontRef idx="minor">
+            <a:schemeClr val="dk1">
+              <a:hueOff val="0"/>
+              <a:satOff val="0"/>
+              <a:lumOff val="0"/>
+              <a:alphaOff val="0"/>
+            </a:schemeClr>
+          </a:fontRef>
+        </p:style>
+      </p:sp>
+      <p:sp>
+        <p:nvSpPr>
+          <p:cNvPr id="4" name="TextBox 3"/>
+          <p:cNvSpPr txBox="1"/>
+          <p:nvPr/>
+        </p:nvSpPr>
+        <p:spPr>
+          <a:xfrm>
+            <a:off x="264814" y="1101466"/>
+            <a:ext cx="5057646" cy="461665"/>
           </a:xfrm>
           <a:prstGeom prst="rect">
             <a:avLst/>
@@ -6718,102 +10239,8 @@
           </a:bodyPr>
           <a:lstStyle/>
           <a:p>
-            <a:pPr marL="342900" indent="-342900">
-              <a:buFont typeface="Wingdings" panose="05000000000000000000" pitchFamily="2" charset="2"/>
-              <a:buChar char="ü"/>
-            </a:pPr>
-            <a:r>
-              <a:rPr lang="vi-VN" sz="2000" dirty="0" smtClean="0">
-                <a:latin typeface="Times New Roman" panose="02020603050405020304" pitchFamily="18" charset="0"/>
-                <a:cs typeface="Times New Roman" panose="02020603050405020304" pitchFamily="18" charset="0"/>
-              </a:rPr>
-              <a:t>Mượ</a:t>
-            </a:r>
-            <a:r>
-              <a:rPr lang="en-US" sz="2000" dirty="0" smtClean="0">
-                <a:latin typeface="Times New Roman" panose="02020603050405020304" pitchFamily="18" charset="0"/>
-                <a:cs typeface="Times New Roman" panose="02020603050405020304" pitchFamily="18" charset="0"/>
-              </a:rPr>
-              <a:t>n </a:t>
-            </a:r>
-            <a:r>
-              <a:rPr lang="en-US" sz="2000" dirty="0" err="1" smtClean="0">
-                <a:latin typeface="Times New Roman" panose="02020603050405020304" pitchFamily="18" charset="0"/>
-                <a:cs typeface="Times New Roman" panose="02020603050405020304" pitchFamily="18" charset="0"/>
-              </a:rPr>
-              <a:t>thự</a:t>
-            </a:r>
-            <a:r>
-              <a:rPr lang="en-US" sz="2000" dirty="0" smtClean="0">
-                <a:latin typeface="Times New Roman" panose="02020603050405020304" pitchFamily="18" charset="0"/>
-                <a:cs typeface="Times New Roman" panose="02020603050405020304" pitchFamily="18" charset="0"/>
-              </a:rPr>
-              <a:t> </a:t>
-            </a:r>
-            <a:r>
-              <a:rPr lang="en-US" sz="2000" dirty="0" err="1" smtClean="0">
-                <a:latin typeface="Times New Roman" panose="02020603050405020304" pitchFamily="18" charset="0"/>
-                <a:cs typeface="Times New Roman" panose="02020603050405020304" pitchFamily="18" charset="0"/>
-              </a:rPr>
-              <a:t>viện</a:t>
-            </a:r>
-            <a:r>
-              <a:rPr lang="en-US" sz="2000" dirty="0" smtClean="0">
-                <a:latin typeface="Times New Roman" panose="02020603050405020304" pitchFamily="18" charset="0"/>
-                <a:cs typeface="Times New Roman" panose="02020603050405020304" pitchFamily="18" charset="0"/>
-              </a:rPr>
-              <a:t> </a:t>
-            </a:r>
-            <a:r>
-              <a:rPr lang="en-US" sz="2000" dirty="0" err="1" smtClean="0">
-                <a:latin typeface="Times New Roman" panose="02020603050405020304" pitchFamily="18" charset="0"/>
-                <a:cs typeface="Times New Roman" panose="02020603050405020304" pitchFamily="18" charset="0"/>
-              </a:rPr>
-              <a:t>có</a:t>
-            </a:r>
-            <a:r>
-              <a:rPr lang="en-US" sz="2000" dirty="0" smtClean="0">
-                <a:latin typeface="Times New Roman" panose="02020603050405020304" pitchFamily="18" charset="0"/>
-                <a:cs typeface="Times New Roman" panose="02020603050405020304" pitchFamily="18" charset="0"/>
-              </a:rPr>
-              <a:t> </a:t>
-            </a:r>
-            <a:r>
-              <a:rPr lang="en-US" sz="2000" dirty="0" err="1" smtClean="0">
-                <a:latin typeface="Times New Roman" panose="02020603050405020304" pitchFamily="18" charset="0"/>
-                <a:cs typeface="Times New Roman" panose="02020603050405020304" pitchFamily="18" charset="0"/>
-              </a:rPr>
-              <a:t>sẵn</a:t>
-            </a:r>
-            <a:r>
-              <a:rPr lang="en-US" sz="2000" dirty="0" smtClean="0">
-                <a:latin typeface="Times New Roman" panose="02020603050405020304" pitchFamily="18" charset="0"/>
-                <a:cs typeface="Times New Roman" panose="02020603050405020304" pitchFamily="18" charset="0"/>
-              </a:rPr>
-              <a:t> </a:t>
-            </a:r>
-            <a:r>
-              <a:rPr lang="en-US" sz="2000" dirty="0" err="1" smtClean="0">
-                <a:latin typeface="Times New Roman" panose="02020603050405020304" pitchFamily="18" charset="0"/>
-                <a:cs typeface="Times New Roman" panose="02020603050405020304" pitchFamily="18" charset="0"/>
-              </a:rPr>
-              <a:t>trên</a:t>
-            </a:r>
-            <a:r>
-              <a:rPr lang="en-US" sz="2000" dirty="0" smtClean="0">
-                <a:latin typeface="Times New Roman" panose="02020603050405020304" pitchFamily="18" charset="0"/>
-                <a:cs typeface="Times New Roman" panose="02020603050405020304" pitchFamily="18" charset="0"/>
-              </a:rPr>
-              <a:t> p5.js:</a:t>
-            </a:r>
-          </a:p>
-          <a:p>
-            <a:pPr marL="342900" lvl="0" indent="-342900">
-              <a:buFont typeface="Wingdings" panose="05000000000000000000" pitchFamily="2" charset="2"/>
-              <a:buChar char="ü"/>
-            </a:pPr>
-            <a:r>
-              <a:rPr lang="vi-VN" altLang="vi-VN" sz="2000" dirty="0">
+            <a:r>
+              <a:rPr lang="en-US" sz="2400" dirty="0" smtClean="0">
                 <a:solidFill>
                   <a:schemeClr val="accent2">
                     <a:lumMod val="75000"/>
@@ -6821,12 +10248,11 @@
                 </a:solidFill>
                 <a:latin typeface="Times New Roman" panose="02020603050405020304" pitchFamily="18" charset="0"/>
                 <a:cs typeface="Times New Roman" panose="02020603050405020304" pitchFamily="18" charset="0"/>
-                <a:hlinkClick r:id="rId4"/>
-              </a:rPr>
-              <a:t>setup()</a:t>
-            </a:r>
-            <a:r>
-              <a:rPr lang="vi-VN" altLang="vi-VN" sz="2000" dirty="0">
+              </a:rPr>
+              <a:t>2.2 </a:t>
+            </a:r>
+            <a:r>
+              <a:rPr lang="vi-VN" sz="2400" dirty="0" smtClean="0">
                 <a:solidFill>
                   <a:schemeClr val="accent2">
                     <a:lumMod val="75000"/>
@@ -6835,92 +10261,105 @@
                 <a:latin typeface="Times New Roman" panose="02020603050405020304" pitchFamily="18" charset="0"/>
                 <a:cs typeface="Times New Roman" panose="02020603050405020304" pitchFamily="18" charset="0"/>
               </a:rPr>
-              <a:t>:</a:t>
-            </a:r>
-            <a:r>
-              <a:rPr lang="vi-VN" altLang="vi-VN" sz="2000" dirty="0">
+              <a:t>Tạo chuyển động cho rắn</a:t>
+            </a:r>
+            <a:endParaRPr lang="vi-VN" b="1" dirty="0">
+              <a:solidFill>
+                <a:schemeClr val="accent4">
+                  <a:lumMod val="75000"/>
+                </a:schemeClr>
+              </a:solidFill>
+            </a:endParaRPr>
+          </a:p>
+        </p:txBody>
+      </p:sp>
+      <p:sp>
+        <p:nvSpPr>
+          <p:cNvPr id="9" name="TextBox 8"/>
+          <p:cNvSpPr txBox="1"/>
+          <p:nvPr/>
+        </p:nvSpPr>
+        <p:spPr>
+          <a:xfrm>
+            <a:off x="4644008" y="1772816"/>
+            <a:ext cx="4176464" cy="4770537"/>
+          </a:xfrm>
+          <a:prstGeom prst="rect">
+            <a:avLst/>
+          </a:prstGeom>
+          <a:noFill/>
+        </p:spPr>
+        <p:txBody>
+          <a:bodyPr wrap="square" rtlCol="0">
+            <a:spAutoFit/>
+          </a:bodyPr>
+          <a:lstStyle/>
+          <a:p>
+            <a:pPr lvl="0" algn="just" eaLnBrk="0" fontAlgn="base" hangingPunct="0">
+              <a:spcBef>
+                <a:spcPct val="0"/>
+              </a:spcBef>
+              <a:spcAft>
+                <a:spcPct val="0"/>
+              </a:spcAft>
+            </a:pPr>
+            <a:r>
+              <a:rPr lang="vi-VN" altLang="vi-VN" sz="1600" dirty="0">
                 <a:solidFill>
                   <a:srgbClr val="333333"/>
                 </a:solidFill>
                 <a:latin typeface="Times New Roman" panose="02020603050405020304" pitchFamily="18" charset="0"/>
                 <a:cs typeface="Times New Roman" panose="02020603050405020304" pitchFamily="18" charset="0"/>
               </a:rPr>
-              <a:t> Đây là function sẽ chạy ngay lập tức khi mở chương trình. Thường thì hay dùng để config cho chương trình</a:t>
-            </a:r>
-            <a:r>
-              <a:rPr lang="vi-VN" altLang="vi-VN" sz="2000" dirty="0" smtClean="0">
+              <a:t>Để xử lý chuyển động, ta sẽ tăng hoặc giảm tọa độ x,y của phần đầu rắn. Vậy ta sẽ có 4 trường hợp như sau:</a:t>
+            </a:r>
+            <a:endParaRPr lang="vi-VN" altLang="vi-VN" sz="1600" dirty="0">
+              <a:latin typeface="Times New Roman" panose="02020603050405020304" pitchFamily="18" charset="0"/>
+              <a:cs typeface="Times New Roman" panose="02020603050405020304" pitchFamily="18" charset="0"/>
+            </a:endParaRPr>
+          </a:p>
+          <a:p>
+            <a:pPr lvl="0" algn="just" eaLnBrk="0" fontAlgn="base" hangingPunct="0">
+              <a:spcBef>
+                <a:spcPct val="0"/>
+              </a:spcBef>
+              <a:spcAft>
+                <a:spcPct val="0"/>
+              </a:spcAft>
+              <a:buFontTx/>
+              <a:buChar char="•"/>
+            </a:pPr>
+            <a:r>
+              <a:rPr lang="vi-VN" altLang="vi-VN" sz="1600" dirty="0" smtClean="0">
                 <a:solidFill>
                   <a:srgbClr val="333333"/>
                 </a:solidFill>
                 <a:latin typeface="Times New Roman" panose="02020603050405020304" pitchFamily="18" charset="0"/>
                 <a:cs typeface="Times New Roman" panose="02020603050405020304" pitchFamily="18" charset="0"/>
               </a:rPr>
-              <a:t>.</a:t>
-            </a:r>
-          </a:p>
-          <a:p>
-            <a:pPr marL="342900" indent="-342900">
-              <a:buFont typeface="Wingdings" panose="05000000000000000000" pitchFamily="2" charset="2"/>
-              <a:buChar char="ü"/>
-            </a:pPr>
-            <a:r>
-              <a:rPr lang="vi-VN" altLang="vi-VN" sz="2000" dirty="0">
-                <a:solidFill>
-                  <a:srgbClr val="337AB7"/>
-                </a:solidFill>
-                <a:latin typeface="Times New Roman" panose="02020603050405020304" pitchFamily="18" charset="0"/>
-                <a:cs typeface="Times New Roman" panose="02020603050405020304" pitchFamily="18" charset="0"/>
-                <a:hlinkClick r:id="rId5"/>
-              </a:rPr>
-              <a:t>draw()</a:t>
-            </a:r>
-            <a:r>
-              <a:rPr lang="vi-VN" altLang="vi-VN" sz="2000" dirty="0">
-                <a:solidFill>
-                  <a:srgbClr val="C7254E"/>
-                </a:solidFill>
-                <a:latin typeface="Times New Roman" panose="02020603050405020304" pitchFamily="18" charset="0"/>
-                <a:cs typeface="Times New Roman" panose="02020603050405020304" pitchFamily="18" charset="0"/>
-              </a:rPr>
-              <a:t>:</a:t>
-            </a:r>
-            <a:r>
-              <a:rPr lang="vi-VN" altLang="vi-VN" sz="2000" dirty="0">
+              <a:t> Đi </a:t>
+            </a:r>
+            <a:r>
+              <a:rPr lang="vi-VN" altLang="vi-VN" sz="1600" dirty="0">
                 <a:solidFill>
                   <a:srgbClr val="333333"/>
                 </a:solidFill>
                 <a:latin typeface="Times New Roman" panose="02020603050405020304" pitchFamily="18" charset="0"/>
                 <a:cs typeface="Times New Roman" panose="02020603050405020304" pitchFamily="18" charset="0"/>
               </a:rPr>
-              <a:t> Function này sẽ chạy ngay sau thằng </a:t>
-            </a:r>
-            <a:r>
-              <a:rPr lang="vi-VN" altLang="vi-VN" sz="2000" dirty="0">
-                <a:solidFill>
-                  <a:srgbClr val="C7254E"/>
-                </a:solidFill>
-                <a:latin typeface="Times New Roman" panose="02020603050405020304" pitchFamily="18" charset="0"/>
-                <a:cs typeface="Times New Roman" panose="02020603050405020304" pitchFamily="18" charset="0"/>
-              </a:rPr>
-              <a:t>setup()</a:t>
-            </a:r>
-            <a:r>
-              <a:rPr lang="vi-VN" altLang="vi-VN" sz="2000" dirty="0">
+              <a:t>lên:</a:t>
+            </a:r>
+            <a:r>
+              <a:rPr lang="vi-VN" altLang="vi-VN" sz="1600" b="1" dirty="0">
                 <a:solidFill>
                   <a:srgbClr val="333333"/>
                 </a:solidFill>
                 <a:latin typeface="Times New Roman" panose="02020603050405020304" pitchFamily="18" charset="0"/>
                 <a:cs typeface="Times New Roman" panose="02020603050405020304" pitchFamily="18" charset="0"/>
               </a:rPr>
-              <a:t> ở trên. Đây là function chính của p5.js và sẽ được lặp đi lặp lại đến khi kết thúc chương trình.</a:t>
-            </a:r>
-          </a:p>
-          <a:p>
-            <a:pPr marL="342900" lvl="0" indent="-342900">
-              <a:buFont typeface="Wingdings" panose="05000000000000000000" pitchFamily="2" charset="2"/>
-              <a:buChar char="ü"/>
-            </a:pPr>
-            <a:endParaRPr lang="vi-VN" altLang="vi-VN" sz="2000" dirty="0">
+              <a:t> y += 1.</a:t>
+            </a:r>
+            <a:endParaRPr lang="vi-VN" altLang="vi-VN" sz="1600" dirty="0">
               <a:solidFill>
                 <a:srgbClr val="333333"/>
               </a:solidFill>
@@ -6929,27 +10368,2015 @@
             </a:endParaRPr>
           </a:p>
           <a:p>
-            <a:pPr marL="342900" indent="-342900">
-              <a:buFont typeface="Wingdings" panose="05000000000000000000" pitchFamily="2" charset="2"/>
-              <a:buChar char="ü"/>
+            <a:pPr lvl="0" algn="just" eaLnBrk="0" fontAlgn="base" hangingPunct="0">
+              <a:spcBef>
+                <a:spcPct val="0"/>
+              </a:spcBef>
+              <a:spcAft>
+                <a:spcPct val="0"/>
+              </a:spcAft>
+              <a:buFontTx/>
+              <a:buChar char="•"/>
             </a:pPr>
-            <a:endParaRPr lang="vi-VN" sz="2000" dirty="0">
+            <a:r>
+              <a:rPr lang="vi-VN" altLang="vi-VN" sz="1600" dirty="0" smtClean="0">
+                <a:solidFill>
+                  <a:srgbClr val="333333"/>
+                </a:solidFill>
+                <a:latin typeface="Times New Roman" panose="02020603050405020304" pitchFamily="18" charset="0"/>
+                <a:cs typeface="Times New Roman" panose="02020603050405020304" pitchFamily="18" charset="0"/>
+              </a:rPr>
+              <a:t> Đi </a:t>
+            </a:r>
+            <a:r>
+              <a:rPr lang="vi-VN" altLang="vi-VN" sz="1600" dirty="0">
+                <a:solidFill>
+                  <a:srgbClr val="333333"/>
+                </a:solidFill>
+                <a:latin typeface="Times New Roman" panose="02020603050405020304" pitchFamily="18" charset="0"/>
+                <a:cs typeface="Times New Roman" panose="02020603050405020304" pitchFamily="18" charset="0"/>
+              </a:rPr>
+              <a:t>xuống: </a:t>
+            </a:r>
+            <a:r>
+              <a:rPr lang="vi-VN" altLang="vi-VN" sz="1600" b="1" dirty="0">
+                <a:solidFill>
+                  <a:srgbClr val="333333"/>
+                </a:solidFill>
+                <a:latin typeface="Times New Roman" panose="02020603050405020304" pitchFamily="18" charset="0"/>
+                <a:cs typeface="Times New Roman" panose="02020603050405020304" pitchFamily="18" charset="0"/>
+              </a:rPr>
+              <a:t>y -= 1.</a:t>
+            </a:r>
+            <a:endParaRPr lang="vi-VN" altLang="vi-VN" sz="1600" dirty="0">
+              <a:solidFill>
+                <a:srgbClr val="333333"/>
+              </a:solidFill>
               <a:latin typeface="Times New Roman" panose="02020603050405020304" pitchFamily="18" charset="0"/>
               <a:cs typeface="Times New Roman" panose="02020603050405020304" pitchFamily="18" charset="0"/>
             </a:endParaRPr>
           </a:p>
+          <a:p>
+            <a:pPr lvl="0" algn="just" eaLnBrk="0" fontAlgn="base" hangingPunct="0">
+              <a:spcBef>
+                <a:spcPct val="0"/>
+              </a:spcBef>
+              <a:spcAft>
+                <a:spcPct val="0"/>
+              </a:spcAft>
+              <a:buFontTx/>
+              <a:buChar char="•"/>
+            </a:pPr>
+            <a:r>
+              <a:rPr lang="vi-VN" altLang="vi-VN" sz="1600" dirty="0" smtClean="0">
+                <a:solidFill>
+                  <a:srgbClr val="333333"/>
+                </a:solidFill>
+                <a:latin typeface="Times New Roman" panose="02020603050405020304" pitchFamily="18" charset="0"/>
+                <a:cs typeface="Times New Roman" panose="02020603050405020304" pitchFamily="18" charset="0"/>
+              </a:rPr>
+              <a:t> Sang </a:t>
+            </a:r>
+            <a:r>
+              <a:rPr lang="vi-VN" altLang="vi-VN" sz="1600" dirty="0">
+                <a:solidFill>
+                  <a:srgbClr val="333333"/>
+                </a:solidFill>
+                <a:latin typeface="Times New Roman" panose="02020603050405020304" pitchFamily="18" charset="0"/>
+                <a:cs typeface="Times New Roman" panose="02020603050405020304" pitchFamily="18" charset="0"/>
+              </a:rPr>
+              <a:t>trái: </a:t>
+            </a:r>
+            <a:r>
+              <a:rPr lang="vi-VN" altLang="vi-VN" sz="1600" b="1" dirty="0">
+                <a:solidFill>
+                  <a:srgbClr val="333333"/>
+                </a:solidFill>
+                <a:latin typeface="Times New Roman" panose="02020603050405020304" pitchFamily="18" charset="0"/>
+                <a:cs typeface="Times New Roman" panose="02020603050405020304" pitchFamily="18" charset="0"/>
+              </a:rPr>
+              <a:t>x -= 1.</a:t>
+            </a:r>
+            <a:endParaRPr lang="vi-VN" altLang="vi-VN" sz="1600" dirty="0">
+              <a:solidFill>
+                <a:srgbClr val="333333"/>
+              </a:solidFill>
+              <a:latin typeface="Times New Roman" panose="02020603050405020304" pitchFamily="18" charset="0"/>
+              <a:cs typeface="Times New Roman" panose="02020603050405020304" pitchFamily="18" charset="0"/>
+            </a:endParaRPr>
+          </a:p>
+          <a:p>
+            <a:pPr lvl="0" algn="just" eaLnBrk="0" fontAlgn="base" hangingPunct="0">
+              <a:spcBef>
+                <a:spcPct val="0"/>
+              </a:spcBef>
+              <a:spcAft>
+                <a:spcPct val="0"/>
+              </a:spcAft>
+              <a:buFontTx/>
+              <a:buChar char="•"/>
+            </a:pPr>
+            <a:r>
+              <a:rPr lang="vi-VN" altLang="vi-VN" sz="1600" dirty="0" smtClean="0">
+                <a:solidFill>
+                  <a:srgbClr val="333333"/>
+                </a:solidFill>
+                <a:latin typeface="Times New Roman" panose="02020603050405020304" pitchFamily="18" charset="0"/>
+                <a:cs typeface="Times New Roman" panose="02020603050405020304" pitchFamily="18" charset="0"/>
+              </a:rPr>
+              <a:t> Sang phải: </a:t>
+            </a:r>
+            <a:r>
+              <a:rPr lang="vi-VN" altLang="vi-VN" sz="1600" b="1" dirty="0" smtClean="0">
+                <a:solidFill>
+                  <a:srgbClr val="333333"/>
+                </a:solidFill>
+                <a:latin typeface="Times New Roman" panose="02020603050405020304" pitchFamily="18" charset="0"/>
+                <a:cs typeface="Times New Roman" panose="02020603050405020304" pitchFamily="18" charset="0"/>
+              </a:rPr>
+              <a:t>x += 1.</a:t>
+            </a:r>
+            <a:endParaRPr lang="vi-VN" altLang="vi-VN" sz="1600" dirty="0">
+              <a:solidFill>
+                <a:srgbClr val="333333"/>
+              </a:solidFill>
+              <a:latin typeface="Times New Roman" panose="02020603050405020304" pitchFamily="18" charset="0"/>
+              <a:cs typeface="Times New Roman" panose="02020603050405020304" pitchFamily="18" charset="0"/>
+            </a:endParaRPr>
+          </a:p>
+          <a:p>
+            <a:pPr lvl="0" algn="just" eaLnBrk="0" fontAlgn="base" hangingPunct="0">
+              <a:spcBef>
+                <a:spcPct val="0"/>
+              </a:spcBef>
+              <a:spcAft>
+                <a:spcPct val="0"/>
+              </a:spcAft>
+            </a:pPr>
+            <a:r>
+              <a:rPr lang="vi-VN" altLang="vi-VN" sz="1600" dirty="0">
+                <a:solidFill>
+                  <a:srgbClr val="333333"/>
+                </a:solidFill>
+                <a:latin typeface="Times New Roman" panose="02020603050405020304" pitchFamily="18" charset="0"/>
+                <a:cs typeface="Times New Roman" panose="02020603050405020304" pitchFamily="18" charset="0"/>
+              </a:rPr>
+              <a:t>Nhưng như vậy sẽ phải xử lý 4 trường hợp rất dài dòng. Vậy nên ta sẽ dùng một Vector khác, gọi là Vector vel dùng để xác định phương hướng đang đi.</a:t>
+            </a:r>
+            <a:endParaRPr lang="vi-VN" altLang="vi-VN" sz="1600" dirty="0">
+              <a:latin typeface="Times New Roman" panose="02020603050405020304" pitchFamily="18" charset="0"/>
+              <a:cs typeface="Times New Roman" panose="02020603050405020304" pitchFamily="18" charset="0"/>
+            </a:endParaRPr>
+          </a:p>
+          <a:p>
+            <a:pPr lvl="0" algn="just" eaLnBrk="0" fontAlgn="base" hangingPunct="0">
+              <a:spcBef>
+                <a:spcPct val="0"/>
+              </a:spcBef>
+              <a:spcAft>
+                <a:spcPct val="0"/>
+              </a:spcAft>
+              <a:buFontTx/>
+              <a:buChar char="•"/>
+            </a:pPr>
+            <a:r>
+              <a:rPr lang="vi-VN" altLang="vi-VN" sz="1600" dirty="0" smtClean="0">
+                <a:solidFill>
+                  <a:srgbClr val="333333"/>
+                </a:solidFill>
+                <a:latin typeface="Times New Roman" panose="02020603050405020304" pitchFamily="18" charset="0"/>
+                <a:cs typeface="Times New Roman" panose="02020603050405020304" pitchFamily="18" charset="0"/>
+              </a:rPr>
+              <a:t> Đi </a:t>
+            </a:r>
+            <a:r>
+              <a:rPr lang="vi-VN" altLang="vi-VN" sz="1600" dirty="0">
+                <a:solidFill>
+                  <a:srgbClr val="333333"/>
+                </a:solidFill>
+                <a:latin typeface="Times New Roman" panose="02020603050405020304" pitchFamily="18" charset="0"/>
+                <a:cs typeface="Times New Roman" panose="02020603050405020304" pitchFamily="18" charset="0"/>
+              </a:rPr>
+              <a:t>lên:</a:t>
+            </a:r>
+            <a:r>
+              <a:rPr lang="vi-VN" altLang="vi-VN" sz="1600" b="1" dirty="0">
+                <a:solidFill>
+                  <a:srgbClr val="333333"/>
+                </a:solidFill>
+                <a:latin typeface="Times New Roman" panose="02020603050405020304" pitchFamily="18" charset="0"/>
+                <a:cs typeface="Times New Roman" panose="02020603050405020304" pitchFamily="18" charset="0"/>
+              </a:rPr>
+              <a:t> vel = (0, 1);</a:t>
+            </a:r>
+            <a:endParaRPr lang="vi-VN" altLang="vi-VN" sz="1600" dirty="0">
+              <a:solidFill>
+                <a:srgbClr val="333333"/>
+              </a:solidFill>
+              <a:latin typeface="Times New Roman" panose="02020603050405020304" pitchFamily="18" charset="0"/>
+              <a:cs typeface="Times New Roman" panose="02020603050405020304" pitchFamily="18" charset="0"/>
+            </a:endParaRPr>
+          </a:p>
+          <a:p>
+            <a:pPr lvl="0" algn="just" eaLnBrk="0" fontAlgn="base" hangingPunct="0">
+              <a:spcBef>
+                <a:spcPct val="0"/>
+              </a:spcBef>
+              <a:spcAft>
+                <a:spcPct val="0"/>
+              </a:spcAft>
+              <a:buFontTx/>
+              <a:buChar char="•"/>
+            </a:pPr>
+            <a:r>
+              <a:rPr lang="vi-VN" altLang="vi-VN" sz="1600" dirty="0" smtClean="0">
+                <a:solidFill>
+                  <a:srgbClr val="333333"/>
+                </a:solidFill>
+                <a:latin typeface="Times New Roman" panose="02020603050405020304" pitchFamily="18" charset="0"/>
+                <a:cs typeface="Times New Roman" panose="02020603050405020304" pitchFamily="18" charset="0"/>
+              </a:rPr>
+              <a:t> Đi </a:t>
+            </a:r>
+            <a:r>
+              <a:rPr lang="vi-VN" altLang="vi-VN" sz="1600" dirty="0">
+                <a:solidFill>
+                  <a:srgbClr val="333333"/>
+                </a:solidFill>
+                <a:latin typeface="Times New Roman" panose="02020603050405020304" pitchFamily="18" charset="0"/>
+                <a:cs typeface="Times New Roman" panose="02020603050405020304" pitchFamily="18" charset="0"/>
+              </a:rPr>
+              <a:t>xuống: </a:t>
+            </a:r>
+            <a:r>
+              <a:rPr lang="vi-VN" altLang="vi-VN" sz="1600" b="1" dirty="0">
+                <a:solidFill>
+                  <a:srgbClr val="333333"/>
+                </a:solidFill>
+                <a:latin typeface="Times New Roman" panose="02020603050405020304" pitchFamily="18" charset="0"/>
+                <a:cs typeface="Times New Roman" panose="02020603050405020304" pitchFamily="18" charset="0"/>
+              </a:rPr>
+              <a:t>vel = (0, -1);</a:t>
+            </a:r>
+            <a:endParaRPr lang="vi-VN" altLang="vi-VN" sz="1600" dirty="0">
+              <a:solidFill>
+                <a:srgbClr val="333333"/>
+              </a:solidFill>
+              <a:latin typeface="Times New Roman" panose="02020603050405020304" pitchFamily="18" charset="0"/>
+              <a:cs typeface="Times New Roman" panose="02020603050405020304" pitchFamily="18" charset="0"/>
+            </a:endParaRPr>
+          </a:p>
+          <a:p>
+            <a:pPr lvl="0" algn="just" eaLnBrk="0" fontAlgn="base" hangingPunct="0">
+              <a:spcBef>
+                <a:spcPct val="0"/>
+              </a:spcBef>
+              <a:spcAft>
+                <a:spcPct val="0"/>
+              </a:spcAft>
+              <a:buFontTx/>
+              <a:buChar char="•"/>
+            </a:pPr>
+            <a:r>
+              <a:rPr lang="vi-VN" altLang="vi-VN" sz="1600" dirty="0" smtClean="0">
+                <a:solidFill>
+                  <a:srgbClr val="333333"/>
+                </a:solidFill>
+                <a:latin typeface="Times New Roman" panose="02020603050405020304" pitchFamily="18" charset="0"/>
+                <a:cs typeface="Times New Roman" panose="02020603050405020304" pitchFamily="18" charset="0"/>
+              </a:rPr>
+              <a:t> Sang </a:t>
+            </a:r>
+            <a:r>
+              <a:rPr lang="vi-VN" altLang="vi-VN" sz="1600" dirty="0">
+                <a:solidFill>
+                  <a:srgbClr val="333333"/>
+                </a:solidFill>
+                <a:latin typeface="Times New Roman" panose="02020603050405020304" pitchFamily="18" charset="0"/>
+                <a:cs typeface="Times New Roman" panose="02020603050405020304" pitchFamily="18" charset="0"/>
+              </a:rPr>
+              <a:t>trái: </a:t>
+            </a:r>
+            <a:r>
+              <a:rPr lang="vi-VN" altLang="vi-VN" sz="1600" b="1" dirty="0">
+                <a:solidFill>
+                  <a:srgbClr val="333333"/>
+                </a:solidFill>
+                <a:latin typeface="Times New Roman" panose="02020603050405020304" pitchFamily="18" charset="0"/>
+                <a:cs typeface="Times New Roman" panose="02020603050405020304" pitchFamily="18" charset="0"/>
+              </a:rPr>
+              <a:t>vel = (-1, 0);</a:t>
+            </a:r>
+            <a:endParaRPr lang="vi-VN" altLang="vi-VN" sz="1600" dirty="0">
+              <a:solidFill>
+                <a:srgbClr val="333333"/>
+              </a:solidFill>
+              <a:latin typeface="Times New Roman" panose="02020603050405020304" pitchFamily="18" charset="0"/>
+              <a:cs typeface="Times New Roman" panose="02020603050405020304" pitchFamily="18" charset="0"/>
+            </a:endParaRPr>
+          </a:p>
+          <a:p>
+            <a:pPr lvl="0" algn="just" eaLnBrk="0" fontAlgn="base" hangingPunct="0">
+              <a:spcBef>
+                <a:spcPct val="0"/>
+              </a:spcBef>
+              <a:spcAft>
+                <a:spcPct val="0"/>
+              </a:spcAft>
+              <a:buFontTx/>
+              <a:buChar char="•"/>
+            </a:pPr>
+            <a:r>
+              <a:rPr lang="vi-VN" altLang="vi-VN" sz="1600" dirty="0" smtClean="0">
+                <a:solidFill>
+                  <a:srgbClr val="333333"/>
+                </a:solidFill>
+                <a:latin typeface="Times New Roman" panose="02020603050405020304" pitchFamily="18" charset="0"/>
+                <a:cs typeface="Times New Roman" panose="02020603050405020304" pitchFamily="18" charset="0"/>
+              </a:rPr>
+              <a:t> Sang </a:t>
+            </a:r>
+            <a:r>
+              <a:rPr lang="vi-VN" altLang="vi-VN" sz="1600" dirty="0">
+                <a:solidFill>
+                  <a:srgbClr val="333333"/>
+                </a:solidFill>
+                <a:latin typeface="Times New Roman" panose="02020603050405020304" pitchFamily="18" charset="0"/>
+                <a:cs typeface="Times New Roman" panose="02020603050405020304" pitchFamily="18" charset="0"/>
+              </a:rPr>
+              <a:t>phải: </a:t>
+            </a:r>
+            <a:r>
+              <a:rPr lang="vi-VN" altLang="vi-VN" sz="1600" b="1" dirty="0">
+                <a:solidFill>
+                  <a:srgbClr val="333333"/>
+                </a:solidFill>
+                <a:latin typeface="Times New Roman" panose="02020603050405020304" pitchFamily="18" charset="0"/>
+                <a:cs typeface="Times New Roman" panose="02020603050405020304" pitchFamily="18" charset="0"/>
+              </a:rPr>
+              <a:t>vel = (-1, 0);</a:t>
+            </a:r>
+            <a:endParaRPr lang="vi-VN" altLang="vi-VN" sz="1600" dirty="0">
+              <a:solidFill>
+                <a:srgbClr val="333333"/>
+              </a:solidFill>
+              <a:latin typeface="Times New Roman" panose="02020603050405020304" pitchFamily="18" charset="0"/>
+              <a:cs typeface="Times New Roman" panose="02020603050405020304" pitchFamily="18" charset="0"/>
+            </a:endParaRPr>
+          </a:p>
+          <a:p>
+            <a:pPr lvl="0" algn="just" eaLnBrk="0" fontAlgn="base" hangingPunct="0">
+              <a:spcBef>
+                <a:spcPct val="0"/>
+              </a:spcBef>
+              <a:spcAft>
+                <a:spcPct val="0"/>
+              </a:spcAft>
+            </a:pPr>
+            <a:r>
+              <a:rPr lang="vi-VN" altLang="vi-VN" sz="1600" dirty="0">
+                <a:solidFill>
+                  <a:srgbClr val="333333"/>
+                </a:solidFill>
+                <a:latin typeface="Times New Roman" panose="02020603050405020304" pitchFamily="18" charset="0"/>
+                <a:cs typeface="Times New Roman" panose="02020603050405020304" pitchFamily="18" charset="0"/>
+              </a:rPr>
+              <a:t>Để thay đổi giá trị cho vel mỗi khi người chơi nhấn các phím mũi tên, ta sẽ viết thêm 1 hàm là </a:t>
+            </a:r>
+            <a:r>
+              <a:rPr lang="vi-VN" altLang="vi-VN" sz="1600" dirty="0">
+                <a:solidFill>
+                  <a:srgbClr val="C7254E"/>
+                </a:solidFill>
+                <a:latin typeface="Times New Roman" panose="02020603050405020304" pitchFamily="18" charset="0"/>
+                <a:cs typeface="Times New Roman" panose="02020603050405020304" pitchFamily="18" charset="0"/>
+                <a:hlinkClick r:id="rId3"/>
+              </a:rPr>
+              <a:t>keyPressed()</a:t>
+            </a:r>
+            <a:r>
+              <a:rPr lang="vi-VN" altLang="vi-VN" sz="1600" dirty="0">
+                <a:solidFill>
+                  <a:srgbClr val="333333"/>
+                </a:solidFill>
+                <a:latin typeface="Times New Roman" panose="02020603050405020304" pitchFamily="18" charset="0"/>
+                <a:cs typeface="Times New Roman" panose="02020603050405020304" pitchFamily="18" charset="0"/>
+              </a:rPr>
+              <a:t> trong file </a:t>
+            </a:r>
+            <a:r>
+              <a:rPr lang="vi-VN" altLang="vi-VN" sz="1600" dirty="0">
+                <a:solidFill>
+                  <a:srgbClr val="C7254E"/>
+                </a:solidFill>
+                <a:latin typeface="Times New Roman" panose="02020603050405020304" pitchFamily="18" charset="0"/>
+                <a:cs typeface="Times New Roman" panose="02020603050405020304" pitchFamily="18" charset="0"/>
+              </a:rPr>
+              <a:t>game.js</a:t>
+            </a:r>
+            <a:endParaRPr lang="vi-VN" altLang="vi-VN" sz="1600" dirty="0">
+              <a:latin typeface="Times New Roman" panose="02020603050405020304" pitchFamily="18" charset="0"/>
+              <a:cs typeface="Times New Roman" panose="02020603050405020304" pitchFamily="18" charset="0"/>
+            </a:endParaRPr>
+          </a:p>
+          <a:p>
+            <a:endParaRPr lang="vi-VN" sz="1600" dirty="0"/>
+          </a:p>
         </p:txBody>
       </p:sp>
+      <p:pic>
+        <p:nvPicPr>
+          <p:cNvPr id="12" name="Picture 11"/>
+          <p:cNvPicPr>
+            <a:picLocks noChangeAspect="1"/>
+          </p:cNvPicPr>
+          <p:nvPr/>
+        </p:nvPicPr>
+        <p:blipFill>
+          <a:blip r:embed="rId4"/>
+          <a:stretch>
+            <a:fillRect/>
+          </a:stretch>
+        </p:blipFill>
+        <p:spPr>
+          <a:xfrm>
+            <a:off x="228992" y="1791856"/>
+            <a:ext cx="4235178" cy="4931881"/>
+          </a:xfrm>
+          <a:prstGeom prst="rect">
+            <a:avLst/>
+          </a:prstGeom>
+        </p:spPr>
+      </p:pic>
     </p:spTree>
     <p:extLst>
       <p:ext uri="{BB962C8B-B14F-4D97-AF65-F5344CB8AC3E}">
-        <p14:creationId xmlns:p14="http://schemas.microsoft.com/office/powerpoint/2010/main" val="2496960577"/>
+        <p14:creationId xmlns:p14="http://schemas.microsoft.com/office/powerpoint/2010/main" val="1855565739"/>
       </p:ext>
     </p:extLst>
   </p:cSld>
   <p:clrMapOvr>
     <a:masterClrMapping/>
   </p:clrMapOvr>
+  <p:transition spd="slow">
+    <p:randomBar dir="vert"/>
+  </p:transition>
+  <p:timing>
+    <p:tnLst>
+      <p:par>
+        <p:cTn id="1" dur="indefinite" restart="never" nodeType="tmRoot"/>
+      </p:par>
+    </p:tnLst>
+  </p:timing>
+</p:sld>
+</file>
+
+<file path=ppt/slides/slide8.xml><?xml version="1.0" encoding="utf-8"?>
+<p:sld xmlns:a="http://schemas.openxmlformats.org/drawingml/2006/main" xmlns:r="http://schemas.openxmlformats.org/officeDocument/2006/relationships" xmlns:p="http://schemas.openxmlformats.org/presentationml/2006/main">
+  <p:cSld>
+    <p:spTree>
+      <p:nvGrpSpPr>
+        <p:cNvPr id="1" name=""/>
+        <p:cNvGrpSpPr/>
+        <p:nvPr/>
+      </p:nvGrpSpPr>
+      <p:grpSpPr>
+        <a:xfrm>
+          <a:off x="0" y="0"/>
+          <a:ext cx="0" cy="0"/>
+          <a:chOff x="0" y="0"/>
+          <a:chExt cx="0" cy="0"/>
+        </a:xfrm>
+      </p:grpSpPr>
+      <p:sp>
+        <p:nvSpPr>
+          <p:cNvPr id="2" name="Rectangle 1"/>
+          <p:cNvSpPr>
+            <a:spLocks noGrp="1"/>
+          </p:cNvSpPr>
+          <p:nvPr>
+            <p:ph type="title"/>
+          </p:nvPr>
+        </p:nvSpPr>
+        <p:spPr>
+          <a:xfrm>
+            <a:off x="257160" y="194102"/>
+            <a:ext cx="4876800" cy="799306"/>
+          </a:xfrm>
+        </p:spPr>
+        <p:txBody>
+          <a:bodyPr/>
+          <a:lstStyle/>
+          <a:p>
+            <a:r>
+              <a:rPr lang="en-US" dirty="0" smtClean="0"/>
+              <a:t>II. THỰC HIỆN</a:t>
+            </a:r>
+            <a:endParaRPr lang="en-US" dirty="0"/>
+          </a:p>
+        </p:txBody>
+      </p:sp>
+      <p:sp>
+        <p:nvSpPr>
+          <p:cNvPr id="7" name="Slide Number Placeholder 5">
+            <a:extLst>
+              <a:ext uri="{FF2B5EF4-FFF2-40B4-BE49-F238E27FC236}">
+                <a16:creationId xmlns:a16="http://schemas.microsoft.com/office/drawing/2014/main" id="{B8FCD5F1-B09D-4B0A-BB07-423B979A624C}"/>
+              </a:ext>
+            </a:extLst>
+          </p:cNvPr>
+          <p:cNvSpPr>
+            <a:spLocks noGrp="1"/>
+          </p:cNvSpPr>
+          <p:nvPr>
+            <p:ph type="sldNum" sz="quarter" idx="12"/>
+          </p:nvPr>
+        </p:nvSpPr>
+        <p:spPr/>
+        <p:txBody>
+          <a:bodyPr/>
+          <a:lstStyle/>
+          <a:p>
+            <a:fld id="{FEA1243F-3000-4347-94A4-FBDEAD3122CB}" type="slidenum">
+              <a:rPr lang="en-US" smtClean="0"/>
+              <a:pPr/>
+              <a:t>8</a:t>
+            </a:fld>
+            <a:endParaRPr lang="en-US" dirty="0"/>
+          </a:p>
+        </p:txBody>
+      </p:sp>
+      <p:sp>
+        <p:nvSpPr>
+          <p:cNvPr id="28" name="Rectangle 27">
+            <a:extLst>
+              <a:ext uri="{FF2B5EF4-FFF2-40B4-BE49-F238E27FC236}">
+                <a16:creationId xmlns:a16="http://schemas.microsoft.com/office/drawing/2014/main" id="{5BFF15B5-B6C3-4E20-967D-9B191EBA50C9}"/>
+              </a:ext>
+              <a:ext uri="{C183D7F6-B498-43B3-948B-1728B52AA6E4}">
+                <adec:decorative xmlns="" xmlns:adec="http://schemas.microsoft.com/office/drawing/2017/decorative" val="1"/>
+              </a:ext>
+            </a:extLst>
+          </p:cNvPr>
+          <p:cNvSpPr/>
+          <p:nvPr/>
+        </p:nvSpPr>
+        <p:spPr>
+          <a:xfrm>
+            <a:off x="3188300" y="4953000"/>
+            <a:ext cx="2592140" cy="309943"/>
+          </a:xfrm>
+          <a:prstGeom prst="rect">
+            <a:avLst/>
+          </a:prstGeom>
+          <a:solidFill>
+            <a:schemeClr val="tx1">
+              <a:lumMod val="95000"/>
+            </a:schemeClr>
+          </a:solidFill>
+          <a:ln>
+            <a:noFill/>
+          </a:ln>
+        </p:spPr>
+        <p:style>
+          <a:lnRef idx="2">
+            <a:schemeClr val="accent1">
+              <a:alpha val="90000"/>
+              <a:tint val="40000"/>
+              <a:hueOff val="0"/>
+              <a:satOff val="0"/>
+              <a:lumOff val="0"/>
+              <a:alphaOff val="0"/>
+            </a:schemeClr>
+          </a:lnRef>
+          <a:fillRef idx="1">
+            <a:schemeClr val="accent1">
+              <a:alpha val="90000"/>
+              <a:tint val="40000"/>
+              <a:hueOff val="0"/>
+              <a:satOff val="0"/>
+              <a:lumOff val="0"/>
+              <a:alphaOff val="0"/>
+            </a:schemeClr>
+          </a:fillRef>
+          <a:effectRef idx="0">
+            <a:schemeClr val="accent1">
+              <a:alpha val="90000"/>
+              <a:tint val="40000"/>
+              <a:hueOff val="0"/>
+              <a:satOff val="0"/>
+              <a:lumOff val="0"/>
+              <a:alphaOff val="0"/>
+            </a:schemeClr>
+          </a:effectRef>
+          <a:fontRef idx="minor">
+            <a:schemeClr val="dk1">
+              <a:hueOff val="0"/>
+              <a:satOff val="0"/>
+              <a:lumOff val="0"/>
+              <a:alphaOff val="0"/>
+            </a:schemeClr>
+          </a:fontRef>
+        </p:style>
+      </p:sp>
+      <p:sp>
+        <p:nvSpPr>
+          <p:cNvPr id="4" name="TextBox 3"/>
+          <p:cNvSpPr txBox="1"/>
+          <p:nvPr/>
+        </p:nvSpPr>
+        <p:spPr>
+          <a:xfrm>
+            <a:off x="264814" y="1101466"/>
+            <a:ext cx="5057646" cy="461665"/>
+          </a:xfrm>
+          <a:prstGeom prst="rect">
+            <a:avLst/>
+          </a:prstGeom>
+          <a:noFill/>
+          <a:ln>
+            <a:noFill/>
+          </a:ln>
+        </p:spPr>
+        <p:style>
+          <a:lnRef idx="0">
+            <a:scrgbClr r="0" g="0" b="0"/>
+          </a:lnRef>
+          <a:fillRef idx="0">
+            <a:scrgbClr r="0" g="0" b="0"/>
+          </a:fillRef>
+          <a:effectRef idx="0">
+            <a:scrgbClr r="0" g="0" b="0"/>
+          </a:effectRef>
+          <a:fontRef idx="minor">
+            <a:schemeClr val="dk1"/>
+          </a:fontRef>
+        </p:style>
+        <p:txBody>
+          <a:bodyPr wrap="square" rtlCol="0">
+            <a:spAutoFit/>
+          </a:bodyPr>
+          <a:lstStyle/>
+          <a:p>
+            <a:r>
+              <a:rPr lang="en-US" sz="2400" dirty="0" smtClean="0">
+                <a:solidFill>
+                  <a:schemeClr val="accent2">
+                    <a:lumMod val="75000"/>
+                  </a:schemeClr>
+                </a:solidFill>
+                <a:latin typeface="Times New Roman" panose="02020603050405020304" pitchFamily="18" charset="0"/>
+                <a:cs typeface="Times New Roman" panose="02020603050405020304" pitchFamily="18" charset="0"/>
+              </a:rPr>
+              <a:t>2.2 </a:t>
+            </a:r>
+            <a:r>
+              <a:rPr lang="vi-VN" sz="2400" dirty="0" smtClean="0">
+                <a:solidFill>
+                  <a:schemeClr val="accent2">
+                    <a:lumMod val="75000"/>
+                  </a:schemeClr>
+                </a:solidFill>
+                <a:latin typeface="Times New Roman" panose="02020603050405020304" pitchFamily="18" charset="0"/>
+                <a:cs typeface="Times New Roman" panose="02020603050405020304" pitchFamily="18" charset="0"/>
+              </a:rPr>
+              <a:t>Tạo chuyển động cho rắn</a:t>
+            </a:r>
+            <a:endParaRPr lang="vi-VN" b="1" dirty="0">
+              <a:solidFill>
+                <a:schemeClr val="accent4">
+                  <a:lumMod val="75000"/>
+                </a:schemeClr>
+              </a:solidFill>
+            </a:endParaRPr>
+          </a:p>
+        </p:txBody>
+      </p:sp>
+      <p:sp>
+        <p:nvSpPr>
+          <p:cNvPr id="3" name="Rectangle 1"/>
+          <p:cNvSpPr>
+            <a:spLocks noChangeArrowheads="1"/>
+          </p:cNvSpPr>
+          <p:nvPr/>
+        </p:nvSpPr>
+        <p:spPr bwMode="auto">
+          <a:xfrm>
+            <a:off x="467544" y="2067591"/>
+            <a:ext cx="4176464" cy="1015663"/>
+          </a:xfrm>
+          <a:prstGeom prst="rect">
+            <a:avLst/>
+          </a:prstGeom>
+          <a:solidFill>
+            <a:srgbClr val="F9F2F4"/>
+          </a:solidFill>
+          <a:ln>
+            <a:noFill/>
+          </a:ln>
+          <a:effectLst/>
+          <a:extLst>
+            <a:ext uri="{91240B29-F687-4F45-9708-019B960494DF}">
+              <a14:hiddenLine xmlns:a14="http://schemas.microsoft.com/office/drawing/2010/main" w="9525">
+                <a:solidFill>
+                  <a:schemeClr val="tx1"/>
+                </a:solidFill>
+                <a:miter lim="800000"/>
+                <a:headEnd/>
+                <a:tailEnd/>
+              </a14:hiddenLine>
+            </a:ext>
+            <a:ext uri="{AF507438-7753-43E0-B8FC-AC1667EBCBE1}">
+              <a14:hiddenEffects xmlns:a14="http://schemas.microsoft.com/office/drawing/2010/main">
+                <a:effectLst>
+                  <a:outerShdw dist="35921" dir="2700000" algn="ctr" rotWithShape="0">
+                    <a:schemeClr val="bg2"/>
+                  </a:outerShdw>
+                </a:effectLst>
+              </a14:hiddenEffects>
+            </a:ext>
+          </a:extLst>
+        </p:spPr>
+        <p:txBody>
+          <a:bodyPr vert="horz" wrap="square" lIns="91440" tIns="45720" rIns="91440" bIns="45720" numCol="1" anchor="ctr" anchorCtr="0" compatLnSpc="1">
+            <a:prstTxWarp prst="textNoShape">
+              <a:avLst/>
+            </a:prstTxWarp>
+            <a:spAutoFit/>
+          </a:bodyPr>
+          <a:lstStyle>
+            <a:lvl1pPr eaLnBrk="0" fontAlgn="base" hangingPunct="0">
+              <a:spcBef>
+                <a:spcPct val="0"/>
+              </a:spcBef>
+              <a:spcAft>
+                <a:spcPct val="0"/>
+              </a:spcAft>
+              <a:defRPr>
+                <a:solidFill>
+                  <a:schemeClr val="tx1"/>
+                </a:solidFill>
+                <a:latin typeface="Arial" panose="020B0604020202020204" pitchFamily="34" charset="0"/>
+              </a:defRPr>
+            </a:lvl1pPr>
+            <a:lvl2pPr eaLnBrk="0" fontAlgn="base" hangingPunct="0">
+              <a:spcBef>
+                <a:spcPct val="0"/>
+              </a:spcBef>
+              <a:spcAft>
+                <a:spcPct val="0"/>
+              </a:spcAft>
+              <a:defRPr>
+                <a:solidFill>
+                  <a:schemeClr val="tx1"/>
+                </a:solidFill>
+                <a:latin typeface="Arial" panose="020B0604020202020204" pitchFamily="34" charset="0"/>
+              </a:defRPr>
+            </a:lvl2pPr>
+            <a:lvl3pPr eaLnBrk="0" fontAlgn="base" hangingPunct="0">
+              <a:spcBef>
+                <a:spcPct val="0"/>
+              </a:spcBef>
+              <a:spcAft>
+                <a:spcPct val="0"/>
+              </a:spcAft>
+              <a:defRPr>
+                <a:solidFill>
+                  <a:schemeClr val="tx1"/>
+                </a:solidFill>
+                <a:latin typeface="Arial" panose="020B0604020202020204" pitchFamily="34" charset="0"/>
+              </a:defRPr>
+            </a:lvl3pPr>
+            <a:lvl4pPr eaLnBrk="0" fontAlgn="base" hangingPunct="0">
+              <a:spcBef>
+                <a:spcPct val="0"/>
+              </a:spcBef>
+              <a:spcAft>
+                <a:spcPct val="0"/>
+              </a:spcAft>
+              <a:defRPr>
+                <a:solidFill>
+                  <a:schemeClr val="tx1"/>
+                </a:solidFill>
+                <a:latin typeface="Arial" panose="020B0604020202020204" pitchFamily="34" charset="0"/>
+              </a:defRPr>
+            </a:lvl4pPr>
+            <a:lvl5pPr eaLnBrk="0" fontAlgn="base" hangingPunct="0">
+              <a:spcBef>
+                <a:spcPct val="0"/>
+              </a:spcBef>
+              <a:spcAft>
+                <a:spcPct val="0"/>
+              </a:spcAft>
+              <a:defRPr>
+                <a:solidFill>
+                  <a:schemeClr val="tx1"/>
+                </a:solidFill>
+                <a:latin typeface="Arial" panose="020B0604020202020204" pitchFamily="34" charset="0"/>
+              </a:defRPr>
+            </a:lvl5pPr>
+            <a:lvl6pPr eaLnBrk="0" fontAlgn="base" hangingPunct="0">
+              <a:spcBef>
+                <a:spcPct val="0"/>
+              </a:spcBef>
+              <a:spcAft>
+                <a:spcPct val="0"/>
+              </a:spcAft>
+              <a:defRPr>
+                <a:solidFill>
+                  <a:schemeClr val="tx1"/>
+                </a:solidFill>
+                <a:latin typeface="Arial" panose="020B0604020202020204" pitchFamily="34" charset="0"/>
+              </a:defRPr>
+            </a:lvl6pPr>
+            <a:lvl7pPr eaLnBrk="0" fontAlgn="base" hangingPunct="0">
+              <a:spcBef>
+                <a:spcPct val="0"/>
+              </a:spcBef>
+              <a:spcAft>
+                <a:spcPct val="0"/>
+              </a:spcAft>
+              <a:defRPr>
+                <a:solidFill>
+                  <a:schemeClr val="tx1"/>
+                </a:solidFill>
+                <a:latin typeface="Arial" panose="020B0604020202020204" pitchFamily="34" charset="0"/>
+              </a:defRPr>
+            </a:lvl7pPr>
+            <a:lvl8pPr eaLnBrk="0" fontAlgn="base" hangingPunct="0">
+              <a:spcBef>
+                <a:spcPct val="0"/>
+              </a:spcBef>
+              <a:spcAft>
+                <a:spcPct val="0"/>
+              </a:spcAft>
+              <a:defRPr>
+                <a:solidFill>
+                  <a:schemeClr val="tx1"/>
+                </a:solidFill>
+                <a:latin typeface="Arial" panose="020B0604020202020204" pitchFamily="34" charset="0"/>
+              </a:defRPr>
+            </a:lvl8pPr>
+            <a:lvl9pPr eaLnBrk="0" fontAlgn="base" hangingPunct="0">
+              <a:spcBef>
+                <a:spcPct val="0"/>
+              </a:spcBef>
+              <a:spcAft>
+                <a:spcPct val="0"/>
+              </a:spcAft>
+              <a:defRPr>
+                <a:solidFill>
+                  <a:schemeClr val="tx1"/>
+                </a:solidFill>
+                <a:latin typeface="Arial" panose="020B0604020202020204" pitchFamily="34" charset="0"/>
+              </a:defRPr>
+            </a:lvl9pPr>
+          </a:lstStyle>
+          <a:p>
+            <a:pPr marL="0" marR="0" lvl="0" indent="0" algn="just" defTabSz="914400" rtl="0" eaLnBrk="0" fontAlgn="base" latinLnBrk="0" hangingPunct="0">
+              <a:lnSpc>
+                <a:spcPct val="100000"/>
+              </a:lnSpc>
+              <a:spcBef>
+                <a:spcPct val="0"/>
+              </a:spcBef>
+              <a:spcAft>
+                <a:spcPct val="0"/>
+              </a:spcAft>
+              <a:buClrTx/>
+              <a:buSzTx/>
+              <a:buFontTx/>
+              <a:buNone/>
+              <a:tabLst/>
+            </a:pPr>
+            <a:r>
+              <a:rPr kumimoji="0" lang="vi-VN" altLang="vi-VN" sz="2000" b="0" i="0" u="none" strike="noStrike" cap="none" normalizeH="0" baseline="0" dirty="0" smtClean="0">
+                <a:ln>
+                  <a:noFill/>
+                </a:ln>
+                <a:solidFill>
+                  <a:srgbClr val="333333"/>
+                </a:solidFill>
+                <a:effectLst/>
+                <a:latin typeface="Times New Roman" panose="02020603050405020304" pitchFamily="18" charset="0"/>
+                <a:cs typeface="Times New Roman" panose="02020603050405020304" pitchFamily="18" charset="0"/>
+              </a:rPr>
+              <a:t>Ta cũng sẽ viết thêm một hàm vào class Snake là </a:t>
+            </a:r>
+            <a:r>
+              <a:rPr kumimoji="0" lang="vi-VN" altLang="vi-VN" sz="2000" b="0" i="0" u="none" strike="noStrike" cap="none" normalizeH="0" baseline="0" dirty="0" smtClean="0">
+                <a:ln>
+                  <a:noFill/>
+                </a:ln>
+                <a:solidFill>
+                  <a:srgbClr val="C7254E"/>
+                </a:solidFill>
+                <a:effectLst/>
+                <a:latin typeface="Times New Roman" panose="02020603050405020304" pitchFamily="18" charset="0"/>
+                <a:cs typeface="Times New Roman" panose="02020603050405020304" pitchFamily="18" charset="0"/>
+              </a:rPr>
+              <a:t>update()</a:t>
+            </a:r>
+            <a:r>
+              <a:rPr kumimoji="0" lang="vi-VN" altLang="vi-VN" sz="2000" b="0" i="0" u="none" strike="noStrike" cap="none" normalizeH="0" baseline="0" dirty="0" smtClean="0">
+                <a:ln>
+                  <a:noFill/>
+                </a:ln>
+                <a:solidFill>
+                  <a:srgbClr val="333333"/>
+                </a:solidFill>
+                <a:effectLst/>
+                <a:latin typeface="Times New Roman" panose="02020603050405020304" pitchFamily="18" charset="0"/>
+                <a:cs typeface="Times New Roman" panose="02020603050405020304" pitchFamily="18" charset="0"/>
+              </a:rPr>
+              <a:t> để cập nhật lại vị trí của con rắn</a:t>
+            </a:r>
+            <a:r>
+              <a:rPr kumimoji="0" lang="vi-VN" altLang="vi-VN" sz="2000" b="0" i="0" u="none" strike="noStrike" cap="none" normalizeH="0" baseline="0" dirty="0" smtClean="0">
+                <a:ln>
+                  <a:noFill/>
+                </a:ln>
+                <a:solidFill>
+                  <a:schemeClr val="tx1"/>
+                </a:solidFill>
+                <a:effectLst/>
+                <a:latin typeface="Times New Roman" panose="02020603050405020304" pitchFamily="18" charset="0"/>
+                <a:cs typeface="Times New Roman" panose="02020603050405020304" pitchFamily="18" charset="0"/>
+              </a:rPr>
+              <a:t> </a:t>
+            </a:r>
+          </a:p>
+        </p:txBody>
+      </p:sp>
+      <p:pic>
+        <p:nvPicPr>
+          <p:cNvPr id="5" name="Picture 4"/>
+          <p:cNvPicPr>
+            <a:picLocks noChangeAspect="1"/>
+          </p:cNvPicPr>
+          <p:nvPr/>
+        </p:nvPicPr>
+        <p:blipFill>
+          <a:blip r:embed="rId3"/>
+          <a:stretch>
+            <a:fillRect/>
+          </a:stretch>
+        </p:blipFill>
+        <p:spPr>
+          <a:xfrm>
+            <a:off x="5004048" y="1577607"/>
+            <a:ext cx="3610744" cy="2019818"/>
+          </a:xfrm>
+          <a:prstGeom prst="rect">
+            <a:avLst/>
+          </a:prstGeom>
+        </p:spPr>
+      </p:pic>
+      <p:sp>
+        <p:nvSpPr>
+          <p:cNvPr id="6" name="Rectangle 2"/>
+          <p:cNvSpPr>
+            <a:spLocks noChangeArrowheads="1"/>
+          </p:cNvSpPr>
+          <p:nvPr/>
+        </p:nvSpPr>
+        <p:spPr bwMode="auto">
+          <a:xfrm>
+            <a:off x="467544" y="4409937"/>
+            <a:ext cx="4176464" cy="707886"/>
+          </a:xfrm>
+          <a:prstGeom prst="rect">
+            <a:avLst/>
+          </a:prstGeom>
+          <a:solidFill>
+            <a:srgbClr val="F9F2F4"/>
+          </a:solidFill>
+          <a:ln>
+            <a:noFill/>
+          </a:ln>
+          <a:effectLst/>
+          <a:extLst>
+            <a:ext uri="{91240B29-F687-4F45-9708-019B960494DF}">
+              <a14:hiddenLine xmlns:a14="http://schemas.microsoft.com/office/drawing/2010/main" w="9525">
+                <a:solidFill>
+                  <a:schemeClr val="tx1"/>
+                </a:solidFill>
+                <a:miter lim="800000"/>
+                <a:headEnd/>
+                <a:tailEnd/>
+              </a14:hiddenLine>
+            </a:ext>
+            <a:ext uri="{AF507438-7753-43E0-B8FC-AC1667EBCBE1}">
+              <a14:hiddenEffects xmlns:a14="http://schemas.microsoft.com/office/drawing/2010/main">
+                <a:effectLst>
+                  <a:outerShdw dist="35921" dir="2700000" algn="ctr" rotWithShape="0">
+                    <a:schemeClr val="bg2"/>
+                  </a:outerShdw>
+                </a:effectLst>
+              </a14:hiddenEffects>
+            </a:ext>
+          </a:extLst>
+        </p:spPr>
+        <p:txBody>
+          <a:bodyPr vert="horz" wrap="square" lIns="91440" tIns="45720" rIns="91440" bIns="45720" numCol="1" anchor="ctr" anchorCtr="0" compatLnSpc="1">
+            <a:prstTxWarp prst="textNoShape">
+              <a:avLst/>
+            </a:prstTxWarp>
+            <a:spAutoFit/>
+          </a:bodyPr>
+          <a:lstStyle>
+            <a:lvl1pPr eaLnBrk="0" fontAlgn="base" hangingPunct="0">
+              <a:spcBef>
+                <a:spcPct val="0"/>
+              </a:spcBef>
+              <a:spcAft>
+                <a:spcPct val="0"/>
+              </a:spcAft>
+              <a:defRPr>
+                <a:solidFill>
+                  <a:schemeClr val="tx1"/>
+                </a:solidFill>
+                <a:latin typeface="Arial" panose="020B0604020202020204" pitchFamily="34" charset="0"/>
+              </a:defRPr>
+            </a:lvl1pPr>
+            <a:lvl2pPr eaLnBrk="0" fontAlgn="base" hangingPunct="0">
+              <a:spcBef>
+                <a:spcPct val="0"/>
+              </a:spcBef>
+              <a:spcAft>
+                <a:spcPct val="0"/>
+              </a:spcAft>
+              <a:defRPr>
+                <a:solidFill>
+                  <a:schemeClr val="tx1"/>
+                </a:solidFill>
+                <a:latin typeface="Arial" panose="020B0604020202020204" pitchFamily="34" charset="0"/>
+              </a:defRPr>
+            </a:lvl2pPr>
+            <a:lvl3pPr eaLnBrk="0" fontAlgn="base" hangingPunct="0">
+              <a:spcBef>
+                <a:spcPct val="0"/>
+              </a:spcBef>
+              <a:spcAft>
+                <a:spcPct val="0"/>
+              </a:spcAft>
+              <a:defRPr>
+                <a:solidFill>
+                  <a:schemeClr val="tx1"/>
+                </a:solidFill>
+                <a:latin typeface="Arial" panose="020B0604020202020204" pitchFamily="34" charset="0"/>
+              </a:defRPr>
+            </a:lvl3pPr>
+            <a:lvl4pPr eaLnBrk="0" fontAlgn="base" hangingPunct="0">
+              <a:spcBef>
+                <a:spcPct val="0"/>
+              </a:spcBef>
+              <a:spcAft>
+                <a:spcPct val="0"/>
+              </a:spcAft>
+              <a:defRPr>
+                <a:solidFill>
+                  <a:schemeClr val="tx1"/>
+                </a:solidFill>
+                <a:latin typeface="Arial" panose="020B0604020202020204" pitchFamily="34" charset="0"/>
+              </a:defRPr>
+            </a:lvl4pPr>
+            <a:lvl5pPr eaLnBrk="0" fontAlgn="base" hangingPunct="0">
+              <a:spcBef>
+                <a:spcPct val="0"/>
+              </a:spcBef>
+              <a:spcAft>
+                <a:spcPct val="0"/>
+              </a:spcAft>
+              <a:defRPr>
+                <a:solidFill>
+                  <a:schemeClr val="tx1"/>
+                </a:solidFill>
+                <a:latin typeface="Arial" panose="020B0604020202020204" pitchFamily="34" charset="0"/>
+              </a:defRPr>
+            </a:lvl5pPr>
+            <a:lvl6pPr eaLnBrk="0" fontAlgn="base" hangingPunct="0">
+              <a:spcBef>
+                <a:spcPct val="0"/>
+              </a:spcBef>
+              <a:spcAft>
+                <a:spcPct val="0"/>
+              </a:spcAft>
+              <a:defRPr>
+                <a:solidFill>
+                  <a:schemeClr val="tx1"/>
+                </a:solidFill>
+                <a:latin typeface="Arial" panose="020B0604020202020204" pitchFamily="34" charset="0"/>
+              </a:defRPr>
+            </a:lvl6pPr>
+            <a:lvl7pPr eaLnBrk="0" fontAlgn="base" hangingPunct="0">
+              <a:spcBef>
+                <a:spcPct val="0"/>
+              </a:spcBef>
+              <a:spcAft>
+                <a:spcPct val="0"/>
+              </a:spcAft>
+              <a:defRPr>
+                <a:solidFill>
+                  <a:schemeClr val="tx1"/>
+                </a:solidFill>
+                <a:latin typeface="Arial" panose="020B0604020202020204" pitchFamily="34" charset="0"/>
+              </a:defRPr>
+            </a:lvl7pPr>
+            <a:lvl8pPr eaLnBrk="0" fontAlgn="base" hangingPunct="0">
+              <a:spcBef>
+                <a:spcPct val="0"/>
+              </a:spcBef>
+              <a:spcAft>
+                <a:spcPct val="0"/>
+              </a:spcAft>
+              <a:defRPr>
+                <a:solidFill>
+                  <a:schemeClr val="tx1"/>
+                </a:solidFill>
+                <a:latin typeface="Arial" panose="020B0604020202020204" pitchFamily="34" charset="0"/>
+              </a:defRPr>
+            </a:lvl8pPr>
+            <a:lvl9pPr eaLnBrk="0" fontAlgn="base" hangingPunct="0">
+              <a:spcBef>
+                <a:spcPct val="0"/>
+              </a:spcBef>
+              <a:spcAft>
+                <a:spcPct val="0"/>
+              </a:spcAft>
+              <a:defRPr>
+                <a:solidFill>
+                  <a:schemeClr val="tx1"/>
+                </a:solidFill>
+                <a:latin typeface="Arial" panose="020B0604020202020204" pitchFamily="34" charset="0"/>
+              </a:defRPr>
+            </a:lvl9pPr>
+          </a:lstStyle>
+          <a:p>
+            <a:pPr marL="0" marR="0" lvl="0" indent="0" algn="just" defTabSz="914400" rtl="0" eaLnBrk="0" fontAlgn="base" latinLnBrk="0" hangingPunct="0">
+              <a:lnSpc>
+                <a:spcPct val="100000"/>
+              </a:lnSpc>
+              <a:spcBef>
+                <a:spcPct val="0"/>
+              </a:spcBef>
+              <a:spcAft>
+                <a:spcPct val="0"/>
+              </a:spcAft>
+              <a:buClrTx/>
+              <a:buSzTx/>
+              <a:buFontTx/>
+              <a:buNone/>
+              <a:tabLst/>
+            </a:pPr>
+            <a:r>
+              <a:rPr kumimoji="0" lang="vi-VN" altLang="vi-VN" sz="2000" b="0" i="0" u="none" strike="noStrike" cap="none" normalizeH="0" baseline="0" dirty="0" smtClean="0">
+                <a:ln>
+                  <a:noFill/>
+                </a:ln>
+                <a:solidFill>
+                  <a:srgbClr val="333333"/>
+                </a:solidFill>
+                <a:effectLst/>
+                <a:latin typeface="Times New Roman" panose="02020603050405020304" pitchFamily="18" charset="0"/>
+                <a:cs typeface="Times New Roman" panose="02020603050405020304" pitchFamily="18" charset="0"/>
+              </a:rPr>
+              <a:t>Hàm </a:t>
+            </a:r>
+            <a:r>
+              <a:rPr kumimoji="0" lang="vi-VN" altLang="vi-VN" sz="2000" b="0" i="0" u="none" strike="noStrike" cap="none" normalizeH="0" baseline="0" dirty="0" smtClean="0">
+                <a:ln>
+                  <a:noFill/>
+                </a:ln>
+                <a:solidFill>
+                  <a:srgbClr val="C7254E"/>
+                </a:solidFill>
+                <a:effectLst/>
+                <a:latin typeface="Times New Roman" panose="02020603050405020304" pitchFamily="18" charset="0"/>
+                <a:cs typeface="Times New Roman" panose="02020603050405020304" pitchFamily="18" charset="0"/>
+              </a:rPr>
+              <a:t>drawSnake()</a:t>
+            </a:r>
+            <a:r>
+              <a:rPr kumimoji="0" lang="vi-VN" altLang="vi-VN" sz="2000" b="0" i="0" u="none" strike="noStrike" cap="none" normalizeH="0" baseline="0" dirty="0" smtClean="0">
+                <a:ln>
+                  <a:noFill/>
+                </a:ln>
+                <a:solidFill>
+                  <a:srgbClr val="333333"/>
+                </a:solidFill>
+                <a:effectLst/>
+                <a:latin typeface="Times New Roman" panose="02020603050405020304" pitchFamily="18" charset="0"/>
+                <a:cs typeface="Times New Roman" panose="02020603050405020304" pitchFamily="18" charset="0"/>
+              </a:rPr>
+              <a:t> cũng sẽ được viết thêm để cập nhật lại vị trí</a:t>
+            </a:r>
+            <a:r>
+              <a:rPr kumimoji="0" lang="vi-VN" altLang="vi-VN" sz="2000" b="0" i="0" u="none" strike="noStrike" cap="none" normalizeH="0" baseline="0" dirty="0" smtClean="0">
+                <a:ln>
+                  <a:noFill/>
+                </a:ln>
+                <a:solidFill>
+                  <a:schemeClr val="tx1"/>
+                </a:solidFill>
+                <a:effectLst/>
+                <a:latin typeface="Times New Roman" panose="02020603050405020304" pitchFamily="18" charset="0"/>
+                <a:cs typeface="Times New Roman" panose="02020603050405020304" pitchFamily="18" charset="0"/>
+              </a:rPr>
+              <a:t> </a:t>
+            </a:r>
+          </a:p>
+        </p:txBody>
+      </p:sp>
+      <p:pic>
+        <p:nvPicPr>
+          <p:cNvPr id="8" name="Picture 7"/>
+          <p:cNvPicPr>
+            <a:picLocks noChangeAspect="1"/>
+          </p:cNvPicPr>
+          <p:nvPr/>
+        </p:nvPicPr>
+        <p:blipFill>
+          <a:blip r:embed="rId4"/>
+          <a:stretch>
+            <a:fillRect/>
+          </a:stretch>
+        </p:blipFill>
+        <p:spPr>
+          <a:xfrm>
+            <a:off x="5004048" y="4149080"/>
+            <a:ext cx="3610744" cy="2232248"/>
+          </a:xfrm>
+          <a:prstGeom prst="rect">
+            <a:avLst/>
+          </a:prstGeom>
+        </p:spPr>
+      </p:pic>
+    </p:spTree>
+    <p:extLst>
+      <p:ext uri="{BB962C8B-B14F-4D97-AF65-F5344CB8AC3E}">
+        <p14:creationId xmlns:p14="http://schemas.microsoft.com/office/powerpoint/2010/main" val="1548225325"/>
+      </p:ext>
+    </p:extLst>
+  </p:cSld>
+  <p:clrMapOvr>
+    <a:masterClrMapping/>
+  </p:clrMapOvr>
+  <p:transition spd="slow">
+    <p:randomBar dir="vert"/>
+  </p:transition>
+  <p:timing>
+    <p:tnLst>
+      <p:par>
+        <p:cTn id="1" dur="indefinite" restart="never" nodeType="tmRoot"/>
+      </p:par>
+    </p:tnLst>
+  </p:timing>
+</p:sld>
+</file>
+
+<file path=ppt/slides/slide9.xml><?xml version="1.0" encoding="utf-8"?>
+<p:sld xmlns:a="http://schemas.openxmlformats.org/drawingml/2006/main" xmlns:r="http://schemas.openxmlformats.org/officeDocument/2006/relationships" xmlns:p="http://schemas.openxmlformats.org/presentationml/2006/main">
+  <p:cSld>
+    <p:spTree>
+      <p:nvGrpSpPr>
+        <p:cNvPr id="1" name=""/>
+        <p:cNvGrpSpPr/>
+        <p:nvPr/>
+      </p:nvGrpSpPr>
+      <p:grpSpPr>
+        <a:xfrm>
+          <a:off x="0" y="0"/>
+          <a:ext cx="0" cy="0"/>
+          <a:chOff x="0" y="0"/>
+          <a:chExt cx="0" cy="0"/>
+        </a:xfrm>
+      </p:grpSpPr>
+      <p:sp>
+        <p:nvSpPr>
+          <p:cNvPr id="2" name="Rectangle 1"/>
+          <p:cNvSpPr>
+            <a:spLocks noGrp="1"/>
+          </p:cNvSpPr>
+          <p:nvPr>
+            <p:ph type="title"/>
+          </p:nvPr>
+        </p:nvSpPr>
+        <p:spPr>
+          <a:xfrm>
+            <a:off x="257160" y="194102"/>
+            <a:ext cx="4876800" cy="799306"/>
+          </a:xfrm>
+        </p:spPr>
+        <p:txBody>
+          <a:bodyPr/>
+          <a:lstStyle/>
+          <a:p>
+            <a:r>
+              <a:rPr lang="en-US" dirty="0" smtClean="0"/>
+              <a:t>II. THỰC HIỆN</a:t>
+            </a:r>
+            <a:endParaRPr lang="en-US" dirty="0"/>
+          </a:p>
+        </p:txBody>
+      </p:sp>
+      <p:sp>
+        <p:nvSpPr>
+          <p:cNvPr id="7" name="Slide Number Placeholder 5">
+            <a:extLst>
+              <a:ext uri="{FF2B5EF4-FFF2-40B4-BE49-F238E27FC236}">
+                <a16:creationId xmlns:a16="http://schemas.microsoft.com/office/drawing/2014/main" id="{B8FCD5F1-B09D-4B0A-BB07-423B979A624C}"/>
+              </a:ext>
+            </a:extLst>
+          </p:cNvPr>
+          <p:cNvSpPr>
+            <a:spLocks noGrp="1"/>
+          </p:cNvSpPr>
+          <p:nvPr>
+            <p:ph type="sldNum" sz="quarter" idx="12"/>
+          </p:nvPr>
+        </p:nvSpPr>
+        <p:spPr/>
+        <p:txBody>
+          <a:bodyPr/>
+          <a:lstStyle/>
+          <a:p>
+            <a:fld id="{FEA1243F-3000-4347-94A4-FBDEAD3122CB}" type="slidenum">
+              <a:rPr lang="en-US" smtClean="0"/>
+              <a:pPr/>
+              <a:t>9</a:t>
+            </a:fld>
+            <a:endParaRPr lang="en-US" dirty="0"/>
+          </a:p>
+        </p:txBody>
+      </p:sp>
+      <p:sp>
+        <p:nvSpPr>
+          <p:cNvPr id="28" name="Rectangle 27">
+            <a:extLst>
+              <a:ext uri="{FF2B5EF4-FFF2-40B4-BE49-F238E27FC236}">
+                <a16:creationId xmlns:a16="http://schemas.microsoft.com/office/drawing/2014/main" id="{5BFF15B5-B6C3-4E20-967D-9B191EBA50C9}"/>
+              </a:ext>
+              <a:ext uri="{C183D7F6-B498-43B3-948B-1728B52AA6E4}">
+                <adec:decorative xmlns="" xmlns:adec="http://schemas.microsoft.com/office/drawing/2017/decorative" val="1"/>
+              </a:ext>
+            </a:extLst>
+          </p:cNvPr>
+          <p:cNvSpPr/>
+          <p:nvPr/>
+        </p:nvSpPr>
+        <p:spPr>
+          <a:xfrm>
+            <a:off x="3188300" y="4953000"/>
+            <a:ext cx="2592140" cy="309943"/>
+          </a:xfrm>
+          <a:prstGeom prst="rect">
+            <a:avLst/>
+          </a:prstGeom>
+          <a:solidFill>
+            <a:schemeClr val="tx1">
+              <a:lumMod val="95000"/>
+            </a:schemeClr>
+          </a:solidFill>
+          <a:ln>
+            <a:noFill/>
+          </a:ln>
+        </p:spPr>
+        <p:style>
+          <a:lnRef idx="2">
+            <a:schemeClr val="accent1">
+              <a:alpha val="90000"/>
+              <a:tint val="40000"/>
+              <a:hueOff val="0"/>
+              <a:satOff val="0"/>
+              <a:lumOff val="0"/>
+              <a:alphaOff val="0"/>
+            </a:schemeClr>
+          </a:lnRef>
+          <a:fillRef idx="1">
+            <a:schemeClr val="accent1">
+              <a:alpha val="90000"/>
+              <a:tint val="40000"/>
+              <a:hueOff val="0"/>
+              <a:satOff val="0"/>
+              <a:lumOff val="0"/>
+              <a:alphaOff val="0"/>
+            </a:schemeClr>
+          </a:fillRef>
+          <a:effectRef idx="0">
+            <a:schemeClr val="accent1">
+              <a:alpha val="90000"/>
+              <a:tint val="40000"/>
+              <a:hueOff val="0"/>
+              <a:satOff val="0"/>
+              <a:lumOff val="0"/>
+              <a:alphaOff val="0"/>
+            </a:schemeClr>
+          </a:effectRef>
+          <a:fontRef idx="minor">
+            <a:schemeClr val="dk1">
+              <a:hueOff val="0"/>
+              <a:satOff val="0"/>
+              <a:lumOff val="0"/>
+              <a:alphaOff val="0"/>
+            </a:schemeClr>
+          </a:fontRef>
+        </p:style>
+      </p:sp>
+      <p:sp>
+        <p:nvSpPr>
+          <p:cNvPr id="4" name="TextBox 3"/>
+          <p:cNvSpPr txBox="1"/>
+          <p:nvPr/>
+        </p:nvSpPr>
+        <p:spPr>
+          <a:xfrm>
+            <a:off x="264814" y="1101466"/>
+            <a:ext cx="5057646" cy="461665"/>
+          </a:xfrm>
+          <a:prstGeom prst="rect">
+            <a:avLst/>
+          </a:prstGeom>
+          <a:noFill/>
+          <a:ln>
+            <a:noFill/>
+          </a:ln>
+        </p:spPr>
+        <p:style>
+          <a:lnRef idx="0">
+            <a:scrgbClr r="0" g="0" b="0"/>
+          </a:lnRef>
+          <a:fillRef idx="0">
+            <a:scrgbClr r="0" g="0" b="0"/>
+          </a:fillRef>
+          <a:effectRef idx="0">
+            <a:scrgbClr r="0" g="0" b="0"/>
+          </a:effectRef>
+          <a:fontRef idx="minor">
+            <a:schemeClr val="dk1"/>
+          </a:fontRef>
+        </p:style>
+        <p:txBody>
+          <a:bodyPr wrap="square" rtlCol="0">
+            <a:spAutoFit/>
+          </a:bodyPr>
+          <a:lstStyle/>
+          <a:p>
+            <a:r>
+              <a:rPr lang="en-US" sz="2400" dirty="0" smtClean="0">
+                <a:solidFill>
+                  <a:schemeClr val="accent2">
+                    <a:lumMod val="75000"/>
+                  </a:schemeClr>
+                </a:solidFill>
+                <a:latin typeface="Times New Roman" panose="02020603050405020304" pitchFamily="18" charset="0"/>
+                <a:cs typeface="Times New Roman" panose="02020603050405020304" pitchFamily="18" charset="0"/>
+              </a:rPr>
+              <a:t>2.3 </a:t>
+            </a:r>
+            <a:r>
+              <a:rPr lang="en-US" sz="2400" dirty="0" err="1" smtClean="0">
+                <a:solidFill>
+                  <a:schemeClr val="accent2">
+                    <a:lumMod val="75000"/>
+                  </a:schemeClr>
+                </a:solidFill>
+                <a:latin typeface="Times New Roman" panose="02020603050405020304" pitchFamily="18" charset="0"/>
+                <a:cs typeface="Times New Roman" panose="02020603050405020304" pitchFamily="18" charset="0"/>
+              </a:rPr>
+              <a:t>Hiện</a:t>
+            </a:r>
+            <a:r>
+              <a:rPr lang="en-US" sz="2400" dirty="0" smtClean="0">
+                <a:solidFill>
+                  <a:schemeClr val="accent2">
+                    <a:lumMod val="75000"/>
+                  </a:schemeClr>
+                </a:solidFill>
+                <a:latin typeface="Times New Roman" panose="02020603050405020304" pitchFamily="18" charset="0"/>
+                <a:cs typeface="Times New Roman" panose="02020603050405020304" pitchFamily="18" charset="0"/>
+              </a:rPr>
+              <a:t> </a:t>
+            </a:r>
+            <a:r>
+              <a:rPr lang="en-US" sz="2400" dirty="0" err="1" smtClean="0">
+                <a:solidFill>
+                  <a:schemeClr val="accent2">
+                    <a:lumMod val="75000"/>
+                  </a:schemeClr>
+                </a:solidFill>
+                <a:latin typeface="Times New Roman" panose="02020603050405020304" pitchFamily="18" charset="0"/>
+                <a:cs typeface="Times New Roman" panose="02020603050405020304" pitchFamily="18" charset="0"/>
+              </a:rPr>
+              <a:t>thị</a:t>
+            </a:r>
+            <a:r>
+              <a:rPr lang="en-US" sz="2400" dirty="0" smtClean="0">
+                <a:solidFill>
+                  <a:schemeClr val="accent2">
+                    <a:lumMod val="75000"/>
+                  </a:schemeClr>
+                </a:solidFill>
+                <a:latin typeface="Times New Roman" panose="02020603050405020304" pitchFamily="18" charset="0"/>
+                <a:cs typeface="Times New Roman" panose="02020603050405020304" pitchFamily="18" charset="0"/>
+              </a:rPr>
+              <a:t> </a:t>
+            </a:r>
+            <a:r>
+              <a:rPr lang="en-US" sz="2400" dirty="0" err="1" smtClean="0">
+                <a:solidFill>
+                  <a:schemeClr val="accent2">
+                    <a:lumMod val="75000"/>
+                  </a:schemeClr>
+                </a:solidFill>
+                <a:latin typeface="Times New Roman" panose="02020603050405020304" pitchFamily="18" charset="0"/>
+                <a:cs typeface="Times New Roman" panose="02020603050405020304" pitchFamily="18" charset="0"/>
+              </a:rPr>
+              <a:t>thức</a:t>
+            </a:r>
+            <a:r>
+              <a:rPr lang="en-US" sz="2400" dirty="0" smtClean="0">
+                <a:solidFill>
+                  <a:schemeClr val="accent2">
+                    <a:lumMod val="75000"/>
+                  </a:schemeClr>
+                </a:solidFill>
+                <a:latin typeface="Times New Roman" panose="02020603050405020304" pitchFamily="18" charset="0"/>
+                <a:cs typeface="Times New Roman" panose="02020603050405020304" pitchFamily="18" charset="0"/>
+              </a:rPr>
+              <a:t> </a:t>
+            </a:r>
+            <a:r>
+              <a:rPr lang="en-US" sz="2400" dirty="0" err="1" smtClean="0">
+                <a:solidFill>
+                  <a:schemeClr val="accent2">
+                    <a:lumMod val="75000"/>
+                  </a:schemeClr>
+                </a:solidFill>
+                <a:latin typeface="Times New Roman" panose="02020603050405020304" pitchFamily="18" charset="0"/>
+                <a:cs typeface="Times New Roman" panose="02020603050405020304" pitchFamily="18" charset="0"/>
+              </a:rPr>
+              <a:t>ăn</a:t>
+            </a:r>
+            <a:r>
+              <a:rPr lang="en-US" sz="2400" dirty="0" smtClean="0">
+                <a:solidFill>
+                  <a:schemeClr val="accent2">
+                    <a:lumMod val="75000"/>
+                  </a:schemeClr>
+                </a:solidFill>
+                <a:latin typeface="Times New Roman" panose="02020603050405020304" pitchFamily="18" charset="0"/>
+                <a:cs typeface="Times New Roman" panose="02020603050405020304" pitchFamily="18" charset="0"/>
+              </a:rPr>
+              <a:t>:</a:t>
+            </a:r>
+          </a:p>
+        </p:txBody>
+      </p:sp>
+      <p:pic>
+        <p:nvPicPr>
+          <p:cNvPr id="5" name="Picture 4"/>
+          <p:cNvPicPr>
+            <a:picLocks noChangeAspect="1"/>
+          </p:cNvPicPr>
+          <p:nvPr/>
+        </p:nvPicPr>
+        <p:blipFill>
+          <a:blip r:embed="rId3"/>
+          <a:stretch>
+            <a:fillRect/>
+          </a:stretch>
+        </p:blipFill>
+        <p:spPr>
+          <a:xfrm>
+            <a:off x="4145852" y="1268760"/>
+            <a:ext cx="4038028" cy="3387479"/>
+          </a:xfrm>
+          <a:prstGeom prst="rect">
+            <a:avLst/>
+          </a:prstGeom>
+        </p:spPr>
+      </p:pic>
+      <p:sp>
+        <p:nvSpPr>
+          <p:cNvPr id="6" name="Rectangle 1"/>
+          <p:cNvSpPr>
+            <a:spLocks noChangeArrowheads="1"/>
+          </p:cNvSpPr>
+          <p:nvPr/>
+        </p:nvSpPr>
+        <p:spPr bwMode="auto">
+          <a:xfrm rot="10800000" flipV="1">
+            <a:off x="254529" y="2020350"/>
+            <a:ext cx="3594760" cy="2031325"/>
+          </a:xfrm>
+          <a:prstGeom prst="rect">
+            <a:avLst/>
+          </a:prstGeom>
+          <a:solidFill>
+            <a:srgbClr val="F9F2F4"/>
+          </a:solidFill>
+          <a:ln>
+            <a:noFill/>
+          </a:ln>
+          <a:effectLst/>
+          <a:extLst>
+            <a:ext uri="{91240B29-F687-4F45-9708-019B960494DF}">
+              <a14:hiddenLine xmlns:a14="http://schemas.microsoft.com/office/drawing/2010/main" w="9525">
+                <a:solidFill>
+                  <a:schemeClr val="tx1"/>
+                </a:solidFill>
+                <a:miter lim="800000"/>
+                <a:headEnd/>
+                <a:tailEnd/>
+              </a14:hiddenLine>
+            </a:ext>
+            <a:ext uri="{AF507438-7753-43E0-B8FC-AC1667EBCBE1}">
+              <a14:hiddenEffects xmlns:a14="http://schemas.microsoft.com/office/drawing/2010/main">
+                <a:effectLst>
+                  <a:outerShdw dist="35921" dir="2700000" algn="ctr" rotWithShape="0">
+                    <a:schemeClr val="bg2"/>
+                  </a:outerShdw>
+                </a:effectLst>
+              </a14:hiddenEffects>
+            </a:ext>
+          </a:extLst>
+        </p:spPr>
+        <p:txBody>
+          <a:bodyPr vert="horz" wrap="square" lIns="91440" tIns="45720" rIns="91440" bIns="45720" numCol="1" anchor="ctr" anchorCtr="0" compatLnSpc="1">
+            <a:prstTxWarp prst="textNoShape">
+              <a:avLst/>
+            </a:prstTxWarp>
+            <a:spAutoFit/>
+          </a:bodyPr>
+          <a:lstStyle>
+            <a:lvl1pPr eaLnBrk="0" fontAlgn="base" hangingPunct="0">
+              <a:spcBef>
+                <a:spcPct val="0"/>
+              </a:spcBef>
+              <a:spcAft>
+                <a:spcPct val="0"/>
+              </a:spcAft>
+              <a:defRPr>
+                <a:solidFill>
+                  <a:schemeClr val="tx1"/>
+                </a:solidFill>
+                <a:latin typeface="Arial" panose="020B0604020202020204" pitchFamily="34" charset="0"/>
+              </a:defRPr>
+            </a:lvl1pPr>
+            <a:lvl2pPr eaLnBrk="0" fontAlgn="base" hangingPunct="0">
+              <a:spcBef>
+                <a:spcPct val="0"/>
+              </a:spcBef>
+              <a:spcAft>
+                <a:spcPct val="0"/>
+              </a:spcAft>
+              <a:defRPr>
+                <a:solidFill>
+                  <a:schemeClr val="tx1"/>
+                </a:solidFill>
+                <a:latin typeface="Arial" panose="020B0604020202020204" pitchFamily="34" charset="0"/>
+              </a:defRPr>
+            </a:lvl2pPr>
+            <a:lvl3pPr eaLnBrk="0" fontAlgn="base" hangingPunct="0">
+              <a:spcBef>
+                <a:spcPct val="0"/>
+              </a:spcBef>
+              <a:spcAft>
+                <a:spcPct val="0"/>
+              </a:spcAft>
+              <a:defRPr>
+                <a:solidFill>
+                  <a:schemeClr val="tx1"/>
+                </a:solidFill>
+                <a:latin typeface="Arial" panose="020B0604020202020204" pitchFamily="34" charset="0"/>
+              </a:defRPr>
+            </a:lvl3pPr>
+            <a:lvl4pPr eaLnBrk="0" fontAlgn="base" hangingPunct="0">
+              <a:spcBef>
+                <a:spcPct val="0"/>
+              </a:spcBef>
+              <a:spcAft>
+                <a:spcPct val="0"/>
+              </a:spcAft>
+              <a:defRPr>
+                <a:solidFill>
+                  <a:schemeClr val="tx1"/>
+                </a:solidFill>
+                <a:latin typeface="Arial" panose="020B0604020202020204" pitchFamily="34" charset="0"/>
+              </a:defRPr>
+            </a:lvl4pPr>
+            <a:lvl5pPr eaLnBrk="0" fontAlgn="base" hangingPunct="0">
+              <a:spcBef>
+                <a:spcPct val="0"/>
+              </a:spcBef>
+              <a:spcAft>
+                <a:spcPct val="0"/>
+              </a:spcAft>
+              <a:defRPr>
+                <a:solidFill>
+                  <a:schemeClr val="tx1"/>
+                </a:solidFill>
+                <a:latin typeface="Arial" panose="020B0604020202020204" pitchFamily="34" charset="0"/>
+              </a:defRPr>
+            </a:lvl5pPr>
+            <a:lvl6pPr eaLnBrk="0" fontAlgn="base" hangingPunct="0">
+              <a:spcBef>
+                <a:spcPct val="0"/>
+              </a:spcBef>
+              <a:spcAft>
+                <a:spcPct val="0"/>
+              </a:spcAft>
+              <a:defRPr>
+                <a:solidFill>
+                  <a:schemeClr val="tx1"/>
+                </a:solidFill>
+                <a:latin typeface="Arial" panose="020B0604020202020204" pitchFamily="34" charset="0"/>
+              </a:defRPr>
+            </a:lvl6pPr>
+            <a:lvl7pPr eaLnBrk="0" fontAlgn="base" hangingPunct="0">
+              <a:spcBef>
+                <a:spcPct val="0"/>
+              </a:spcBef>
+              <a:spcAft>
+                <a:spcPct val="0"/>
+              </a:spcAft>
+              <a:defRPr>
+                <a:solidFill>
+                  <a:schemeClr val="tx1"/>
+                </a:solidFill>
+                <a:latin typeface="Arial" panose="020B0604020202020204" pitchFamily="34" charset="0"/>
+              </a:defRPr>
+            </a:lvl7pPr>
+            <a:lvl8pPr eaLnBrk="0" fontAlgn="base" hangingPunct="0">
+              <a:spcBef>
+                <a:spcPct val="0"/>
+              </a:spcBef>
+              <a:spcAft>
+                <a:spcPct val="0"/>
+              </a:spcAft>
+              <a:defRPr>
+                <a:solidFill>
+                  <a:schemeClr val="tx1"/>
+                </a:solidFill>
+                <a:latin typeface="Arial" panose="020B0604020202020204" pitchFamily="34" charset="0"/>
+              </a:defRPr>
+            </a:lvl8pPr>
+            <a:lvl9pPr eaLnBrk="0" fontAlgn="base" hangingPunct="0">
+              <a:spcBef>
+                <a:spcPct val="0"/>
+              </a:spcBef>
+              <a:spcAft>
+                <a:spcPct val="0"/>
+              </a:spcAft>
+              <a:defRPr>
+                <a:solidFill>
+                  <a:schemeClr val="tx1"/>
+                </a:solidFill>
+                <a:latin typeface="Arial" panose="020B0604020202020204" pitchFamily="34" charset="0"/>
+              </a:defRPr>
+            </a:lvl9pPr>
+          </a:lstStyle>
+          <a:p>
+            <a:pPr algn="just"/>
+            <a:r>
+              <a:rPr lang="vi-VN" altLang="vi-VN" dirty="0">
+                <a:solidFill>
+                  <a:srgbClr val="333333"/>
+                </a:solidFill>
+                <a:latin typeface="Times New Roman" panose="02020603050405020304" pitchFamily="18" charset="0"/>
+                <a:cs typeface="Times New Roman" panose="02020603050405020304" pitchFamily="18" charset="0"/>
+              </a:rPr>
+              <a:t> </a:t>
+            </a:r>
+            <a:r>
+              <a:rPr lang="vi-VN" altLang="vi-VN" dirty="0" smtClean="0">
+                <a:solidFill>
+                  <a:srgbClr val="333333"/>
+                </a:solidFill>
+                <a:latin typeface="Times New Roman" panose="02020603050405020304" pitchFamily="18" charset="0"/>
+                <a:cs typeface="Times New Roman" panose="02020603050405020304" pitchFamily="18" charset="0"/>
+              </a:rPr>
+              <a:t>Ta sẽ </a:t>
+            </a:r>
+            <a:r>
+              <a:rPr lang="vi-VN" altLang="vi-VN" dirty="0">
+                <a:solidFill>
+                  <a:srgbClr val="333333"/>
+                </a:solidFill>
+                <a:latin typeface="Times New Roman" panose="02020603050405020304" pitchFamily="18" charset="0"/>
+                <a:cs typeface="Times New Roman" panose="02020603050405020304" pitchFamily="18" charset="0"/>
+              </a:rPr>
+              <a:t>hiển thị ra thức ăn để rắn có thể ăn. Tạo thêm một file </a:t>
+            </a:r>
+            <a:r>
+              <a:rPr lang="vi-VN" altLang="vi-VN" dirty="0">
+                <a:solidFill>
+                  <a:srgbClr val="C7254E"/>
+                </a:solidFill>
+                <a:latin typeface="Times New Roman" panose="02020603050405020304" pitchFamily="18" charset="0"/>
+                <a:cs typeface="Times New Roman" panose="02020603050405020304" pitchFamily="18" charset="0"/>
+              </a:rPr>
+              <a:t>food.js</a:t>
+            </a:r>
+            <a:r>
+              <a:rPr lang="vi-VN" altLang="vi-VN" dirty="0">
+                <a:solidFill>
+                  <a:srgbClr val="333333"/>
+                </a:solidFill>
+                <a:latin typeface="Times New Roman" panose="02020603050405020304" pitchFamily="18" charset="0"/>
+                <a:cs typeface="Times New Roman" panose="02020603050405020304" pitchFamily="18" charset="0"/>
+              </a:rPr>
+              <a:t> nữa để xử lý phần </a:t>
+            </a:r>
+            <a:r>
+              <a:rPr lang="vi-VN" altLang="vi-VN" dirty="0" smtClean="0">
+                <a:solidFill>
+                  <a:srgbClr val="333333"/>
+                </a:solidFill>
+                <a:latin typeface="Times New Roman" panose="02020603050405020304" pitchFamily="18" charset="0"/>
+                <a:cs typeface="Times New Roman" panose="02020603050405020304" pitchFamily="18" charset="0"/>
+              </a:rPr>
+              <a:t>này</a:t>
+            </a:r>
+            <a:r>
+              <a:rPr kumimoji="0" lang="vi-VN" altLang="vi-VN" b="0" i="0" u="none" strike="noStrike" cap="none" normalizeH="0" baseline="0" dirty="0" smtClean="0">
+                <a:ln>
+                  <a:noFill/>
+                </a:ln>
+                <a:solidFill>
+                  <a:srgbClr val="333333"/>
+                </a:solidFill>
+                <a:effectLst/>
+                <a:latin typeface="Times New Roman" panose="02020603050405020304" pitchFamily="18" charset="0"/>
+                <a:cs typeface="Times New Roman" panose="02020603050405020304" pitchFamily="18" charset="0"/>
+              </a:rPr>
+              <a:t>. Sẽ có hàm newFood() để tạo lại tọa độ của thức ăn một cách ngẫu nhiên và một hàm</a:t>
+            </a:r>
+            <a:r>
+              <a:rPr kumimoji="0" lang="vi-VN" altLang="vi-VN" b="0" i="0" u="none" strike="noStrike" cap="none" normalizeH="0" baseline="0" dirty="0" smtClean="0">
+                <a:ln>
+                  <a:noFill/>
+                </a:ln>
+                <a:solidFill>
+                  <a:srgbClr val="C7254E"/>
+                </a:solidFill>
+                <a:effectLst/>
+                <a:latin typeface="Times New Roman" panose="02020603050405020304" pitchFamily="18" charset="0"/>
+                <a:cs typeface="Times New Roman" panose="02020603050405020304" pitchFamily="18" charset="0"/>
+              </a:rPr>
+              <a:t> show()</a:t>
+            </a:r>
+            <a:r>
+              <a:rPr kumimoji="0" lang="vi-VN" altLang="vi-VN" b="0" i="0" u="none" strike="noStrike" cap="none" normalizeH="0" baseline="0" dirty="0" smtClean="0">
+                <a:ln>
+                  <a:noFill/>
+                </a:ln>
+                <a:solidFill>
+                  <a:srgbClr val="333333"/>
+                </a:solidFill>
+                <a:effectLst/>
+                <a:latin typeface="Times New Roman" panose="02020603050405020304" pitchFamily="18" charset="0"/>
+                <a:cs typeface="Times New Roman" panose="02020603050405020304" pitchFamily="18" charset="0"/>
+              </a:rPr>
+              <a:t> để hiển thi lên màn hình game.</a:t>
+            </a:r>
+            <a:endParaRPr kumimoji="0" lang="vi-VN" altLang="vi-VN" b="0" i="0" u="none" strike="noStrike" cap="none" normalizeH="0" baseline="0" dirty="0" smtClean="0">
+              <a:ln>
+                <a:noFill/>
+              </a:ln>
+              <a:solidFill>
+                <a:schemeClr val="tx1"/>
+              </a:solidFill>
+              <a:effectLst/>
+              <a:latin typeface="Times New Roman" panose="02020603050405020304" pitchFamily="18" charset="0"/>
+              <a:cs typeface="Times New Roman" panose="02020603050405020304" pitchFamily="18" charset="0"/>
+            </a:endParaRPr>
+          </a:p>
+        </p:txBody>
+      </p:sp>
+      <p:sp>
+        <p:nvSpPr>
+          <p:cNvPr id="9" name="Rectangle 8"/>
+          <p:cNvSpPr/>
+          <p:nvPr/>
+        </p:nvSpPr>
+        <p:spPr>
+          <a:xfrm>
+            <a:off x="1475656" y="5246597"/>
+            <a:ext cx="2013516" cy="923330"/>
+          </a:xfrm>
+          <a:prstGeom prst="rect">
+            <a:avLst/>
+          </a:prstGeom>
+        </p:spPr>
+        <p:txBody>
+          <a:bodyPr wrap="square">
+            <a:spAutoFit/>
+          </a:bodyPr>
+          <a:lstStyle/>
+          <a:p>
+            <a:r>
+              <a:rPr lang="vi-VN" altLang="vi-VN" dirty="0" smtClean="0">
+                <a:solidFill>
+                  <a:srgbClr val="333333"/>
+                </a:solidFill>
+                <a:latin typeface="Times New Roman" panose="02020603050405020304" pitchFamily="18" charset="0"/>
+                <a:cs typeface="Times New Roman" panose="02020603050405020304" pitchFamily="18" charset="0"/>
+              </a:rPr>
+              <a:t>Sau </a:t>
+            </a:r>
+            <a:r>
+              <a:rPr lang="vi-VN" altLang="vi-VN" dirty="0">
+                <a:solidFill>
+                  <a:srgbClr val="333333"/>
+                </a:solidFill>
+                <a:latin typeface="Times New Roman" panose="02020603050405020304" pitchFamily="18" charset="0"/>
+                <a:cs typeface="Times New Roman" panose="02020603050405020304" pitchFamily="18" charset="0"/>
+              </a:rPr>
+              <a:t>đó </a:t>
+            </a:r>
+            <a:r>
+              <a:rPr lang="vi-VN" altLang="vi-VN" dirty="0" smtClean="0">
+                <a:solidFill>
+                  <a:srgbClr val="333333"/>
+                </a:solidFill>
+                <a:latin typeface="Times New Roman" panose="02020603050405020304" pitchFamily="18" charset="0"/>
+                <a:cs typeface="Times New Roman" panose="02020603050405020304" pitchFamily="18" charset="0"/>
+              </a:rPr>
+              <a:t>trong hàm   </a:t>
+            </a:r>
+            <a:r>
+              <a:rPr lang="vi-VN" altLang="vi-VN" dirty="0" smtClean="0">
+                <a:solidFill>
+                  <a:srgbClr val="C7254E"/>
+                </a:solidFill>
+                <a:latin typeface="Times New Roman" panose="02020603050405020304" pitchFamily="18" charset="0"/>
+                <a:cs typeface="Times New Roman" panose="02020603050405020304" pitchFamily="18" charset="0"/>
+              </a:rPr>
+              <a:t>drawSnake</a:t>
+            </a:r>
+            <a:r>
+              <a:rPr lang="vi-VN" altLang="vi-VN" dirty="0">
+                <a:solidFill>
+                  <a:srgbClr val="C7254E"/>
+                </a:solidFill>
+                <a:latin typeface="Times New Roman" panose="02020603050405020304" pitchFamily="18" charset="0"/>
+                <a:cs typeface="Times New Roman" panose="02020603050405020304" pitchFamily="18" charset="0"/>
+              </a:rPr>
+              <a:t>()</a:t>
+            </a:r>
+            <a:r>
+              <a:rPr lang="vi-VN" altLang="vi-VN" dirty="0">
+                <a:solidFill>
+                  <a:srgbClr val="333333"/>
+                </a:solidFill>
+                <a:latin typeface="Times New Roman" panose="02020603050405020304" pitchFamily="18" charset="0"/>
+                <a:cs typeface="Times New Roman" panose="02020603050405020304" pitchFamily="18" charset="0"/>
+              </a:rPr>
+              <a:t> chỉ cần gọi thêm </a:t>
+            </a:r>
+            <a:endParaRPr lang="vi-VN" dirty="0"/>
+          </a:p>
+        </p:txBody>
+      </p:sp>
+      <p:pic>
+        <p:nvPicPr>
+          <p:cNvPr id="10" name="Picture 9"/>
+          <p:cNvPicPr>
+            <a:picLocks noChangeAspect="1"/>
+          </p:cNvPicPr>
+          <p:nvPr/>
+        </p:nvPicPr>
+        <p:blipFill>
+          <a:blip r:embed="rId4"/>
+          <a:stretch>
+            <a:fillRect/>
+          </a:stretch>
+        </p:blipFill>
+        <p:spPr>
+          <a:xfrm>
+            <a:off x="3995936" y="5557563"/>
+            <a:ext cx="1394581" cy="464860"/>
+          </a:xfrm>
+          <a:prstGeom prst="rect">
+            <a:avLst/>
+          </a:prstGeom>
+        </p:spPr>
+      </p:pic>
+    </p:spTree>
+    <p:extLst>
+      <p:ext uri="{BB962C8B-B14F-4D97-AF65-F5344CB8AC3E}">
+        <p14:creationId xmlns:p14="http://schemas.microsoft.com/office/powerpoint/2010/main" val="2404849995"/>
+      </p:ext>
+    </p:extLst>
+  </p:cSld>
+  <p:clrMapOvr>
+    <a:masterClrMapping/>
+  </p:clrMapOvr>
+  <p:transition spd="slow">
+    <p:push dir="u"/>
+  </p:transition>
   <p:timing>
     <p:tnLst>
       <p:par>
@@ -7765,6 +13192,14 @@
 </file>
 
 <file path=customXml/item1.xml><?xml version="1.0" encoding="utf-8"?>
+<p:properties xmlns:p="http://schemas.microsoft.com/office/2006/metadata/properties" xmlns:xsi="http://www.w3.org/2001/XMLSchema-instance" xmlns:pc="http://schemas.microsoft.com/office/infopath/2007/PartnerControls">
+  <documentManagement>
+    <MediaServiceKeyPoints xmlns="71af3243-3dd4-4a8d-8c0d-dd76da1f02a5" xsi:nil="true"/>
+  </documentManagement>
+</p:properties>
+</file>
+
+<file path=customXml/item2.xml><?xml version="1.0" encoding="utf-8"?>
 <ct:contentTypeSchema xmlns:ct="http://schemas.microsoft.com/office/2006/metadata/contentType" xmlns:ma="http://schemas.microsoft.com/office/2006/metadata/properties/metaAttributes" ct:_="" ma:_="" ma:contentTypeName="Document" ma:contentTypeID="0x01010079F111ED35F8CC479449609E8A0923A6" ma:contentTypeVersion="11" ma:contentTypeDescription="Create a new document." ma:contentTypeScope="" ma:versionID="96291512c1ee715ab617f4c07df79fc1">
   <xsd:schema xmlns:xsd="http://www.w3.org/2001/XMLSchema" xmlns:xs="http://www.w3.org/2001/XMLSchema" xmlns:p="http://schemas.microsoft.com/office/2006/metadata/properties" xmlns:ns2="71af3243-3dd4-4a8d-8c0d-dd76da1f02a5" xmlns:ns3="16c05727-aa75-4e4a-9b5f-8a80a1165891" targetNamespace="http://schemas.microsoft.com/office/2006/metadata/properties" ma:root="true" ma:fieldsID="8256c27c40ca5c40ce1cf6c44f0205df" ns2:_="" ns3:_="">
     <xsd:import namespace="71af3243-3dd4-4a8d-8c0d-dd76da1f02a5"/>
@@ -7975,7 +13410,7 @@
 </ct:contentTypeSchema>
 </file>
 
-<file path=customXml/item2.xml><?xml version="1.0" encoding="utf-8"?>
+<file path=customXml/item3.xml><?xml version="1.0" encoding="utf-8"?>
 <?mso-contentType ?>
 <FormTemplates xmlns="http://schemas.microsoft.com/sharepoint/v3/contenttype/forms">
   <Display>DocumentLibraryForm</Display>
@@ -7984,15 +13419,24 @@
 </FormTemplates>
 </file>
 
-<file path=customXml/item3.xml><?xml version="1.0" encoding="utf-8"?>
-<p:properties xmlns:p="http://schemas.microsoft.com/office/2006/metadata/properties" xmlns:xsi="http://www.w3.org/2001/XMLSchema-instance" xmlns:pc="http://schemas.microsoft.com/office/infopath/2007/PartnerControls">
-  <documentManagement>
-    <MediaServiceKeyPoints xmlns="71af3243-3dd4-4a8d-8c0d-dd76da1f02a5" xsi:nil="true"/>
-  </documentManagement>
-</p:properties>
+<file path=customXml/itemProps1.xml><?xml version="1.0" encoding="utf-8"?>
+<ds:datastoreItem xmlns:ds="http://schemas.openxmlformats.org/officeDocument/2006/customXml" ds:itemID="{DCB47EFB-BDBB-4CE5-A848-1507BE3B7989}">
+  <ds:schemaRefs>
+    <ds:schemaRef ds:uri="http://schemas.microsoft.com/office/infopath/2007/PartnerControls"/>
+    <ds:schemaRef ds:uri="http://schemas.microsoft.com/office/2006/documentManagement/types"/>
+    <ds:schemaRef ds:uri="http://schemas.microsoft.com/office/2006/metadata/properties"/>
+    <ds:schemaRef ds:uri="16c05727-aa75-4e4a-9b5f-8a80a1165891"/>
+    <ds:schemaRef ds:uri="http://purl.org/dc/elements/1.1/"/>
+    <ds:schemaRef ds:uri="71af3243-3dd4-4a8d-8c0d-dd76da1f02a5"/>
+    <ds:schemaRef ds:uri="http://purl.org/dc/dcmitype/"/>
+    <ds:schemaRef ds:uri="http://schemas.openxmlformats.org/package/2006/metadata/core-properties"/>
+    <ds:schemaRef ds:uri="http://www.w3.org/XML/1998/namespace"/>
+    <ds:schemaRef ds:uri="http://purl.org/dc/terms/"/>
+  </ds:schemaRefs>
+</ds:datastoreItem>
 </file>
 
-<file path=customXml/itemProps1.xml><?xml version="1.0" encoding="utf-8"?>
+<file path=customXml/itemProps2.xml><?xml version="1.0" encoding="utf-8"?>
 <ds:datastoreItem xmlns:ds="http://schemas.openxmlformats.org/officeDocument/2006/customXml" ds:itemID="{B1AD0D4C-03C4-489C-932A-66E2D74FA6D5}">
   <ds:schemaRefs>
     <ds:schemaRef ds:uri="http://schemas.microsoft.com/office/2006/metadata/contentType"/>
@@ -8011,20 +13455,10 @@
 </ds:datastoreItem>
 </file>
 
-<file path=customXml/itemProps2.xml><?xml version="1.0" encoding="utf-8"?>
+<file path=customXml/itemProps3.xml><?xml version="1.0" encoding="utf-8"?>
 <ds:datastoreItem xmlns:ds="http://schemas.openxmlformats.org/officeDocument/2006/customXml" ds:itemID="{3DC31EBE-A492-4CE5-9650-1E2C8FDDD7CE}">
   <ds:schemaRefs>
     <ds:schemaRef ds:uri="http://schemas.microsoft.com/sharepoint/v3/contenttype/forms"/>
   </ds:schemaRefs>
 </ds:datastoreItem>
-</file>
-
-<file path=customXml/itemProps3.xml><?xml version="1.0" encoding="utf-8"?>
-<ds:datastoreItem xmlns:ds="http://schemas.openxmlformats.org/officeDocument/2006/customXml" ds:itemID="{DCB47EFB-BDBB-4CE5-A848-1507BE3B7989}">
-  <ds:schemaRefs>
-    <ds:schemaRef ds:uri="http://schemas.microsoft.com/office/2006/metadata/properties"/>
-    <ds:schemaRef ds:uri="http://schemas.microsoft.com/office/infopath/2007/PartnerControls"/>
-    <ds:schemaRef ds:uri="71af3243-3dd4-4a8d-8c0d-dd76da1f02a5"/>
-  </ds:schemaRefs>
-</ds:datastoreItem>
 </file>
--- a/CASE-STUDY.pptx
+++ b/CASE-STUDY.pptx
@@ -238,7 +238,7 @@
           <a:p>
             <a:fld id="{0BAB0719-0C0B-4FCD-8C42-A758D216E1BD}" type="datetimeFigureOut">
               <a:rPr lang="en-US" smtClean="0"/>
-              <a:t>3/16/2023</a:t>
+              <a:t>3/20/2023</a:t>
             </a:fld>
             <a:endParaRPr lang="en-US" dirty="0"/>
           </a:p>
@@ -416,7 +416,7 @@
             <a:fld id="{925A17EF-115B-4BB9-BF42-426DFD9E898A}" type="datetimeFigureOut">
               <a:rPr lang="en-US" smtClean="0"/>
               <a:pPr/>
-              <a:t>3/16/2023</a:t>
+              <a:t>3/20/2023</a:t>
             </a:fld>
             <a:endParaRPr lang="en-US" dirty="0"/>
           </a:p>
@@ -1857,7 +1857,7 @@
             <a:blip r:embed="rId2">
               <a:extLst>
                 <a:ext uri="{96DAC541-7B7A-43D3-8B79-37D633B846F1}">
-                  <asvg:svgBlip xmlns="" xmlns:asvg="http://schemas.microsoft.com/office/drawing/2016/SVG/main" r:embed="rId3"/>
+                  <asvg:svgBlip xmlns:asvg="http://schemas.microsoft.com/office/drawing/2016/SVG/main" xmlns="" r:embed="rId3"/>
                 </a:ext>
               </a:extLst>
             </a:blip>
@@ -1893,7 +1893,7 @@
             <a:blip r:embed="rId4">
               <a:extLst>
                 <a:ext uri="{96DAC541-7B7A-43D3-8B79-37D633B846F1}">
-                  <asvg:svgBlip xmlns="" xmlns:asvg="http://schemas.microsoft.com/office/drawing/2016/SVG/main" r:embed="rId5"/>
+                  <asvg:svgBlip xmlns:asvg="http://schemas.microsoft.com/office/drawing/2016/SVG/main" xmlns="" r:embed="rId5"/>
                 </a:ext>
               </a:extLst>
             </a:blip>
@@ -1929,7 +1929,7 @@
             <a:blip r:embed="rId6">
               <a:extLst>
                 <a:ext uri="{96DAC541-7B7A-43D3-8B79-37D633B846F1}">
-                  <asvg:svgBlip xmlns="" xmlns:asvg="http://schemas.microsoft.com/office/drawing/2016/SVG/main" r:embed="rId7"/>
+                  <asvg:svgBlip xmlns:asvg="http://schemas.microsoft.com/office/drawing/2016/SVG/main" xmlns="" r:embed="rId7"/>
                 </a:ext>
               </a:extLst>
             </a:blip>
@@ -1965,7 +1965,7 @@
             <a:blip r:embed="rId8">
               <a:extLst>
                 <a:ext uri="{96DAC541-7B7A-43D3-8B79-37D633B846F1}">
-                  <asvg:svgBlip xmlns="" xmlns:asvg="http://schemas.microsoft.com/office/drawing/2016/SVG/main" r:embed="rId9"/>
+                  <asvg:svgBlip xmlns:asvg="http://schemas.microsoft.com/office/drawing/2016/SVG/main" xmlns="" r:embed="rId9"/>
                 </a:ext>
               </a:extLst>
             </a:blip>
@@ -2001,7 +2001,7 @@
             <a:blip r:embed="rId10">
               <a:extLst>
                 <a:ext uri="{96DAC541-7B7A-43D3-8B79-37D633B846F1}">
-                  <asvg:svgBlip xmlns="" xmlns:asvg="http://schemas.microsoft.com/office/drawing/2016/SVG/main" r:embed="rId11"/>
+                  <asvg:svgBlip xmlns:asvg="http://schemas.microsoft.com/office/drawing/2016/SVG/main" xmlns="" r:embed="rId11"/>
                 </a:ext>
               </a:extLst>
             </a:blip>
@@ -2158,7 +2158,7 @@
             <a:fld id="{A2E209FB-7A34-414B-812A-BCC5C4256F49}" type="datetime1">
               <a:rPr lang="en-US" smtClean="0"/>
               <a:pPr algn="r"/>
-              <a:t>3/16/2023</a:t>
+              <a:t>3/20/2023</a:t>
             </a:fld>
             <a:endParaRPr lang="en-US" sz="1000" dirty="0"/>
           </a:p>
@@ -2421,7 +2421,7 @@
             <a:blip r:embed="rId2">
               <a:extLst>
                 <a:ext uri="{96DAC541-7B7A-43D3-8B79-37D633B846F1}">
-                  <asvg:svgBlip xmlns="" xmlns:asvg="http://schemas.microsoft.com/office/drawing/2016/SVG/main" r:embed="rId3"/>
+                  <asvg:svgBlip xmlns:asvg="http://schemas.microsoft.com/office/drawing/2016/SVG/main" xmlns="" r:embed="rId3"/>
                 </a:ext>
               </a:extLst>
             </a:blip>
@@ -2457,7 +2457,7 @@
             <a:blip r:embed="rId4">
               <a:extLst>
                 <a:ext uri="{96DAC541-7B7A-43D3-8B79-37D633B846F1}">
-                  <asvg:svgBlip xmlns="" xmlns:asvg="http://schemas.microsoft.com/office/drawing/2016/SVG/main" r:embed="rId5"/>
+                  <asvg:svgBlip xmlns:asvg="http://schemas.microsoft.com/office/drawing/2016/SVG/main" xmlns="" r:embed="rId5"/>
                 </a:ext>
               </a:extLst>
             </a:blip>
@@ -3255,7 +3255,7 @@
             <a:blip r:embed="rId7">
               <a:extLst>
                 <a:ext uri="{96DAC541-7B7A-43D3-8B79-37D633B846F1}">
-                  <asvg:svgBlip xmlns="" xmlns:asvg="http://schemas.microsoft.com/office/drawing/2016/SVG/main" r:embed="rId8"/>
+                  <asvg:svgBlip xmlns:asvg="http://schemas.microsoft.com/office/drawing/2016/SVG/main" xmlns="" r:embed="rId8"/>
                 </a:ext>
               </a:extLst>
             </a:blip>
@@ -3291,7 +3291,7 @@
             <a:blip r:embed="rId9">
               <a:extLst>
                 <a:ext uri="{96DAC541-7B7A-43D3-8B79-37D633B846F1}">
-                  <asvg:svgBlip xmlns="" xmlns:asvg="http://schemas.microsoft.com/office/drawing/2016/SVG/main" r:embed="rId10"/>
+                  <asvg:svgBlip xmlns:asvg="http://schemas.microsoft.com/office/drawing/2016/SVG/main" xmlns="" r:embed="rId10"/>
                 </a:ext>
               </a:extLst>
             </a:blip>
@@ -3496,7 +3496,7 @@
           <a:blip r:embed="rId11">
             <a:extLst>
               <a:ext uri="{96DAC541-7B7A-43D3-8B79-37D633B846F1}">
-                <asvg:svgBlip xmlns="" xmlns:asvg="http://schemas.microsoft.com/office/drawing/2016/SVG/main" r:embed="rId12"/>
+                <asvg:svgBlip xmlns:asvg="http://schemas.microsoft.com/office/drawing/2016/SVG/main" xmlns="" r:embed="rId12"/>
               </a:ext>
             </a:extLst>
           </a:blip>
@@ -3532,7 +3532,7 @@
           <a:blip r:embed="rId13">
             <a:extLst>
               <a:ext uri="{96DAC541-7B7A-43D3-8B79-37D633B846F1}">
-                <asvg:svgBlip xmlns="" xmlns:asvg="http://schemas.microsoft.com/office/drawing/2016/SVG/main" r:embed="rId14"/>
+                <asvg:svgBlip xmlns:asvg="http://schemas.microsoft.com/office/drawing/2016/SVG/main" xmlns="" r:embed="rId14"/>
               </a:ext>
             </a:extLst>
           </a:blip>
@@ -4094,7 +4094,7 @@
                 <a16:creationId xmlns:a16="http://schemas.microsoft.com/office/drawing/2014/main" id="{5BFF15B5-B6C3-4E20-967D-9B191EBA50C9}"/>
               </a:ext>
               <a:ext uri="{C183D7F6-B498-43B3-948B-1728B52AA6E4}">
-                <adec:decorative xmlns="" xmlns:adec="http://schemas.microsoft.com/office/drawing/2017/decorative" val="1"/>
+                <adec:decorative xmlns:adec="http://schemas.microsoft.com/office/drawing/2017/decorative" xmlns="" val="1"/>
               </a:ext>
             </a:extLst>
           </p:cNvPr>
@@ -4677,13 +4677,13 @@
   <p:clrMapOvr>
     <a:masterClrMapping/>
   </p:clrMapOvr>
-  <mc:AlternateContent xmlns:mc="http://schemas.openxmlformats.org/markup-compatibility/2006">
-    <mc:Choice xmlns:p14="http://schemas.microsoft.com/office/powerpoint/2010/main" Requires="p14">
+  <mc:AlternateContent xmlns:mc="http://schemas.openxmlformats.org/markup-compatibility/2006" xmlns:p14="http://schemas.microsoft.com/office/powerpoint/2010/main">
+    <mc:Choice Requires="p14">
       <p:transition spd="med" p14:dur="700">
         <p:fade/>
       </p:transition>
     </mc:Choice>
-    <mc:Fallback>
+    <mc:Fallback xmlns="">
       <p:transition spd="med">
         <p:fade/>
       </p:transition>
@@ -4782,7 +4782,7 @@
                 <a16:creationId xmlns:a16="http://schemas.microsoft.com/office/drawing/2014/main" id="{5BFF15B5-B6C3-4E20-967D-9B191EBA50C9}"/>
               </a:ext>
               <a:ext uri="{C183D7F6-B498-43B3-948B-1728B52AA6E4}">
-                <adec:decorative xmlns="" xmlns:adec="http://schemas.microsoft.com/office/drawing/2017/decorative" val="1"/>
+                <adec:decorative xmlns:adec="http://schemas.microsoft.com/office/drawing/2017/decorative" xmlns="" val="1"/>
               </a:ext>
             </a:extLst>
           </p:cNvPr>
@@ -5455,7 +5455,7 @@
                 <a16:creationId xmlns:a16="http://schemas.microsoft.com/office/drawing/2014/main" id="{5BFF15B5-B6C3-4E20-967D-9B191EBA50C9}"/>
               </a:ext>
               <a:ext uri="{C183D7F6-B498-43B3-948B-1728B52AA6E4}">
-                <adec:decorative xmlns="" xmlns:adec="http://schemas.microsoft.com/office/drawing/2017/decorative" val="1"/>
+                <adec:decorative xmlns:adec="http://schemas.microsoft.com/office/drawing/2017/decorative" xmlns="" val="1"/>
               </a:ext>
             </a:extLst>
           </p:cNvPr>
@@ -5933,13 +5933,13 @@
   <p:clrMapOvr>
     <a:masterClrMapping/>
   </p:clrMapOvr>
-  <mc:AlternateContent xmlns:mc="http://schemas.openxmlformats.org/markup-compatibility/2006">
-    <mc:Choice xmlns:p14="http://schemas.microsoft.com/office/powerpoint/2010/main" Requires="p14">
+  <mc:AlternateContent xmlns:mc="http://schemas.openxmlformats.org/markup-compatibility/2006" xmlns:p14="http://schemas.microsoft.com/office/powerpoint/2010/main">
+    <mc:Choice Requires="p14">
       <p:transition spd="slow" p14:dur="800">
         <p:circle/>
       </p:transition>
     </mc:Choice>
-    <mc:Fallback>
+    <mc:Fallback xmlns="">
       <p:transition spd="slow">
         <p:circle/>
       </p:transition>
@@ -6010,7 +6010,7 @@
                 <a16:creationId xmlns:a16="http://schemas.microsoft.com/office/drawing/2014/main" id="{5BFF15B5-B6C3-4E20-967D-9B191EBA50C9}"/>
               </a:ext>
               <a:ext uri="{C183D7F6-B498-43B3-948B-1728B52AA6E4}">
-                <adec:decorative xmlns="" xmlns:adec="http://schemas.microsoft.com/office/drawing/2017/decorative" val="1"/>
+                <adec:decorative xmlns:adec="http://schemas.microsoft.com/office/drawing/2017/decorative" xmlns="" val="1"/>
               </a:ext>
             </a:extLst>
           </p:cNvPr>
@@ -6115,13 +6115,13 @@
   <p:clrMapOvr>
     <a:masterClrMapping/>
   </p:clrMapOvr>
-  <mc:AlternateContent xmlns:mc="http://schemas.openxmlformats.org/markup-compatibility/2006">
-    <mc:Choice xmlns:p14="http://schemas.microsoft.com/office/powerpoint/2010/main" Requires="p14">
+  <mc:AlternateContent xmlns:mc="http://schemas.openxmlformats.org/markup-compatibility/2006" xmlns:p14="http://schemas.microsoft.com/office/powerpoint/2010/main">
+    <mc:Choice Requires="p14">
       <p:transition spd="slow" p14:dur="800">
         <p:circle/>
       </p:transition>
     </mc:Choice>
-    <mc:Fallback>
+    <mc:Fallback xmlns="">
       <p:transition spd="slow">
         <p:circle/>
       </p:transition>
@@ -6218,7 +6218,7 @@
                 <a16:creationId xmlns:a16="http://schemas.microsoft.com/office/drawing/2014/main" id="{1D227B02-3746-4E15-9429-D3DBB15D0457}"/>
               </a:ext>
               <a:ext uri="{C183D7F6-B498-43B3-948B-1728B52AA6E4}">
-                <adec:decorative xmlns="" xmlns:adec="http://schemas.microsoft.com/office/drawing/2017/decorative" val="1"/>
+                <adec:decorative xmlns:adec="http://schemas.microsoft.com/office/drawing/2017/decorative" xmlns="" val="1"/>
               </a:ext>
             </a:extLst>
           </p:cNvPr>
@@ -6244,7 +6244,7 @@
                   <a16:creationId xmlns:a16="http://schemas.microsoft.com/office/drawing/2014/main" id="{E7529413-DDD1-4DC1-B8ED-E3450F631ED9}"/>
                 </a:ext>
                 <a:ext uri="{C183D7F6-B498-43B3-948B-1728B52AA6E4}">
-                  <adec:decorative xmlns="" xmlns:adec="http://schemas.microsoft.com/office/drawing/2017/decorative" val="1"/>
+                  <adec:decorative xmlns:adec="http://schemas.microsoft.com/office/drawing/2017/decorative" xmlns="" val="1"/>
                 </a:ext>
               </a:extLst>
             </p:cNvPr>
@@ -6466,7 +6466,7 @@
                 <a16:creationId xmlns:a16="http://schemas.microsoft.com/office/drawing/2014/main" id="{CBE9B9A0-2E55-404A-BA78-59DB18604AD2}"/>
               </a:ext>
               <a:ext uri="{C183D7F6-B498-43B3-948B-1728B52AA6E4}">
-                <adec:decorative xmlns="" xmlns:adec="http://schemas.microsoft.com/office/drawing/2017/decorative" val="1"/>
+                <adec:decorative xmlns:adec="http://schemas.microsoft.com/office/drawing/2017/decorative" xmlns="" val="1"/>
               </a:ext>
             </a:extLst>
           </p:cNvPr>
@@ -6492,7 +6492,7 @@
                   <a16:creationId xmlns:a16="http://schemas.microsoft.com/office/drawing/2014/main" id="{2DE9FEE3-FE02-475E-8B6D-A2F80E168D6C}"/>
                 </a:ext>
                 <a:ext uri="{C183D7F6-B498-43B3-948B-1728B52AA6E4}">
-                  <adec:decorative xmlns="" xmlns:adec="http://schemas.microsoft.com/office/drawing/2017/decorative" val="1"/>
+                  <adec:decorative xmlns:adec="http://schemas.microsoft.com/office/drawing/2017/decorative" xmlns="" val="1"/>
                 </a:ext>
               </a:extLst>
             </p:cNvPr>
@@ -6738,7 +6738,7 @@
                 <a16:creationId xmlns:a16="http://schemas.microsoft.com/office/drawing/2014/main" id="{E62F7363-23DF-4B13-B949-1B67E5B9A4DB}"/>
               </a:ext>
               <a:ext uri="{C183D7F6-B498-43B3-948B-1728B52AA6E4}">
-                <adec:decorative xmlns="" xmlns:adec="http://schemas.microsoft.com/office/drawing/2017/decorative" val="1"/>
+                <adec:decorative xmlns:adec="http://schemas.microsoft.com/office/drawing/2017/decorative" xmlns="" val="1"/>
               </a:ext>
             </a:extLst>
           </p:cNvPr>
@@ -6766,7 +6766,7 @@
                   <a16:creationId xmlns:a16="http://schemas.microsoft.com/office/drawing/2014/main" id="{2115AB7A-4DE5-418F-94E6-BB81DDC828B3}"/>
                 </a:ext>
                 <a:ext uri="{C183D7F6-B498-43B3-948B-1728B52AA6E4}">
-                  <adec:decorative xmlns="" xmlns:adec="http://schemas.microsoft.com/office/drawing/2017/decorative" val="1"/>
+                  <adec:decorative xmlns:adec="http://schemas.microsoft.com/office/drawing/2017/decorative" xmlns="" val="1"/>
                 </a:ext>
               </a:extLst>
             </p:cNvPr>
@@ -6948,7 +6948,7 @@
                 <a16:creationId xmlns:a16="http://schemas.microsoft.com/office/drawing/2014/main" id="{D8BE7A4D-0952-4CCE-B4D5-5EA8630027CD}"/>
               </a:ext>
               <a:ext uri="{C183D7F6-B498-43B3-948B-1728B52AA6E4}">
-                <adec:decorative xmlns="" xmlns:adec="http://schemas.microsoft.com/office/drawing/2017/decorative" val="1"/>
+                <adec:decorative xmlns:adec="http://schemas.microsoft.com/office/drawing/2017/decorative" xmlns="" val="1"/>
               </a:ext>
             </a:extLst>
           </p:cNvPr>
@@ -6974,7 +6974,7 @@
                   <a16:creationId xmlns:a16="http://schemas.microsoft.com/office/drawing/2014/main" id="{27D052D3-5943-4CCA-A968-24C63DF3001D}"/>
                 </a:ext>
                 <a:ext uri="{C183D7F6-B498-43B3-948B-1728B52AA6E4}">
-                  <adec:decorative xmlns="" xmlns:adec="http://schemas.microsoft.com/office/drawing/2017/decorative" val="1"/>
+                  <adec:decorative xmlns:adec="http://schemas.microsoft.com/office/drawing/2017/decorative" xmlns="" val="1"/>
                 </a:ext>
               </a:extLst>
             </p:cNvPr>
@@ -7144,7 +7144,7 @@
                 <a16:creationId xmlns:a16="http://schemas.microsoft.com/office/drawing/2014/main" id="{5BFF15B5-B6C3-4E20-967D-9B191EBA50C9}"/>
               </a:ext>
               <a:ext uri="{C183D7F6-B498-43B3-948B-1728B52AA6E4}">
-                <adec:decorative xmlns="" xmlns:adec="http://schemas.microsoft.com/office/drawing/2017/decorative" val="1"/>
+                <adec:decorative xmlns:adec="http://schemas.microsoft.com/office/drawing/2017/decorative" xmlns="" val="1"/>
               </a:ext>
             </a:extLst>
           </p:cNvPr>
@@ -7319,7 +7319,7 @@
                 <a16:creationId xmlns:a16="http://schemas.microsoft.com/office/drawing/2014/main" id="{5BFF15B5-B6C3-4E20-967D-9B191EBA50C9}"/>
               </a:ext>
               <a:ext uri="{C183D7F6-B498-43B3-948B-1728B52AA6E4}">
-                <adec:decorative xmlns="" xmlns:adec="http://schemas.microsoft.com/office/drawing/2017/decorative" val="1"/>
+                <adec:decorative xmlns:adec="http://schemas.microsoft.com/office/drawing/2017/decorative" xmlns="" val="1"/>
               </a:ext>
             </a:extLst>
           </p:cNvPr>
@@ -8386,7 +8386,7 @@
                 <a16:creationId xmlns:a16="http://schemas.microsoft.com/office/drawing/2014/main" id="{5BFF15B5-B6C3-4E20-967D-9B191EBA50C9}"/>
               </a:ext>
               <a:ext uri="{C183D7F6-B498-43B3-948B-1728B52AA6E4}">
-                <adec:decorative xmlns="" xmlns:adec="http://schemas.microsoft.com/office/drawing/2017/decorative" val="1"/>
+                <adec:decorative xmlns:adec="http://schemas.microsoft.com/office/drawing/2017/decorative" xmlns="" val="1"/>
               </a:ext>
             </a:extLst>
           </p:cNvPr>
@@ -8911,13 +8911,13 @@
   <p:clrMapOvr>
     <a:masterClrMapping/>
   </p:clrMapOvr>
-  <mc:AlternateContent xmlns:mc="http://schemas.openxmlformats.org/markup-compatibility/2006">
-    <mc:Choice xmlns:p14="http://schemas.microsoft.com/office/powerpoint/2010/main" Requires="p14">
+  <mc:AlternateContent xmlns:mc="http://schemas.openxmlformats.org/markup-compatibility/2006" xmlns:p14="http://schemas.microsoft.com/office/powerpoint/2010/main">
+    <mc:Choice Requires="p14">
       <p:transition spd="slow" p14:dur="1500">
         <p:split orient="vert"/>
       </p:transition>
     </mc:Choice>
-    <mc:Fallback>
+    <mc:Fallback xmlns="">
       <p:transition spd="slow">
         <p:split orient="vert"/>
       </p:transition>
@@ -9016,7 +9016,7 @@
                 <a16:creationId xmlns:a16="http://schemas.microsoft.com/office/drawing/2014/main" id="{5BFF15B5-B6C3-4E20-967D-9B191EBA50C9}"/>
               </a:ext>
               <a:ext uri="{C183D7F6-B498-43B3-948B-1728B52AA6E4}">
-                <adec:decorative xmlns="" xmlns:adec="http://schemas.microsoft.com/office/drawing/2017/decorative" val="1"/>
+                <adec:decorative xmlns:adec="http://schemas.microsoft.com/office/drawing/2017/decorative" xmlns="" val="1"/>
               </a:ext>
             </a:extLst>
           </p:cNvPr>
@@ -9658,13 +9658,13 @@
   <p:clrMapOvr>
     <a:masterClrMapping/>
   </p:clrMapOvr>
-  <mc:AlternateContent xmlns:mc="http://schemas.openxmlformats.org/markup-compatibility/2006">
-    <mc:Choice xmlns:p14="http://schemas.microsoft.com/office/powerpoint/2010/main" Requires="p14">
+  <mc:AlternateContent xmlns:mc="http://schemas.openxmlformats.org/markup-compatibility/2006" xmlns:p14="http://schemas.microsoft.com/office/powerpoint/2010/main">
+    <mc:Choice Requires="p14">
       <p:transition spd="slow" p14:dur="800">
         <p:circle/>
       </p:transition>
     </mc:Choice>
-    <mc:Fallback>
+    <mc:Fallback xmlns="">
       <p:transition spd="slow">
         <p:circle/>
       </p:transition>
@@ -9763,7 +9763,7 @@
                 <a16:creationId xmlns:a16="http://schemas.microsoft.com/office/drawing/2014/main" id="{5BFF15B5-B6C3-4E20-967D-9B191EBA50C9}"/>
               </a:ext>
               <a:ext uri="{C183D7F6-B498-43B3-948B-1728B52AA6E4}">
-                <adec:decorative xmlns="" xmlns:adec="http://schemas.microsoft.com/office/drawing/2017/decorative" val="1"/>
+                <adec:decorative xmlns:adec="http://schemas.microsoft.com/office/drawing/2017/decorative" xmlns="" val="1"/>
               </a:ext>
             </a:extLst>
           </p:cNvPr>
@@ -10135,7 +10135,7 @@
                 <a16:creationId xmlns:a16="http://schemas.microsoft.com/office/drawing/2014/main" id="{5BFF15B5-B6C3-4E20-967D-9B191EBA50C9}"/>
               </a:ext>
               <a:ext uri="{C183D7F6-B498-43B3-948B-1728B52AA6E4}">
-                <adec:decorative xmlns="" xmlns:adec="http://schemas.microsoft.com/office/drawing/2017/decorative" val="1"/>
+                <adec:decorative xmlns:adec="http://schemas.microsoft.com/office/drawing/2017/decorative" xmlns="" val="1"/>
               </a:ext>
             </a:extLst>
           </p:cNvPr>
@@ -10357,7 +10357,27 @@
                 <a:latin typeface="Times New Roman" panose="02020603050405020304" pitchFamily="18" charset="0"/>
                 <a:cs typeface="Times New Roman" panose="02020603050405020304" pitchFamily="18" charset="0"/>
               </a:rPr>
-              <a:t> y += 1.</a:t>
+              <a:t> y </a:t>
+            </a:r>
+            <a:r>
+              <a:rPr lang="vi-VN" altLang="vi-VN" sz="1600" b="1" dirty="0" smtClean="0">
+                <a:solidFill>
+                  <a:srgbClr val="333333"/>
+                </a:solidFill>
+                <a:latin typeface="Times New Roman" panose="02020603050405020304" pitchFamily="18" charset="0"/>
+                <a:cs typeface="Times New Roman" panose="02020603050405020304" pitchFamily="18" charset="0"/>
+              </a:rPr>
+              <a:t>-= </a:t>
+            </a:r>
+            <a:r>
+              <a:rPr lang="vi-VN" altLang="vi-VN" sz="1600" b="1" dirty="0">
+                <a:solidFill>
+                  <a:srgbClr val="333333"/>
+                </a:solidFill>
+                <a:latin typeface="Times New Roman" panose="02020603050405020304" pitchFamily="18" charset="0"/>
+                <a:cs typeface="Times New Roman" panose="02020603050405020304" pitchFamily="18" charset="0"/>
+              </a:rPr>
+              <a:t>1.</a:t>
             </a:r>
             <a:endParaRPr lang="vi-VN" altLang="vi-VN" sz="1600" dirty="0">
               <a:solidFill>
@@ -10406,7 +10426,37 @@
                 <a:latin typeface="Times New Roman" panose="02020603050405020304" pitchFamily="18" charset="0"/>
                 <a:cs typeface="Times New Roman" panose="02020603050405020304" pitchFamily="18" charset="0"/>
               </a:rPr>
-              <a:t>y -= 1.</a:t>
+              <a:t>y </a:t>
+            </a:r>
+            <a:r>
+              <a:rPr lang="vi-VN" altLang="vi-VN" sz="1600" b="1" dirty="0">
+                <a:solidFill>
+                  <a:srgbClr val="333333"/>
+                </a:solidFill>
+                <a:latin typeface="Times New Roman" panose="02020603050405020304" pitchFamily="18" charset="0"/>
+                <a:cs typeface="Times New Roman" panose="02020603050405020304" pitchFamily="18" charset="0"/>
+              </a:rPr>
+              <a:t>+</a:t>
+            </a:r>
+            <a:r>
+              <a:rPr lang="vi-VN" altLang="vi-VN" sz="1600" b="1" dirty="0" smtClean="0">
+                <a:solidFill>
+                  <a:srgbClr val="333333"/>
+                </a:solidFill>
+                <a:latin typeface="Times New Roman" panose="02020603050405020304" pitchFamily="18" charset="0"/>
+                <a:cs typeface="Times New Roman" panose="02020603050405020304" pitchFamily="18" charset="0"/>
+              </a:rPr>
+              <a:t>= </a:t>
+            </a:r>
+            <a:r>
+              <a:rPr lang="vi-VN" altLang="vi-VN" sz="1600" b="1" dirty="0">
+                <a:solidFill>
+                  <a:srgbClr val="333333"/>
+                </a:solidFill>
+                <a:latin typeface="Times New Roman" panose="02020603050405020304" pitchFamily="18" charset="0"/>
+                <a:cs typeface="Times New Roman" panose="02020603050405020304" pitchFamily="18" charset="0"/>
+              </a:rPr>
+              <a:t>1.</a:t>
             </a:r>
             <a:endParaRPr lang="vi-VN" altLang="vi-VN" sz="1600" dirty="0">
               <a:solidFill>
@@ -10914,7 +10964,7 @@
                 <a16:creationId xmlns:a16="http://schemas.microsoft.com/office/drawing/2014/main" id="{5BFF15B5-B6C3-4E20-967D-9B191EBA50C9}"/>
               </a:ext>
               <a:ext uri="{C183D7F6-B498-43B3-948B-1728B52AA6E4}">
-                <adec:decorative xmlns="" xmlns:adec="http://schemas.microsoft.com/office/drawing/2017/decorative" val="1"/>
+                <adec:decorative xmlns:adec="http://schemas.microsoft.com/office/drawing/2017/decorative" xmlns="" val="1"/>
               </a:ext>
             </a:extLst>
           </p:cNvPr>
@@ -11718,7 +11768,7 @@
                 <a16:creationId xmlns:a16="http://schemas.microsoft.com/office/drawing/2014/main" id="{5BFF15B5-B6C3-4E20-967D-9B191EBA50C9}"/>
               </a:ext>
               <a:ext uri="{C183D7F6-B498-43B3-948B-1728B52AA6E4}">
-                <adec:decorative xmlns="" xmlns:adec="http://schemas.microsoft.com/office/drawing/2017/decorative" val="1"/>
+                <adec:decorative xmlns:adec="http://schemas.microsoft.com/office/drawing/2017/decorative" xmlns="" val="1"/>
               </a:ext>
             </a:extLst>
           </p:cNvPr>
@@ -13200,6 +13250,15 @@
 </file>
 
 <file path=customXml/item2.xml><?xml version="1.0" encoding="utf-8"?>
+<?mso-contentType ?>
+<FormTemplates xmlns="http://schemas.microsoft.com/sharepoint/v3/contenttype/forms">
+  <Display>DocumentLibraryForm</Display>
+  <Edit>DocumentLibraryForm</Edit>
+  <New>DocumentLibraryForm</New>
+</FormTemplates>
+</file>
+
+<file path=customXml/item3.xml><?xml version="1.0" encoding="utf-8"?>
 <ct:contentTypeSchema xmlns:ct="http://schemas.microsoft.com/office/2006/metadata/contentType" xmlns:ma="http://schemas.microsoft.com/office/2006/metadata/properties/metaAttributes" ct:_="" ma:_="" ma:contentTypeName="Document" ma:contentTypeID="0x01010079F111ED35F8CC479449609E8A0923A6" ma:contentTypeVersion="11" ma:contentTypeDescription="Create a new document." ma:contentTypeScope="" ma:versionID="96291512c1ee715ab617f4c07df79fc1">
   <xsd:schema xmlns:xsd="http://www.w3.org/2001/XMLSchema" xmlns:xs="http://www.w3.org/2001/XMLSchema" xmlns:p="http://schemas.microsoft.com/office/2006/metadata/properties" xmlns:ns2="71af3243-3dd4-4a8d-8c0d-dd76da1f02a5" xmlns:ns3="16c05727-aa75-4e4a-9b5f-8a80a1165891" targetNamespace="http://schemas.microsoft.com/office/2006/metadata/properties" ma:root="true" ma:fieldsID="8256c27c40ca5c40ce1cf6c44f0205df" ns2:_="" ns3:_="">
     <xsd:import namespace="71af3243-3dd4-4a8d-8c0d-dd76da1f02a5"/>
@@ -13410,15 +13469,6 @@
 </ct:contentTypeSchema>
 </file>
 
-<file path=customXml/item3.xml><?xml version="1.0" encoding="utf-8"?>
-<?mso-contentType ?>
-<FormTemplates xmlns="http://schemas.microsoft.com/sharepoint/v3/contenttype/forms">
-  <Display>DocumentLibraryForm</Display>
-  <Edit>DocumentLibraryForm</Edit>
-  <New>DocumentLibraryForm</New>
-</FormTemplates>
-</file>
-
 <file path=customXml/itemProps1.xml><?xml version="1.0" encoding="utf-8"?>
 <ds:datastoreItem xmlns:ds="http://schemas.openxmlformats.org/officeDocument/2006/customXml" ds:itemID="{DCB47EFB-BDBB-4CE5-A848-1507BE3B7989}">
   <ds:schemaRefs>
@@ -13437,6 +13487,14 @@
 </file>
 
 <file path=customXml/itemProps2.xml><?xml version="1.0" encoding="utf-8"?>
+<ds:datastoreItem xmlns:ds="http://schemas.openxmlformats.org/officeDocument/2006/customXml" ds:itemID="{3DC31EBE-A492-4CE5-9650-1E2C8FDDD7CE}">
+  <ds:schemaRefs>
+    <ds:schemaRef ds:uri="http://schemas.microsoft.com/sharepoint/v3/contenttype/forms"/>
+  </ds:schemaRefs>
+</ds:datastoreItem>
+</file>
+
+<file path=customXml/itemProps3.xml><?xml version="1.0" encoding="utf-8"?>
 <ds:datastoreItem xmlns:ds="http://schemas.openxmlformats.org/officeDocument/2006/customXml" ds:itemID="{B1AD0D4C-03C4-489C-932A-66E2D74FA6D5}">
   <ds:schemaRefs>
     <ds:schemaRef ds:uri="http://schemas.microsoft.com/office/2006/metadata/contentType"/>
@@ -13453,12 +13511,4 @@
     <ds:schemaRef ds:uri="http://schemas.microsoft.com/internal/obd"/>
   </ds:schemaRefs>
 </ds:datastoreItem>
-</file>
-
-<file path=customXml/itemProps3.xml><?xml version="1.0" encoding="utf-8"?>
-<ds:datastoreItem xmlns:ds="http://schemas.openxmlformats.org/officeDocument/2006/customXml" ds:itemID="{3DC31EBE-A492-4CE5-9650-1E2C8FDDD7CE}">
-  <ds:schemaRefs>
-    <ds:schemaRef ds:uri="http://schemas.microsoft.com/sharepoint/v3/contenttype/forms"/>
-  </ds:schemaRefs>
-</ds:datastoreItem>
 </file>